--- a/Bootcamp/Final Capstone Opinion Mining/Opinion Mining Presentation.pptx
+++ b/Bootcamp/Final Capstone Opinion Mining/Opinion Mining Presentation.pptx
@@ -7,31 +7,37 @@
   <p:sldIdLst>
     <p:sldId id="256" r:id="rId2"/>
     <p:sldId id="287" r:id="rId3"/>
-    <p:sldId id="280" r:id="rId4"/>
-    <p:sldId id="257" r:id="rId5"/>
+    <p:sldId id="257" r:id="rId4"/>
+    <p:sldId id="280" r:id="rId5"/>
     <p:sldId id="258" r:id="rId6"/>
     <p:sldId id="278" r:id="rId7"/>
     <p:sldId id="279" r:id="rId8"/>
     <p:sldId id="259" r:id="rId9"/>
     <p:sldId id="260" r:id="rId10"/>
     <p:sldId id="281" r:id="rId11"/>
-    <p:sldId id="282" r:id="rId12"/>
-    <p:sldId id="261" r:id="rId13"/>
-    <p:sldId id="283" r:id="rId14"/>
-    <p:sldId id="262" r:id="rId15"/>
-    <p:sldId id="284" r:id="rId16"/>
-    <p:sldId id="285" r:id="rId17"/>
-    <p:sldId id="286" r:id="rId18"/>
-    <p:sldId id="264" r:id="rId19"/>
-    <p:sldId id="288" r:id="rId20"/>
-    <p:sldId id="289" r:id="rId21"/>
-    <p:sldId id="266" r:id="rId22"/>
-    <p:sldId id="267" r:id="rId23"/>
-    <p:sldId id="269" r:id="rId24"/>
-    <p:sldId id="268" r:id="rId25"/>
-    <p:sldId id="274" r:id="rId26"/>
-    <p:sldId id="275" r:id="rId27"/>
-    <p:sldId id="276" r:id="rId28"/>
+    <p:sldId id="291" r:id="rId12"/>
+    <p:sldId id="292" r:id="rId13"/>
+    <p:sldId id="282" r:id="rId14"/>
+    <p:sldId id="261" r:id="rId15"/>
+    <p:sldId id="283" r:id="rId16"/>
+    <p:sldId id="262" r:id="rId17"/>
+    <p:sldId id="284" r:id="rId18"/>
+    <p:sldId id="285" r:id="rId19"/>
+    <p:sldId id="286" r:id="rId20"/>
+    <p:sldId id="264" r:id="rId21"/>
+    <p:sldId id="288" r:id="rId22"/>
+    <p:sldId id="289" r:id="rId23"/>
+    <p:sldId id="266" r:id="rId24"/>
+    <p:sldId id="293" r:id="rId25"/>
+    <p:sldId id="267" r:id="rId26"/>
+    <p:sldId id="295" r:id="rId27"/>
+    <p:sldId id="269" r:id="rId28"/>
+    <p:sldId id="294" r:id="rId29"/>
+    <p:sldId id="268" r:id="rId30"/>
+    <p:sldId id="274" r:id="rId31"/>
+    <p:sldId id="275" r:id="rId32"/>
+    <p:sldId id="290" r:id="rId33"/>
+    <p:sldId id="276" r:id="rId34"/>
   </p:sldIdLst>
   <p:sldSz cx="12192000" cy="6858000"/>
   <p:notesSz cx="6858000" cy="9144000"/>
@@ -130,6 +136,11 @@
       </a:defRPr>
     </a:lvl9pPr>
   </p:defaultTextStyle>
+  <p:extLst>
+    <p:ext uri="{EFAFB233-063F-42B5-8137-9DF3F51BA10A}">
+      <p15:sldGuideLst xmlns:p15="http://schemas.microsoft.com/office/powerpoint/2012/main"/>
+    </p:ext>
+  </p:extLst>
 </p:presentation>
 </file>
 
@@ -4284,10 +4295,10 @@
             </a:lnSpc>
           </a:pPr>
           <a:r>
-            <a:rPr lang="en-US" b="0" i="0"/>
+            <a:rPr lang="en-US" b="0" i="0" dirty="0"/>
             <a:t>What does Public Opinion tell us about the iPhone X?</a:t>
           </a:r>
-          <a:endParaRPr lang="en-US"/>
+          <a:endParaRPr lang="en-US" dirty="0"/>
         </a:p>
       </dgm:t>
     </dgm:pt>
@@ -4326,10 +4337,10 @@
             </a:lnSpc>
           </a:pPr>
           <a:r>
-            <a:rPr lang="en-US" b="0" i="0"/>
+            <a:rPr lang="en-US" b="0" i="0" dirty="0"/>
             <a:t>What are some negative aspects of the iPhone X that people dislike about our product?</a:t>
           </a:r>
-          <a:endParaRPr lang="en-US"/>
+          <a:endParaRPr lang="en-US" dirty="0"/>
         </a:p>
       </dgm:t>
     </dgm:pt>
@@ -4368,10 +4379,10 @@
             </a:lnSpc>
           </a:pPr>
           <a:r>
-            <a:rPr lang="en-US" b="0" i="0"/>
+            <a:rPr lang="en-US" b="0" i="0" dirty="0"/>
             <a:t>How does our product compare with that of a competing smartphone like the Samsung Galaxy S9?</a:t>
           </a:r>
-          <a:endParaRPr lang="en-US"/>
+          <a:endParaRPr lang="en-US" dirty="0"/>
         </a:p>
       </dgm:t>
     </dgm:pt>
@@ -5764,8 +5775,8 @@
         <a:lstStyle/>
         <a:p>
           <a:r>
-            <a:rPr lang="en-US"/>
-            <a:t>Classify</a:t>
+            <a:rPr lang="en-US" dirty="0"/>
+            <a:t>Score and Classify</a:t>
           </a:r>
         </a:p>
       </dgm:t>
@@ -5801,7 +5812,7 @@
         <a:p>
           <a:r>
             <a:rPr lang="en-US" dirty="0"/>
-            <a:t>Classify Terms and Sentiments into Topics.</a:t>
+            <a:t>Score Terms and Sentiments then Classify them into  Topics.</a:t>
           </a:r>
         </a:p>
       </dgm:t>
@@ -6205,10 +6216,10 @@
             <a:buNone/>
           </a:pPr>
           <a:r>
-            <a:rPr lang="en-US" sz="2000" b="0" i="0" kern="1200"/>
+            <a:rPr lang="en-US" sz="2000" b="0" i="0" kern="1200" dirty="0"/>
             <a:t>What does Public Opinion tell us about the iPhone X?</a:t>
           </a:r>
-          <a:endParaRPr lang="en-US" sz="2000" kern="1200"/>
+          <a:endParaRPr lang="en-US" sz="2000" kern="1200" dirty="0"/>
         </a:p>
       </dsp:txBody>
       <dsp:txXfrm>
@@ -6368,10 +6379,10 @@
             <a:buNone/>
           </a:pPr>
           <a:r>
-            <a:rPr lang="en-US" sz="2000" b="0" i="0" kern="1200"/>
+            <a:rPr lang="en-US" sz="2000" b="0" i="0" kern="1200" dirty="0"/>
             <a:t>What are some negative aspects of the iPhone X that people dislike about our product?</a:t>
           </a:r>
-          <a:endParaRPr lang="en-US" sz="2000" kern="1200"/>
+          <a:endParaRPr lang="en-US" sz="2000" kern="1200" dirty="0"/>
         </a:p>
       </dsp:txBody>
       <dsp:txXfrm>
@@ -6531,10 +6542,10 @@
             <a:buNone/>
           </a:pPr>
           <a:r>
-            <a:rPr lang="en-US" sz="2000" b="0" i="0" kern="1200"/>
+            <a:rPr lang="en-US" sz="2000" b="0" i="0" kern="1200" dirty="0"/>
             <a:t>How does our product compare with that of a competing smartphone like the Samsung Galaxy S9?</a:t>
           </a:r>
-          <a:endParaRPr lang="en-US" sz="2000" kern="1200"/>
+          <a:endParaRPr lang="en-US" sz="2000" kern="1200" dirty="0"/>
         </a:p>
       </dsp:txBody>
       <dsp:txXfrm>
@@ -8497,12 +8508,12 @@
         </a:fontRef>
       </dsp:style>
       <dsp:txBody>
-        <a:bodyPr spcFirstLastPara="0" vert="horz" wrap="square" lIns="193826" tIns="206248" rIns="193826" bIns="206248" numCol="1" spcCol="1270" anchor="ctr" anchorCtr="0">
+        <a:bodyPr spcFirstLastPara="0" vert="horz" wrap="square" lIns="193826" tIns="142240" rIns="193826" bIns="142240" numCol="1" spcCol="1270" anchor="ctr" anchorCtr="0">
           <a:noAutofit/>
         </a:bodyPr>
         <a:lstStyle/>
         <a:p>
-          <a:pPr marL="0" lvl="0" indent="0" algn="ctr" defTabSz="1289050">
+          <a:pPr marL="0" lvl="0" indent="0" algn="ctr" defTabSz="889000">
             <a:lnSpc>
               <a:spcPct val="90000"/>
             </a:lnSpc>
@@ -8515,7 +8526,7 @@
             <a:buNone/>
           </a:pPr>
           <a:r>
-            <a:rPr lang="en-US" sz="2900" kern="1200"/>
+            <a:rPr lang="en-US" sz="2000" kern="1200"/>
             <a:t>Visualize</a:t>
           </a:r>
         </a:p>
@@ -8681,12 +8692,12 @@
         </a:fontRef>
       </dsp:style>
       <dsp:txBody>
-        <a:bodyPr spcFirstLastPara="0" vert="horz" wrap="square" lIns="193826" tIns="206248" rIns="193826" bIns="206248" numCol="1" spcCol="1270" anchor="ctr" anchorCtr="0">
+        <a:bodyPr spcFirstLastPara="0" vert="horz" wrap="square" lIns="193826" tIns="142240" rIns="193826" bIns="142240" numCol="1" spcCol="1270" anchor="ctr" anchorCtr="0">
           <a:noAutofit/>
         </a:bodyPr>
         <a:lstStyle/>
         <a:p>
-          <a:pPr marL="0" lvl="0" indent="0" algn="ctr" defTabSz="1289050">
+          <a:pPr marL="0" lvl="0" indent="0" algn="ctr" defTabSz="889000">
             <a:lnSpc>
               <a:spcPct val="90000"/>
             </a:lnSpc>
@@ -8699,8 +8710,8 @@
             <a:buNone/>
           </a:pPr>
           <a:r>
-            <a:rPr lang="en-US" sz="2900" kern="1200"/>
-            <a:t>Classify</a:t>
+            <a:rPr lang="en-US" sz="2000" kern="1200" dirty="0"/>
+            <a:t>Score and Classify</a:t>
           </a:r>
         </a:p>
       </dsp:txBody>
@@ -8779,7 +8790,7 @@
           </a:pPr>
           <a:r>
             <a:rPr lang="en-US" sz="1200" kern="1200" dirty="0"/>
-            <a:t>Classify Terms and Sentiments into Topics.</a:t>
+            <a:t>Score Terms and Sentiments then Classify them into  Topics.</a:t>
           </a:r>
         </a:p>
         <a:p>
@@ -8883,12 +8894,12 @@
         </a:fontRef>
       </dsp:style>
       <dsp:txBody>
-        <a:bodyPr spcFirstLastPara="0" vert="horz" wrap="square" lIns="193826" tIns="206248" rIns="193826" bIns="206248" numCol="1" spcCol="1270" anchor="ctr" anchorCtr="0">
+        <a:bodyPr spcFirstLastPara="0" vert="horz" wrap="square" lIns="193826" tIns="142240" rIns="193826" bIns="142240" numCol="1" spcCol="1270" anchor="ctr" anchorCtr="0">
           <a:noAutofit/>
         </a:bodyPr>
         <a:lstStyle/>
         <a:p>
-          <a:pPr marL="0" lvl="0" indent="0" algn="ctr" defTabSz="1289050">
+          <a:pPr marL="0" lvl="0" indent="0" algn="ctr" defTabSz="889000">
             <a:lnSpc>
               <a:spcPct val="90000"/>
             </a:lnSpc>
@@ -8901,7 +8912,7 @@
             <a:buNone/>
           </a:pPr>
           <a:r>
-            <a:rPr lang="en-US" sz="2900" kern="1200"/>
+            <a:rPr lang="en-US" sz="2000" kern="1200"/>
             <a:t>Extract</a:t>
           </a:r>
         </a:p>
@@ -23352,6 +23363,1030 @@
           <p:cNvPr id="5" name="Content Placeholder 4" descr="A screenshot of a cell phone&#10;&#10;Description automatically generated">
             <a:extLst>
               <a:ext uri="{FF2B5EF4-FFF2-40B4-BE49-F238E27FC236}">
+                <a16:creationId xmlns:a16="http://schemas.microsoft.com/office/drawing/2014/main" id="{1155A7EF-0884-414A-B5F2-86C4CC7DAD9D}"/>
+              </a:ext>
+            </a:extLst>
+          </p:cNvPr>
+          <p:cNvPicPr>
+            <a:picLocks noGrp="1" noChangeAspect="1"/>
+          </p:cNvPicPr>
+          <p:nvPr>
+            <p:ph idx="1"/>
+          </p:nvPr>
+        </p:nvPicPr>
+        <p:blipFill>
+          <a:blip r:embed="rId7"/>
+          <a:stretch>
+            <a:fillRect/>
+          </a:stretch>
+        </p:blipFill>
+        <p:spPr>
+          <a:xfrm>
+            <a:off x="643467" y="1288881"/>
+            <a:ext cx="10905066" cy="4280238"/>
+          </a:xfrm>
+          <a:prstGeom prst="rect">
+            <a:avLst/>
+          </a:prstGeom>
+        </p:spPr>
+      </p:pic>
+      <p:sp>
+        <p:nvSpPr>
+          <p:cNvPr id="24" name="Rectangle 23">
+            <a:extLst>
+              <a:ext uri="{FF2B5EF4-FFF2-40B4-BE49-F238E27FC236}">
+                <a16:creationId xmlns:a16="http://schemas.microsoft.com/office/drawing/2014/main" id="{9A6C928E-4252-4F33-8C34-E50A12A3170B}"/>
+              </a:ext>
+              <a:ext uri="{C183D7F6-B498-43B3-948B-1728B52AA6E4}">
+                <adec:decorative xmlns:adec="http://schemas.microsoft.com/office/drawing/2017/decorative" val="1"/>
+              </a:ext>
+            </a:extLst>
+          </p:cNvPr>
+          <p:cNvSpPr>
+            <a:spLocks noGrp="1" noRot="1" noChangeAspect="1" noMove="1" noResize="1" noEditPoints="1" noAdjustHandles="1" noChangeArrowheads="1" noChangeShapeType="1" noTextEdit="1"/>
+          </p:cNvSpPr>
+          <p:nvPr>
+            <p:extLst>
+              <p:ext uri="{386F3935-93C4-4BCD-93E2-E3B085C9AB24}">
+                <p16:designElem xmlns:p16="http://schemas.microsoft.com/office/powerpoint/2015/main" val="1"/>
+              </p:ext>
+            </p:extLst>
+          </p:nvPr>
+        </p:nvSpPr>
+        <p:spPr>
+          <a:xfrm>
+            <a:off x="10437812" y="0"/>
+            <a:ext cx="685800" cy="1143000"/>
+          </a:xfrm>
+          <a:prstGeom prst="rect">
+            <a:avLst/>
+          </a:prstGeom>
+          <a:solidFill>
+            <a:schemeClr val="accent1"/>
+          </a:solidFill>
+          <a:ln>
+            <a:noFill/>
+          </a:ln>
+        </p:spPr>
+        <p:style>
+          <a:lnRef idx="1">
+            <a:schemeClr val="accent1"/>
+          </a:lnRef>
+          <a:fillRef idx="3">
+            <a:schemeClr val="accent1"/>
+          </a:fillRef>
+          <a:effectRef idx="2">
+            <a:schemeClr val="accent1"/>
+          </a:effectRef>
+          <a:fontRef idx="minor">
+            <a:schemeClr val="lt1"/>
+          </a:fontRef>
+        </p:style>
+      </p:sp>
+    </p:spTree>
+    <p:extLst>
+      <p:ext uri="{BB962C8B-B14F-4D97-AF65-F5344CB8AC3E}">
+        <p14:creationId xmlns:p14="http://schemas.microsoft.com/office/powerpoint/2010/main" val="1257304300"/>
+      </p:ext>
+    </p:extLst>
+  </p:cSld>
+  <p:clrMapOvr>
+    <a:masterClrMapping/>
+  </p:clrMapOvr>
+</p:sld>
+</file>
+
+<file path=ppt/slides/slide12.xml><?xml version="1.0" encoding="utf-8"?>
+<p:sld xmlns:a="http://schemas.openxmlformats.org/drawingml/2006/main" xmlns:r="http://schemas.openxmlformats.org/officeDocument/2006/relationships" xmlns:p="http://schemas.openxmlformats.org/presentationml/2006/main">
+  <p:cSld>
+    <p:bg>
+      <p:bgPr>
+        <a:blipFill rotWithShape="1">
+          <a:blip r:embed="rId2">
+            <a:duotone>
+              <a:schemeClr val="bg2">
+                <a:shade val="69000"/>
+                <a:hueMod val="108000"/>
+                <a:satMod val="164000"/>
+                <a:lumMod val="74000"/>
+              </a:schemeClr>
+              <a:schemeClr val="bg2">
+                <a:tint val="96000"/>
+                <a:hueMod val="88000"/>
+                <a:satMod val="140000"/>
+                <a:lumMod val="132000"/>
+              </a:schemeClr>
+            </a:duotone>
+            <a:extLst/>
+          </a:blip>
+          <a:stretch/>
+        </a:blipFill>
+        <a:effectLst/>
+      </p:bgPr>
+    </p:bg>
+    <p:spTree>
+      <p:nvGrpSpPr>
+        <p:cNvPr id="1" name=""/>
+        <p:cNvGrpSpPr/>
+        <p:nvPr/>
+      </p:nvGrpSpPr>
+      <p:grpSpPr>
+        <a:xfrm>
+          <a:off x="0" y="0"/>
+          <a:ext cx="0" cy="0"/>
+          <a:chOff x="0" y="0"/>
+          <a:chExt cx="0" cy="0"/>
+        </a:xfrm>
+      </p:grpSpPr>
+      <p:pic>
+        <p:nvPicPr>
+          <p:cNvPr id="10" name="Picture 9">
+            <a:extLst>
+              <a:ext uri="{FF2B5EF4-FFF2-40B4-BE49-F238E27FC236}">
+                <a16:creationId xmlns:a16="http://schemas.microsoft.com/office/drawing/2014/main" id="{C9ECDD5C-152A-4CC7-8333-0F367B3A62EA}"/>
+              </a:ext>
+              <a:ext uri="{C183D7F6-B498-43B3-948B-1728B52AA6E4}">
+                <adec:decorative xmlns:adec="http://schemas.microsoft.com/office/drawing/2017/decorative" val="1"/>
+              </a:ext>
+            </a:extLst>
+          </p:cNvPr>
+          <p:cNvPicPr>
+            <a:picLocks noGrp="1" noRot="1" noChangeAspect="1" noMove="1" noResize="1" noEditPoints="1" noAdjustHandles="1" noChangeArrowheads="1" noChangeShapeType="1" noCrop="1"/>
+          </p:cNvPicPr>
+          <p:nvPr>
+            <p:extLst>
+              <p:ext uri="{386F3935-93C4-4BCD-93E2-E3B085C9AB24}">
+                <p16:designElem xmlns:p16="http://schemas.microsoft.com/office/powerpoint/2015/main" val="1"/>
+              </p:ext>
+            </p:extLst>
+          </p:nvPr>
+        </p:nvPicPr>
+        <p:blipFill rotWithShape="1">
+          <a:blip r:embed="rId3">
+            <a:extLst>
+              <a:ext uri="{28A0092B-C50C-407E-A947-70E740481C1C}">
+                <a14:useLocalDpi xmlns:a14="http://schemas.microsoft.com/office/drawing/2010/main" val="0"/>
+              </a:ext>
+            </a:extLst>
+          </a:blip>
+          <a:srcRect l="3613"/>
+          <a:stretch/>
+        </p:blipFill>
+        <p:spPr>
+          <a:xfrm>
+            <a:off x="0" y="2669685"/>
+            <a:ext cx="4037012" cy="4188315"/>
+          </a:xfrm>
+          <a:prstGeom prst="rect">
+            <a:avLst/>
+          </a:prstGeom>
+        </p:spPr>
+      </p:pic>
+      <p:pic>
+        <p:nvPicPr>
+          <p:cNvPr id="12" name="Picture 11">
+            <a:extLst>
+              <a:ext uri="{FF2B5EF4-FFF2-40B4-BE49-F238E27FC236}">
+                <a16:creationId xmlns:a16="http://schemas.microsoft.com/office/drawing/2014/main" id="{7F5C92A3-369B-43F3-BDCE-E560B1B0EC89}"/>
+              </a:ext>
+              <a:ext uri="{C183D7F6-B498-43B3-948B-1728B52AA6E4}">
+                <adec:decorative xmlns:adec="http://schemas.microsoft.com/office/drawing/2017/decorative" val="1"/>
+              </a:ext>
+            </a:extLst>
+          </p:cNvPr>
+          <p:cNvPicPr>
+            <a:picLocks noGrp="1" noRot="1" noChangeAspect="1" noMove="1" noResize="1" noEditPoints="1" noAdjustHandles="1" noChangeArrowheads="1" noChangeShapeType="1" noCrop="1"/>
+          </p:cNvPicPr>
+          <p:nvPr>
+            <p:extLst>
+              <p:ext uri="{386F3935-93C4-4BCD-93E2-E3B085C9AB24}">
+                <p16:designElem xmlns:p16="http://schemas.microsoft.com/office/powerpoint/2015/main" val="1"/>
+              </p:ext>
+            </p:extLst>
+          </p:nvPr>
+        </p:nvPicPr>
+        <p:blipFill rotWithShape="1">
+          <a:blip r:embed="rId4">
+            <a:extLst>
+              <a:ext uri="{28A0092B-C50C-407E-A947-70E740481C1C}">
+                <a14:useLocalDpi xmlns:a14="http://schemas.microsoft.com/office/drawing/2010/main" val="0"/>
+              </a:ext>
+            </a:extLst>
+          </a:blip>
+          <a:srcRect l="35640"/>
+          <a:stretch/>
+        </p:blipFill>
+        <p:spPr>
+          <a:xfrm>
+            <a:off x="0" y="2892347"/>
+            <a:ext cx="1522412" cy="2365453"/>
+          </a:xfrm>
+          <a:prstGeom prst="rect">
+            <a:avLst/>
+          </a:prstGeom>
+        </p:spPr>
+      </p:pic>
+      <p:sp>
+        <p:nvSpPr>
+          <p:cNvPr id="14" name="Oval 13">
+            <a:extLst>
+              <a:ext uri="{FF2B5EF4-FFF2-40B4-BE49-F238E27FC236}">
+                <a16:creationId xmlns:a16="http://schemas.microsoft.com/office/drawing/2014/main" id="{AEBE9F1A-B38D-446E-83AE-14B17CE77FF2}"/>
+              </a:ext>
+              <a:ext uri="{C183D7F6-B498-43B3-948B-1728B52AA6E4}">
+                <adec:decorative xmlns:adec="http://schemas.microsoft.com/office/drawing/2017/decorative" val="1"/>
+              </a:ext>
+            </a:extLst>
+          </p:cNvPr>
+          <p:cNvSpPr>
+            <a:spLocks noGrp="1" noRot="1" noChangeAspect="1" noMove="1" noResize="1" noEditPoints="1" noAdjustHandles="1" noChangeArrowheads="1" noChangeShapeType="1" noTextEdit="1"/>
+          </p:cNvSpPr>
+          <p:nvPr>
+            <p:extLst>
+              <p:ext uri="{386F3935-93C4-4BCD-93E2-E3B085C9AB24}">
+                <p16:designElem xmlns:p16="http://schemas.microsoft.com/office/powerpoint/2015/main" val="1"/>
+              </p:ext>
+            </p:extLst>
+          </p:nvPr>
+        </p:nvSpPr>
+        <p:spPr>
+          <a:xfrm>
+            <a:off x="8609012" y="1676400"/>
+            <a:ext cx="2819400" cy="2819400"/>
+          </a:xfrm>
+          <a:prstGeom prst="ellipse">
+            <a:avLst/>
+          </a:prstGeom>
+          <a:gradFill flip="none" rotWithShape="1">
+            <a:gsLst>
+              <a:gs pos="0">
+                <a:schemeClr val="bg2">
+                  <a:lumMod val="60000"/>
+                  <a:lumOff val="40000"/>
+                  <a:alpha val="7000"/>
+                </a:schemeClr>
+              </a:gs>
+              <a:gs pos="69000">
+                <a:schemeClr val="bg2">
+                  <a:lumMod val="60000"/>
+                  <a:lumOff val="40000"/>
+                  <a:alpha val="0"/>
+                </a:schemeClr>
+              </a:gs>
+              <a:gs pos="36000">
+                <a:schemeClr val="bg2">
+                  <a:lumMod val="60000"/>
+                  <a:lumOff val="40000"/>
+                  <a:alpha val="6000"/>
+                </a:schemeClr>
+              </a:gs>
+            </a:gsLst>
+            <a:path path="circle">
+              <a:fillToRect l="50000" t="50000" r="50000" b="50000"/>
+            </a:path>
+            <a:tileRect/>
+          </a:gradFill>
+          <a:ln>
+            <a:noFill/>
+          </a:ln>
+          <a:effectLst/>
+        </p:spPr>
+        <p:style>
+          <a:lnRef idx="1">
+            <a:schemeClr val="accent1"/>
+          </a:lnRef>
+          <a:fillRef idx="3">
+            <a:schemeClr val="accent1"/>
+          </a:fillRef>
+          <a:effectRef idx="2">
+            <a:schemeClr val="accent1"/>
+          </a:effectRef>
+          <a:fontRef idx="minor">
+            <a:schemeClr val="lt1"/>
+          </a:fontRef>
+        </p:style>
+      </p:sp>
+      <p:pic>
+        <p:nvPicPr>
+          <p:cNvPr id="16" name="Picture 15">
+            <a:extLst>
+              <a:ext uri="{FF2B5EF4-FFF2-40B4-BE49-F238E27FC236}">
+                <a16:creationId xmlns:a16="http://schemas.microsoft.com/office/drawing/2014/main" id="{915B5014-A7EC-4BA6-9C83-8840CF81DB28}"/>
+              </a:ext>
+              <a:ext uri="{C183D7F6-B498-43B3-948B-1728B52AA6E4}">
+                <adec:decorative xmlns:adec="http://schemas.microsoft.com/office/drawing/2017/decorative" val="1"/>
+              </a:ext>
+            </a:extLst>
+          </p:cNvPr>
+          <p:cNvPicPr>
+            <a:picLocks noGrp="1" noRot="1" noChangeAspect="1" noMove="1" noResize="1" noEditPoints="1" noAdjustHandles="1" noChangeArrowheads="1" noChangeShapeType="1" noCrop="1"/>
+          </p:cNvPicPr>
+          <p:nvPr>
+            <p:extLst>
+              <p:ext uri="{386F3935-93C4-4BCD-93E2-E3B085C9AB24}">
+                <p16:designElem xmlns:p16="http://schemas.microsoft.com/office/powerpoint/2015/main" val="1"/>
+              </p:ext>
+            </p:extLst>
+          </p:nvPr>
+        </p:nvPicPr>
+        <p:blipFill rotWithShape="1">
+          <a:blip r:embed="rId5">
+            <a:extLst>
+              <a:ext uri="{28A0092B-C50C-407E-A947-70E740481C1C}">
+                <a14:useLocalDpi xmlns:a14="http://schemas.microsoft.com/office/drawing/2010/main" val="0"/>
+              </a:ext>
+            </a:extLst>
+          </a:blip>
+          <a:srcRect t="28813"/>
+          <a:stretch/>
+        </p:blipFill>
+        <p:spPr>
+          <a:xfrm>
+            <a:off x="7999412" y="0"/>
+            <a:ext cx="1603387" cy="1141407"/>
+          </a:xfrm>
+          <a:prstGeom prst="rect">
+            <a:avLst/>
+          </a:prstGeom>
+        </p:spPr>
+      </p:pic>
+      <p:pic>
+        <p:nvPicPr>
+          <p:cNvPr id="18" name="Picture 17">
+            <a:extLst>
+              <a:ext uri="{FF2B5EF4-FFF2-40B4-BE49-F238E27FC236}">
+                <a16:creationId xmlns:a16="http://schemas.microsoft.com/office/drawing/2014/main" id="{022C43AB-86D7-420D-8AD7-DC0A15FDD0AF}"/>
+              </a:ext>
+              <a:ext uri="{C183D7F6-B498-43B3-948B-1728B52AA6E4}">
+                <adec:decorative xmlns:adec="http://schemas.microsoft.com/office/drawing/2017/decorative" val="1"/>
+              </a:ext>
+            </a:extLst>
+          </p:cNvPr>
+          <p:cNvPicPr>
+            <a:picLocks noGrp="1" noRot="1" noChangeAspect="1" noMove="1" noResize="1" noEditPoints="1" noAdjustHandles="1" noChangeArrowheads="1" noChangeShapeType="1" noCrop="1"/>
+          </p:cNvPicPr>
+          <p:nvPr>
+            <p:extLst>
+              <p:ext uri="{386F3935-93C4-4BCD-93E2-E3B085C9AB24}">
+                <p16:designElem xmlns:p16="http://schemas.microsoft.com/office/powerpoint/2015/main" val="1"/>
+              </p:ext>
+            </p:extLst>
+          </p:nvPr>
+        </p:nvPicPr>
+        <p:blipFill rotWithShape="1">
+          <a:blip r:embed="rId6">
+            <a:extLst>
+              <a:ext uri="{28A0092B-C50C-407E-A947-70E740481C1C}">
+                <a14:useLocalDpi xmlns:a14="http://schemas.microsoft.com/office/drawing/2010/main" val="0"/>
+              </a:ext>
+            </a:extLst>
+          </a:blip>
+          <a:srcRect b="23320"/>
+          <a:stretch/>
+        </p:blipFill>
+        <p:spPr>
+          <a:xfrm>
+            <a:off x="8605878" y="6096000"/>
+            <a:ext cx="993734" cy="762000"/>
+          </a:xfrm>
+          <a:prstGeom prst="rect">
+            <a:avLst/>
+          </a:prstGeom>
+        </p:spPr>
+      </p:pic>
+      <p:sp>
+        <p:nvSpPr>
+          <p:cNvPr id="20" name="Rectangle 19">
+            <a:extLst>
+              <a:ext uri="{FF2B5EF4-FFF2-40B4-BE49-F238E27FC236}">
+                <a16:creationId xmlns:a16="http://schemas.microsoft.com/office/drawing/2014/main" id="{5E3EB826-A471-488F-9E8A-D65528A3C0CA}"/>
+              </a:ext>
+              <a:ext uri="{C183D7F6-B498-43B3-948B-1728B52AA6E4}">
+                <adec:decorative xmlns:adec="http://schemas.microsoft.com/office/drawing/2017/decorative" val="1"/>
+              </a:ext>
+            </a:extLst>
+          </p:cNvPr>
+          <p:cNvSpPr>
+            <a:spLocks noGrp="1" noRot="1" noChangeAspect="1" noMove="1" noResize="1" noEditPoints="1" noAdjustHandles="1" noChangeArrowheads="1" noChangeShapeType="1" noTextEdit="1"/>
+          </p:cNvSpPr>
+          <p:nvPr>
+            <p:extLst>
+              <p:ext uri="{386F3935-93C4-4BCD-93E2-E3B085C9AB24}">
+                <p16:designElem xmlns:p16="http://schemas.microsoft.com/office/powerpoint/2015/main" val="1"/>
+              </p:ext>
+            </p:extLst>
+          </p:nvPr>
+        </p:nvSpPr>
+        <p:spPr>
+          <a:xfrm>
+            <a:off x="10437812" y="0"/>
+            <a:ext cx="685800" cy="1143000"/>
+          </a:xfrm>
+          <a:prstGeom prst="rect">
+            <a:avLst/>
+          </a:prstGeom>
+          <a:solidFill>
+            <a:schemeClr val="accent1"/>
+          </a:solidFill>
+          <a:ln>
+            <a:noFill/>
+          </a:ln>
+        </p:spPr>
+        <p:style>
+          <a:lnRef idx="1">
+            <a:schemeClr val="accent1"/>
+          </a:lnRef>
+          <a:fillRef idx="3">
+            <a:schemeClr val="accent1"/>
+          </a:fillRef>
+          <a:effectRef idx="2">
+            <a:schemeClr val="accent1"/>
+          </a:effectRef>
+          <a:fontRef idx="minor">
+            <a:schemeClr val="lt1"/>
+          </a:fontRef>
+        </p:style>
+      </p:sp>
+      <p:sp>
+        <p:nvSpPr>
+          <p:cNvPr id="22" name="Rectangle 21">
+            <a:extLst>
+              <a:ext uri="{FF2B5EF4-FFF2-40B4-BE49-F238E27FC236}">
+                <a16:creationId xmlns:a16="http://schemas.microsoft.com/office/drawing/2014/main" id="{DFB3CEA1-88D9-42FB-88ED-1E9807FE6596}"/>
+              </a:ext>
+              <a:ext uri="{C183D7F6-B498-43B3-948B-1728B52AA6E4}">
+                <adec:decorative xmlns:adec="http://schemas.microsoft.com/office/drawing/2017/decorative" val="1"/>
+              </a:ext>
+            </a:extLst>
+          </p:cNvPr>
+          <p:cNvSpPr>
+            <a:spLocks noGrp="1" noRot="1" noChangeAspect="1" noMove="1" noResize="1" noEditPoints="1" noAdjustHandles="1" noChangeArrowheads="1" noChangeShapeType="1" noTextEdit="1"/>
+          </p:cNvSpPr>
+          <p:nvPr>
+            <p:extLst>
+              <p:ext uri="{386F3935-93C4-4BCD-93E2-E3B085C9AB24}">
+                <p16:designElem xmlns:p16="http://schemas.microsoft.com/office/powerpoint/2015/main" val="1"/>
+              </p:ext>
+            </p:extLst>
+          </p:nvPr>
+        </p:nvSpPr>
+        <p:spPr>
+          <a:xfrm>
+            <a:off x="477012" y="480060"/>
+            <a:ext cx="11237976" cy="5897880"/>
+          </a:xfrm>
+          <a:prstGeom prst="rect">
+            <a:avLst/>
+          </a:prstGeom>
+          <a:solidFill>
+            <a:srgbClr val="FFFFFF"/>
+          </a:solidFill>
+          <a:ln>
+            <a:noFill/>
+          </a:ln>
+        </p:spPr>
+        <p:style>
+          <a:lnRef idx="2">
+            <a:schemeClr val="accent1">
+              <a:shade val="50000"/>
+            </a:schemeClr>
+          </a:lnRef>
+          <a:fillRef idx="1">
+            <a:schemeClr val="accent1"/>
+          </a:fillRef>
+          <a:effectRef idx="0">
+            <a:schemeClr val="accent1"/>
+          </a:effectRef>
+          <a:fontRef idx="minor">
+            <a:schemeClr val="lt1"/>
+          </a:fontRef>
+        </p:style>
+        <p:txBody>
+          <a:bodyPr rtlCol="0" anchor="ctr"/>
+          <a:lstStyle/>
+          <a:p>
+            <a:pPr algn="ctr"/>
+            <a:endParaRPr lang="en-US" dirty="0"/>
+          </a:p>
+        </p:txBody>
+      </p:sp>
+      <p:pic>
+        <p:nvPicPr>
+          <p:cNvPr id="5" name="Content Placeholder 4" descr="A screenshot of text&#10;&#10;Description automatically generated">
+            <a:extLst>
+              <a:ext uri="{FF2B5EF4-FFF2-40B4-BE49-F238E27FC236}">
+                <a16:creationId xmlns:a16="http://schemas.microsoft.com/office/drawing/2014/main" id="{C95615C1-5DCA-2E47-B4D6-4590456DE6FD}"/>
+              </a:ext>
+            </a:extLst>
+          </p:cNvPr>
+          <p:cNvPicPr>
+            <a:picLocks noGrp="1" noChangeAspect="1"/>
+          </p:cNvPicPr>
+          <p:nvPr>
+            <p:ph idx="1"/>
+          </p:nvPr>
+        </p:nvPicPr>
+        <p:blipFill>
+          <a:blip r:embed="rId7"/>
+          <a:stretch>
+            <a:fillRect/>
+          </a:stretch>
+        </p:blipFill>
+        <p:spPr>
+          <a:xfrm>
+            <a:off x="1491813" y="643467"/>
+            <a:ext cx="9208373" cy="5571066"/>
+          </a:xfrm>
+          <a:prstGeom prst="rect">
+            <a:avLst/>
+          </a:prstGeom>
+        </p:spPr>
+      </p:pic>
+      <p:sp>
+        <p:nvSpPr>
+          <p:cNvPr id="24" name="Rectangle 23">
+            <a:extLst>
+              <a:ext uri="{FF2B5EF4-FFF2-40B4-BE49-F238E27FC236}">
+                <a16:creationId xmlns:a16="http://schemas.microsoft.com/office/drawing/2014/main" id="{9A6C928E-4252-4F33-8C34-E50A12A3170B}"/>
+              </a:ext>
+              <a:ext uri="{C183D7F6-B498-43B3-948B-1728B52AA6E4}">
+                <adec:decorative xmlns:adec="http://schemas.microsoft.com/office/drawing/2017/decorative" val="1"/>
+              </a:ext>
+            </a:extLst>
+          </p:cNvPr>
+          <p:cNvSpPr>
+            <a:spLocks noGrp="1" noRot="1" noChangeAspect="1" noMove="1" noResize="1" noEditPoints="1" noAdjustHandles="1" noChangeArrowheads="1" noChangeShapeType="1" noTextEdit="1"/>
+          </p:cNvSpPr>
+          <p:nvPr>
+            <p:extLst>
+              <p:ext uri="{386F3935-93C4-4BCD-93E2-E3B085C9AB24}">
+                <p16:designElem xmlns:p16="http://schemas.microsoft.com/office/powerpoint/2015/main" val="1"/>
+              </p:ext>
+            </p:extLst>
+          </p:nvPr>
+        </p:nvSpPr>
+        <p:spPr>
+          <a:xfrm>
+            <a:off x="10437812" y="0"/>
+            <a:ext cx="685800" cy="1143000"/>
+          </a:xfrm>
+          <a:prstGeom prst="rect">
+            <a:avLst/>
+          </a:prstGeom>
+          <a:solidFill>
+            <a:schemeClr val="accent1"/>
+          </a:solidFill>
+          <a:ln>
+            <a:noFill/>
+          </a:ln>
+        </p:spPr>
+        <p:style>
+          <a:lnRef idx="1">
+            <a:schemeClr val="accent1"/>
+          </a:lnRef>
+          <a:fillRef idx="3">
+            <a:schemeClr val="accent1"/>
+          </a:fillRef>
+          <a:effectRef idx="2">
+            <a:schemeClr val="accent1"/>
+          </a:effectRef>
+          <a:fontRef idx="minor">
+            <a:schemeClr val="lt1"/>
+          </a:fontRef>
+        </p:style>
+      </p:sp>
+    </p:spTree>
+    <p:extLst>
+      <p:ext uri="{BB962C8B-B14F-4D97-AF65-F5344CB8AC3E}">
+        <p14:creationId xmlns:p14="http://schemas.microsoft.com/office/powerpoint/2010/main" val="1737128303"/>
+      </p:ext>
+    </p:extLst>
+  </p:cSld>
+  <p:clrMapOvr>
+    <a:masterClrMapping/>
+  </p:clrMapOvr>
+</p:sld>
+</file>
+
+<file path=ppt/slides/slide13.xml><?xml version="1.0" encoding="utf-8"?>
+<p:sld xmlns:a="http://schemas.openxmlformats.org/drawingml/2006/main" xmlns:r="http://schemas.openxmlformats.org/officeDocument/2006/relationships" xmlns:p="http://schemas.openxmlformats.org/presentationml/2006/main">
+  <p:cSld>
+    <p:bg>
+      <p:bgPr>
+        <a:blipFill rotWithShape="1">
+          <a:blip r:embed="rId2">
+            <a:duotone>
+              <a:schemeClr val="bg2">
+                <a:shade val="69000"/>
+                <a:hueMod val="108000"/>
+                <a:satMod val="164000"/>
+                <a:lumMod val="74000"/>
+              </a:schemeClr>
+              <a:schemeClr val="bg2">
+                <a:tint val="96000"/>
+                <a:hueMod val="88000"/>
+                <a:satMod val="140000"/>
+                <a:lumMod val="132000"/>
+              </a:schemeClr>
+            </a:duotone>
+            <a:extLst/>
+          </a:blip>
+          <a:stretch/>
+        </a:blipFill>
+        <a:effectLst/>
+      </p:bgPr>
+    </p:bg>
+    <p:spTree>
+      <p:nvGrpSpPr>
+        <p:cNvPr id="1" name=""/>
+        <p:cNvGrpSpPr/>
+        <p:nvPr/>
+      </p:nvGrpSpPr>
+      <p:grpSpPr>
+        <a:xfrm>
+          <a:off x="0" y="0"/>
+          <a:ext cx="0" cy="0"/>
+          <a:chOff x="0" y="0"/>
+          <a:chExt cx="0" cy="0"/>
+        </a:xfrm>
+      </p:grpSpPr>
+      <p:pic>
+        <p:nvPicPr>
+          <p:cNvPr id="10" name="Picture 9">
+            <a:extLst>
+              <a:ext uri="{FF2B5EF4-FFF2-40B4-BE49-F238E27FC236}">
+                <a16:creationId xmlns:a16="http://schemas.microsoft.com/office/drawing/2014/main" id="{C9ECDD5C-152A-4CC7-8333-0F367B3A62EA}"/>
+              </a:ext>
+              <a:ext uri="{C183D7F6-B498-43B3-948B-1728B52AA6E4}">
+                <adec:decorative xmlns:adec="http://schemas.microsoft.com/office/drawing/2017/decorative" val="1"/>
+              </a:ext>
+            </a:extLst>
+          </p:cNvPr>
+          <p:cNvPicPr>
+            <a:picLocks noGrp="1" noRot="1" noChangeAspect="1" noMove="1" noResize="1" noEditPoints="1" noAdjustHandles="1" noChangeArrowheads="1" noChangeShapeType="1" noCrop="1"/>
+          </p:cNvPicPr>
+          <p:nvPr>
+            <p:extLst>
+              <p:ext uri="{386F3935-93C4-4BCD-93E2-E3B085C9AB24}">
+                <p16:designElem xmlns:p16="http://schemas.microsoft.com/office/powerpoint/2015/main" val="1"/>
+              </p:ext>
+            </p:extLst>
+          </p:nvPr>
+        </p:nvPicPr>
+        <p:blipFill rotWithShape="1">
+          <a:blip r:embed="rId3">
+            <a:extLst>
+              <a:ext uri="{28A0092B-C50C-407E-A947-70E740481C1C}">
+                <a14:useLocalDpi xmlns:a14="http://schemas.microsoft.com/office/drawing/2010/main" val="0"/>
+              </a:ext>
+            </a:extLst>
+          </a:blip>
+          <a:srcRect l="3613"/>
+          <a:stretch/>
+        </p:blipFill>
+        <p:spPr>
+          <a:xfrm>
+            <a:off x="0" y="2669685"/>
+            <a:ext cx="4037012" cy="4188315"/>
+          </a:xfrm>
+          <a:prstGeom prst="rect">
+            <a:avLst/>
+          </a:prstGeom>
+        </p:spPr>
+      </p:pic>
+      <p:pic>
+        <p:nvPicPr>
+          <p:cNvPr id="12" name="Picture 11">
+            <a:extLst>
+              <a:ext uri="{FF2B5EF4-FFF2-40B4-BE49-F238E27FC236}">
+                <a16:creationId xmlns:a16="http://schemas.microsoft.com/office/drawing/2014/main" id="{7F5C92A3-369B-43F3-BDCE-E560B1B0EC89}"/>
+              </a:ext>
+              <a:ext uri="{C183D7F6-B498-43B3-948B-1728B52AA6E4}">
+                <adec:decorative xmlns:adec="http://schemas.microsoft.com/office/drawing/2017/decorative" val="1"/>
+              </a:ext>
+            </a:extLst>
+          </p:cNvPr>
+          <p:cNvPicPr>
+            <a:picLocks noGrp="1" noRot="1" noChangeAspect="1" noMove="1" noResize="1" noEditPoints="1" noAdjustHandles="1" noChangeArrowheads="1" noChangeShapeType="1" noCrop="1"/>
+          </p:cNvPicPr>
+          <p:nvPr>
+            <p:extLst>
+              <p:ext uri="{386F3935-93C4-4BCD-93E2-E3B085C9AB24}">
+                <p16:designElem xmlns:p16="http://schemas.microsoft.com/office/powerpoint/2015/main" val="1"/>
+              </p:ext>
+            </p:extLst>
+          </p:nvPr>
+        </p:nvPicPr>
+        <p:blipFill rotWithShape="1">
+          <a:blip r:embed="rId4">
+            <a:extLst>
+              <a:ext uri="{28A0092B-C50C-407E-A947-70E740481C1C}">
+                <a14:useLocalDpi xmlns:a14="http://schemas.microsoft.com/office/drawing/2010/main" val="0"/>
+              </a:ext>
+            </a:extLst>
+          </a:blip>
+          <a:srcRect l="35640"/>
+          <a:stretch/>
+        </p:blipFill>
+        <p:spPr>
+          <a:xfrm>
+            <a:off x="0" y="2892347"/>
+            <a:ext cx="1522412" cy="2365453"/>
+          </a:xfrm>
+          <a:prstGeom prst="rect">
+            <a:avLst/>
+          </a:prstGeom>
+        </p:spPr>
+      </p:pic>
+      <p:sp>
+        <p:nvSpPr>
+          <p:cNvPr id="14" name="Oval 13">
+            <a:extLst>
+              <a:ext uri="{FF2B5EF4-FFF2-40B4-BE49-F238E27FC236}">
+                <a16:creationId xmlns:a16="http://schemas.microsoft.com/office/drawing/2014/main" id="{AEBE9F1A-B38D-446E-83AE-14B17CE77FF2}"/>
+              </a:ext>
+              <a:ext uri="{C183D7F6-B498-43B3-948B-1728B52AA6E4}">
+                <adec:decorative xmlns:adec="http://schemas.microsoft.com/office/drawing/2017/decorative" val="1"/>
+              </a:ext>
+            </a:extLst>
+          </p:cNvPr>
+          <p:cNvSpPr>
+            <a:spLocks noGrp="1" noRot="1" noChangeAspect="1" noMove="1" noResize="1" noEditPoints="1" noAdjustHandles="1" noChangeArrowheads="1" noChangeShapeType="1" noTextEdit="1"/>
+          </p:cNvSpPr>
+          <p:nvPr>
+            <p:extLst>
+              <p:ext uri="{386F3935-93C4-4BCD-93E2-E3B085C9AB24}">
+                <p16:designElem xmlns:p16="http://schemas.microsoft.com/office/powerpoint/2015/main" val="1"/>
+              </p:ext>
+            </p:extLst>
+          </p:nvPr>
+        </p:nvSpPr>
+        <p:spPr>
+          <a:xfrm>
+            <a:off x="8609012" y="1676400"/>
+            <a:ext cx="2819400" cy="2819400"/>
+          </a:xfrm>
+          <a:prstGeom prst="ellipse">
+            <a:avLst/>
+          </a:prstGeom>
+          <a:gradFill flip="none" rotWithShape="1">
+            <a:gsLst>
+              <a:gs pos="0">
+                <a:schemeClr val="bg2">
+                  <a:lumMod val="60000"/>
+                  <a:lumOff val="40000"/>
+                  <a:alpha val="7000"/>
+                </a:schemeClr>
+              </a:gs>
+              <a:gs pos="69000">
+                <a:schemeClr val="bg2">
+                  <a:lumMod val="60000"/>
+                  <a:lumOff val="40000"/>
+                  <a:alpha val="0"/>
+                </a:schemeClr>
+              </a:gs>
+              <a:gs pos="36000">
+                <a:schemeClr val="bg2">
+                  <a:lumMod val="60000"/>
+                  <a:lumOff val="40000"/>
+                  <a:alpha val="6000"/>
+                </a:schemeClr>
+              </a:gs>
+            </a:gsLst>
+            <a:path path="circle">
+              <a:fillToRect l="50000" t="50000" r="50000" b="50000"/>
+            </a:path>
+            <a:tileRect/>
+          </a:gradFill>
+          <a:ln>
+            <a:noFill/>
+          </a:ln>
+          <a:effectLst/>
+        </p:spPr>
+        <p:style>
+          <a:lnRef idx="1">
+            <a:schemeClr val="accent1"/>
+          </a:lnRef>
+          <a:fillRef idx="3">
+            <a:schemeClr val="accent1"/>
+          </a:fillRef>
+          <a:effectRef idx="2">
+            <a:schemeClr val="accent1"/>
+          </a:effectRef>
+          <a:fontRef idx="minor">
+            <a:schemeClr val="lt1"/>
+          </a:fontRef>
+        </p:style>
+      </p:sp>
+      <p:pic>
+        <p:nvPicPr>
+          <p:cNvPr id="16" name="Picture 15">
+            <a:extLst>
+              <a:ext uri="{FF2B5EF4-FFF2-40B4-BE49-F238E27FC236}">
+                <a16:creationId xmlns:a16="http://schemas.microsoft.com/office/drawing/2014/main" id="{915B5014-A7EC-4BA6-9C83-8840CF81DB28}"/>
+              </a:ext>
+              <a:ext uri="{C183D7F6-B498-43B3-948B-1728B52AA6E4}">
+                <adec:decorative xmlns:adec="http://schemas.microsoft.com/office/drawing/2017/decorative" val="1"/>
+              </a:ext>
+            </a:extLst>
+          </p:cNvPr>
+          <p:cNvPicPr>
+            <a:picLocks noGrp="1" noRot="1" noChangeAspect="1" noMove="1" noResize="1" noEditPoints="1" noAdjustHandles="1" noChangeArrowheads="1" noChangeShapeType="1" noCrop="1"/>
+          </p:cNvPicPr>
+          <p:nvPr>
+            <p:extLst>
+              <p:ext uri="{386F3935-93C4-4BCD-93E2-E3B085C9AB24}">
+                <p16:designElem xmlns:p16="http://schemas.microsoft.com/office/powerpoint/2015/main" val="1"/>
+              </p:ext>
+            </p:extLst>
+          </p:nvPr>
+        </p:nvPicPr>
+        <p:blipFill rotWithShape="1">
+          <a:blip r:embed="rId5">
+            <a:extLst>
+              <a:ext uri="{28A0092B-C50C-407E-A947-70E740481C1C}">
+                <a14:useLocalDpi xmlns:a14="http://schemas.microsoft.com/office/drawing/2010/main" val="0"/>
+              </a:ext>
+            </a:extLst>
+          </a:blip>
+          <a:srcRect t="28813"/>
+          <a:stretch/>
+        </p:blipFill>
+        <p:spPr>
+          <a:xfrm>
+            <a:off x="7999412" y="0"/>
+            <a:ext cx="1603387" cy="1141407"/>
+          </a:xfrm>
+          <a:prstGeom prst="rect">
+            <a:avLst/>
+          </a:prstGeom>
+        </p:spPr>
+      </p:pic>
+      <p:pic>
+        <p:nvPicPr>
+          <p:cNvPr id="18" name="Picture 17">
+            <a:extLst>
+              <a:ext uri="{FF2B5EF4-FFF2-40B4-BE49-F238E27FC236}">
+                <a16:creationId xmlns:a16="http://schemas.microsoft.com/office/drawing/2014/main" id="{022C43AB-86D7-420D-8AD7-DC0A15FDD0AF}"/>
+              </a:ext>
+              <a:ext uri="{C183D7F6-B498-43B3-948B-1728B52AA6E4}">
+                <adec:decorative xmlns:adec="http://schemas.microsoft.com/office/drawing/2017/decorative" val="1"/>
+              </a:ext>
+            </a:extLst>
+          </p:cNvPr>
+          <p:cNvPicPr>
+            <a:picLocks noGrp="1" noRot="1" noChangeAspect="1" noMove="1" noResize="1" noEditPoints="1" noAdjustHandles="1" noChangeArrowheads="1" noChangeShapeType="1" noCrop="1"/>
+          </p:cNvPicPr>
+          <p:nvPr>
+            <p:extLst>
+              <p:ext uri="{386F3935-93C4-4BCD-93E2-E3B085C9AB24}">
+                <p16:designElem xmlns:p16="http://schemas.microsoft.com/office/powerpoint/2015/main" val="1"/>
+              </p:ext>
+            </p:extLst>
+          </p:nvPr>
+        </p:nvPicPr>
+        <p:blipFill rotWithShape="1">
+          <a:blip r:embed="rId6">
+            <a:extLst>
+              <a:ext uri="{28A0092B-C50C-407E-A947-70E740481C1C}">
+                <a14:useLocalDpi xmlns:a14="http://schemas.microsoft.com/office/drawing/2010/main" val="0"/>
+              </a:ext>
+            </a:extLst>
+          </a:blip>
+          <a:srcRect b="23320"/>
+          <a:stretch/>
+        </p:blipFill>
+        <p:spPr>
+          <a:xfrm>
+            <a:off x="8605878" y="6096000"/>
+            <a:ext cx="993734" cy="762000"/>
+          </a:xfrm>
+          <a:prstGeom prst="rect">
+            <a:avLst/>
+          </a:prstGeom>
+        </p:spPr>
+      </p:pic>
+      <p:sp>
+        <p:nvSpPr>
+          <p:cNvPr id="20" name="Rectangle 19">
+            <a:extLst>
+              <a:ext uri="{FF2B5EF4-FFF2-40B4-BE49-F238E27FC236}">
+                <a16:creationId xmlns:a16="http://schemas.microsoft.com/office/drawing/2014/main" id="{5E3EB826-A471-488F-9E8A-D65528A3C0CA}"/>
+              </a:ext>
+              <a:ext uri="{C183D7F6-B498-43B3-948B-1728B52AA6E4}">
+                <adec:decorative xmlns:adec="http://schemas.microsoft.com/office/drawing/2017/decorative" val="1"/>
+              </a:ext>
+            </a:extLst>
+          </p:cNvPr>
+          <p:cNvSpPr>
+            <a:spLocks noGrp="1" noRot="1" noChangeAspect="1" noMove="1" noResize="1" noEditPoints="1" noAdjustHandles="1" noChangeArrowheads="1" noChangeShapeType="1" noTextEdit="1"/>
+          </p:cNvSpPr>
+          <p:nvPr>
+            <p:extLst>
+              <p:ext uri="{386F3935-93C4-4BCD-93E2-E3B085C9AB24}">
+                <p16:designElem xmlns:p16="http://schemas.microsoft.com/office/powerpoint/2015/main" val="1"/>
+              </p:ext>
+            </p:extLst>
+          </p:nvPr>
+        </p:nvSpPr>
+        <p:spPr>
+          <a:xfrm>
+            <a:off x="10437812" y="0"/>
+            <a:ext cx="685800" cy="1143000"/>
+          </a:xfrm>
+          <a:prstGeom prst="rect">
+            <a:avLst/>
+          </a:prstGeom>
+          <a:solidFill>
+            <a:schemeClr val="accent1"/>
+          </a:solidFill>
+          <a:ln>
+            <a:noFill/>
+          </a:ln>
+        </p:spPr>
+        <p:style>
+          <a:lnRef idx="1">
+            <a:schemeClr val="accent1"/>
+          </a:lnRef>
+          <a:fillRef idx="3">
+            <a:schemeClr val="accent1"/>
+          </a:fillRef>
+          <a:effectRef idx="2">
+            <a:schemeClr val="accent1"/>
+          </a:effectRef>
+          <a:fontRef idx="minor">
+            <a:schemeClr val="lt1"/>
+          </a:fontRef>
+        </p:style>
+      </p:sp>
+      <p:sp>
+        <p:nvSpPr>
+          <p:cNvPr id="22" name="Rectangle 21">
+            <a:extLst>
+              <a:ext uri="{FF2B5EF4-FFF2-40B4-BE49-F238E27FC236}">
+                <a16:creationId xmlns:a16="http://schemas.microsoft.com/office/drawing/2014/main" id="{DFB3CEA1-88D9-42FB-88ED-1E9807FE6596}"/>
+              </a:ext>
+              <a:ext uri="{C183D7F6-B498-43B3-948B-1728B52AA6E4}">
+                <adec:decorative xmlns:adec="http://schemas.microsoft.com/office/drawing/2017/decorative" val="1"/>
+              </a:ext>
+            </a:extLst>
+          </p:cNvPr>
+          <p:cNvSpPr>
+            <a:spLocks noGrp="1" noRot="1" noChangeAspect="1" noMove="1" noResize="1" noEditPoints="1" noAdjustHandles="1" noChangeArrowheads="1" noChangeShapeType="1" noTextEdit="1"/>
+          </p:cNvSpPr>
+          <p:nvPr>
+            <p:extLst>
+              <p:ext uri="{386F3935-93C4-4BCD-93E2-E3B085C9AB24}">
+                <p16:designElem xmlns:p16="http://schemas.microsoft.com/office/powerpoint/2015/main" val="1"/>
+              </p:ext>
+            </p:extLst>
+          </p:nvPr>
+        </p:nvSpPr>
+        <p:spPr>
+          <a:xfrm>
+            <a:off x="477012" y="480060"/>
+            <a:ext cx="11237976" cy="5897880"/>
+          </a:xfrm>
+          <a:prstGeom prst="rect">
+            <a:avLst/>
+          </a:prstGeom>
+          <a:solidFill>
+            <a:srgbClr val="FFFFFF"/>
+          </a:solidFill>
+          <a:ln>
+            <a:noFill/>
+          </a:ln>
+        </p:spPr>
+        <p:style>
+          <a:lnRef idx="2">
+            <a:schemeClr val="accent1">
+              <a:shade val="50000"/>
+            </a:schemeClr>
+          </a:lnRef>
+          <a:fillRef idx="1">
+            <a:schemeClr val="accent1"/>
+          </a:fillRef>
+          <a:effectRef idx="0">
+            <a:schemeClr val="accent1"/>
+          </a:effectRef>
+          <a:fontRef idx="minor">
+            <a:schemeClr val="lt1"/>
+          </a:fontRef>
+        </p:style>
+        <p:txBody>
+          <a:bodyPr rtlCol="0" anchor="ctr"/>
+          <a:lstStyle/>
+          <a:p>
+            <a:pPr algn="ctr"/>
+            <a:endParaRPr lang="en-US" dirty="0"/>
+          </a:p>
+        </p:txBody>
+      </p:sp>
+      <p:pic>
+        <p:nvPicPr>
+          <p:cNvPr id="5" name="Content Placeholder 4" descr="A screenshot of a cell phone&#10;&#10;Description automatically generated">
+            <a:extLst>
+              <a:ext uri="{FF2B5EF4-FFF2-40B4-BE49-F238E27FC236}">
                 <a16:creationId xmlns:a16="http://schemas.microsoft.com/office/drawing/2014/main" id="{8E902D62-C715-724A-BA1E-217F912C63FF}"/>
               </a:ext>
             </a:extLst>
@@ -23445,7 +24480,7 @@
 </p:sld>
 </file>
 
-<file path=ppt/slides/slide12.xml><?xml version="1.0" encoding="utf-8"?>
+<file path=ppt/slides/slide14.xml><?xml version="1.0" encoding="utf-8"?>
 <p:sld xmlns:a="http://schemas.openxmlformats.org/drawingml/2006/main" xmlns:r="http://schemas.openxmlformats.org/officeDocument/2006/relationships" xmlns:p="http://schemas.openxmlformats.org/presentationml/2006/main">
   <p:cSld>
     <p:bg>
@@ -24839,7 +25874,7 @@
 </p:sld>
 </file>
 
-<file path=ppt/slides/slide13.xml><?xml version="1.0" encoding="utf-8"?>
+<file path=ppt/slides/slide15.xml><?xml version="1.0" encoding="utf-8"?>
 <p:sld xmlns:a="http://schemas.openxmlformats.org/drawingml/2006/main" xmlns:r="http://schemas.openxmlformats.org/officeDocument/2006/relationships" xmlns:p="http://schemas.openxmlformats.org/presentationml/2006/main">
   <p:cSld>
     <p:bg>
@@ -25660,7 +26695,7 @@
 </p:sld>
 </file>
 
-<file path=ppt/slides/slide14.xml><?xml version="1.0" encoding="utf-8"?>
+<file path=ppt/slides/slide16.xml><?xml version="1.0" encoding="utf-8"?>
 <p:sld xmlns:a="http://schemas.openxmlformats.org/drawingml/2006/main" xmlns:r="http://schemas.openxmlformats.org/officeDocument/2006/relationships" xmlns:p="http://schemas.openxmlformats.org/presentationml/2006/main">
   <p:cSld>
     <p:bg>
@@ -27048,7 +28083,7 @@
 </p:sld>
 </file>
 
-<file path=ppt/slides/slide15.xml><?xml version="1.0" encoding="utf-8"?>
+<file path=ppt/slides/slide17.xml><?xml version="1.0" encoding="utf-8"?>
 <p:sld xmlns:a="http://schemas.openxmlformats.org/drawingml/2006/main" xmlns:r="http://schemas.openxmlformats.org/officeDocument/2006/relationships" xmlns:p="http://schemas.openxmlformats.org/presentationml/2006/main">
   <p:cSld>
     <p:bg>
@@ -28442,7 +29477,7 @@
 </p:sld>
 </file>
 
-<file path=ppt/slides/slide16.xml><?xml version="1.0" encoding="utf-8"?>
+<file path=ppt/slides/slide18.xml><?xml version="1.0" encoding="utf-8"?>
 <p:sld xmlns:a="http://schemas.openxmlformats.org/drawingml/2006/main" xmlns:r="http://schemas.openxmlformats.org/officeDocument/2006/relationships" xmlns:p="http://schemas.openxmlformats.org/presentationml/2006/main">
   <p:cSld>
     <p:bg>
@@ -29836,7 +30871,7 @@
 </p:sld>
 </file>
 
-<file path=ppt/slides/slide17.xml><?xml version="1.0" encoding="utf-8"?>
+<file path=ppt/slides/slide19.xml><?xml version="1.0" encoding="utf-8"?>
 <p:sld xmlns:a="http://schemas.openxmlformats.org/drawingml/2006/main" xmlns:r="http://schemas.openxmlformats.org/officeDocument/2006/relationships" xmlns:p="http://schemas.openxmlformats.org/presentationml/2006/main">
   <p:cSld>
     <p:bg>
@@ -31283,7 +32318,455 @@
 </p:sld>
 </file>
 
-<file path=ppt/slides/slide18.xml><?xml version="1.0" encoding="utf-8"?>
+<file path=ppt/slides/slide2.xml><?xml version="1.0" encoding="utf-8"?>
+<p:sld xmlns:a="http://schemas.openxmlformats.org/drawingml/2006/main" xmlns:r="http://schemas.openxmlformats.org/officeDocument/2006/relationships" xmlns:p="http://schemas.openxmlformats.org/presentationml/2006/main">
+  <p:cSld>
+    <p:bg>
+      <p:bgPr>
+        <a:blipFill rotWithShape="1">
+          <a:blip r:embed="rId2">
+            <a:duotone>
+              <a:schemeClr val="bg2">
+                <a:shade val="69000"/>
+                <a:hueMod val="108000"/>
+                <a:satMod val="164000"/>
+                <a:lumMod val="74000"/>
+              </a:schemeClr>
+              <a:schemeClr val="bg2">
+                <a:tint val="96000"/>
+                <a:hueMod val="88000"/>
+                <a:satMod val="140000"/>
+                <a:lumMod val="132000"/>
+              </a:schemeClr>
+            </a:duotone>
+            <a:extLst/>
+          </a:blip>
+          <a:stretch/>
+        </a:blipFill>
+        <a:effectLst/>
+      </p:bgPr>
+    </p:bg>
+    <p:spTree>
+      <p:nvGrpSpPr>
+        <p:cNvPr id="1" name=""/>
+        <p:cNvGrpSpPr/>
+        <p:nvPr/>
+      </p:nvGrpSpPr>
+      <p:grpSpPr>
+        <a:xfrm>
+          <a:off x="0" y="0"/>
+          <a:ext cx="0" cy="0"/>
+          <a:chOff x="0" y="0"/>
+          <a:chExt cx="0" cy="0"/>
+        </a:xfrm>
+      </p:grpSpPr>
+      <p:sp>
+        <p:nvSpPr>
+          <p:cNvPr id="21" name="Rectangle 20">
+            <a:extLst>
+              <a:ext uri="{FF2B5EF4-FFF2-40B4-BE49-F238E27FC236}">
+                <a16:creationId xmlns:a16="http://schemas.microsoft.com/office/drawing/2014/main" id="{923E8915-D2AA-4327-A45A-972C3CA9574B}"/>
+              </a:ext>
+              <a:ext uri="{C183D7F6-B498-43B3-948B-1728B52AA6E4}">
+                <adec:decorative xmlns:adec="http://schemas.microsoft.com/office/drawing/2017/decorative" val="1"/>
+              </a:ext>
+            </a:extLst>
+          </p:cNvPr>
+          <p:cNvSpPr>
+            <a:spLocks noGrp="1" noRot="1" noChangeAspect="1" noMove="1" noResize="1" noEditPoints="1" noAdjustHandles="1" noChangeArrowheads="1" noChangeShapeType="1" noTextEdit="1"/>
+          </p:cNvSpPr>
+          <p:nvPr>
+            <p:extLst>
+              <p:ext uri="{386F3935-93C4-4BCD-93E2-E3B085C9AB24}">
+                <p16:designElem xmlns:p16="http://schemas.microsoft.com/office/powerpoint/2015/main" val="1"/>
+              </p:ext>
+            </p:extLst>
+          </p:nvPr>
+        </p:nvSpPr>
+        <p:spPr>
+          <a:xfrm>
+            <a:off x="0" y="0"/>
+            <a:ext cx="12192000" cy="6858000"/>
+          </a:xfrm>
+          <a:prstGeom prst="rect">
+            <a:avLst/>
+          </a:prstGeom>
+          <a:solidFill>
+            <a:schemeClr val="tx1"/>
+          </a:solidFill>
+          <a:ln>
+            <a:noFill/>
+          </a:ln>
+        </p:spPr>
+        <p:style>
+          <a:lnRef idx="2">
+            <a:schemeClr val="accent1">
+              <a:shade val="50000"/>
+            </a:schemeClr>
+          </a:lnRef>
+          <a:fillRef idx="1">
+            <a:schemeClr val="accent1"/>
+          </a:fillRef>
+          <a:effectRef idx="0">
+            <a:schemeClr val="accent1"/>
+          </a:effectRef>
+          <a:fontRef idx="minor">
+            <a:schemeClr val="lt1"/>
+          </a:fontRef>
+        </p:style>
+        <p:txBody>
+          <a:bodyPr rtlCol="0" anchor="ctr"/>
+          <a:lstStyle/>
+          <a:p>
+            <a:pPr algn="ctr"/>
+            <a:endParaRPr lang="en-US"/>
+          </a:p>
+        </p:txBody>
+      </p:sp>
+      <p:sp useBgFill="1">
+        <p:nvSpPr>
+          <p:cNvPr id="23" name="Rectangle 22">
+            <a:extLst>
+              <a:ext uri="{FF2B5EF4-FFF2-40B4-BE49-F238E27FC236}">
+                <a16:creationId xmlns:a16="http://schemas.microsoft.com/office/drawing/2014/main" id="{8302FC3C-9804-4950-B721-5FD704BA6065}"/>
+              </a:ext>
+              <a:ext uri="{C183D7F6-B498-43B3-948B-1728B52AA6E4}">
+                <adec:decorative xmlns:adec="http://schemas.microsoft.com/office/drawing/2017/decorative" val="1"/>
+              </a:ext>
+            </a:extLst>
+          </p:cNvPr>
+          <p:cNvSpPr>
+            <a:spLocks noGrp="1" noRot="1" noChangeAspect="1" noMove="1" noResize="1" noEditPoints="1" noAdjustHandles="1" noChangeArrowheads="1" noChangeShapeType="1" noTextEdit="1"/>
+          </p:cNvSpPr>
+          <p:nvPr>
+            <p:extLst>
+              <p:ext uri="{386F3935-93C4-4BCD-93E2-E3B085C9AB24}">
+                <p16:designElem xmlns:p16="http://schemas.microsoft.com/office/powerpoint/2015/main" val="1"/>
+              </p:ext>
+            </p:extLst>
+          </p:nvPr>
+        </p:nvSpPr>
+        <p:spPr bwMode="ltGray">
+          <a:xfrm>
+            <a:off x="0" y="0"/>
+            <a:ext cx="12188952" cy="6858000"/>
+          </a:xfrm>
+          <a:prstGeom prst="rect">
+            <a:avLst/>
+          </a:prstGeom>
+          <a:ln w="127000" cap="sq" cmpd="thinThick">
+            <a:noFill/>
+          </a:ln>
+        </p:spPr>
+        <p:style>
+          <a:lnRef idx="2">
+            <a:schemeClr val="accent1">
+              <a:shade val="50000"/>
+            </a:schemeClr>
+          </a:lnRef>
+          <a:fillRef idx="1">
+            <a:schemeClr val="accent1"/>
+          </a:fillRef>
+          <a:effectRef idx="0">
+            <a:schemeClr val="accent1"/>
+          </a:effectRef>
+          <a:fontRef idx="minor">
+            <a:schemeClr val="lt1"/>
+          </a:fontRef>
+        </p:style>
+        <p:txBody>
+          <a:bodyPr rtlCol="0" anchor="ctr"/>
+          <a:lstStyle/>
+          <a:p>
+            <a:pPr algn="ctr"/>
+            <a:endParaRPr lang="en-US"/>
+          </a:p>
+        </p:txBody>
+      </p:sp>
+      <p:cxnSp>
+        <p:nvCxnSpPr>
+          <p:cNvPr id="25" name="Straight Connector 24">
+            <a:extLst>
+              <a:ext uri="{FF2B5EF4-FFF2-40B4-BE49-F238E27FC236}">
+                <a16:creationId xmlns:a16="http://schemas.microsoft.com/office/drawing/2014/main" id="{6B9695BD-ECF6-49CA-8877-8C493193C65D}"/>
+              </a:ext>
+              <a:ext uri="{C183D7F6-B498-43B3-948B-1728B52AA6E4}">
+                <adec:decorative xmlns:adec="http://schemas.microsoft.com/office/drawing/2017/decorative" val="1"/>
+              </a:ext>
+            </a:extLst>
+          </p:cNvPr>
+          <p:cNvCxnSpPr>
+            <a:cxnSpLocks noGrp="1" noRot="1" noChangeAspect="1" noMove="1" noResize="1" noEditPoints="1" noAdjustHandles="1" noChangeArrowheads="1" noChangeShapeType="1"/>
+          </p:cNvCxnSpPr>
+          <p:nvPr>
+            <p:extLst>
+              <p:ext uri="{386F3935-93C4-4BCD-93E2-E3B085C9AB24}">
+                <p16:designElem xmlns:p16="http://schemas.microsoft.com/office/powerpoint/2015/main" val="1"/>
+              </p:ext>
+            </p:extLst>
+          </p:nvPr>
+        </p:nvCxnSpPr>
+        <p:spPr>
+          <a:xfrm>
+            <a:off x="4654295" y="1828800"/>
+            <a:ext cx="0" cy="3200400"/>
+          </a:xfrm>
+          <a:prstGeom prst="line">
+            <a:avLst/>
+          </a:prstGeom>
+          <a:ln w="19050">
+            <a:solidFill>
+              <a:schemeClr val="bg2">
+                <a:lumMod val="60000"/>
+                <a:lumOff val="40000"/>
+              </a:schemeClr>
+            </a:solidFill>
+          </a:ln>
+        </p:spPr>
+        <p:style>
+          <a:lnRef idx="1">
+            <a:schemeClr val="accent1"/>
+          </a:lnRef>
+          <a:fillRef idx="0">
+            <a:schemeClr val="accent1"/>
+          </a:fillRef>
+          <a:effectRef idx="0">
+            <a:schemeClr val="accent1"/>
+          </a:effectRef>
+          <a:fontRef idx="minor">
+            <a:schemeClr val="tx1"/>
+          </a:fontRef>
+        </p:style>
+      </p:cxnSp>
+      <p:pic>
+        <p:nvPicPr>
+          <p:cNvPr id="27" name="Picture 26">
+            <a:extLst>
+              <a:ext uri="{FF2B5EF4-FFF2-40B4-BE49-F238E27FC236}">
+                <a16:creationId xmlns:a16="http://schemas.microsoft.com/office/drawing/2014/main" id="{3BC6EBB2-9BDC-4075-BA6B-43A9FBF9C86C}"/>
+              </a:ext>
+              <a:ext uri="{C183D7F6-B498-43B3-948B-1728B52AA6E4}">
+                <adec:decorative xmlns:adec="http://schemas.microsoft.com/office/drawing/2017/decorative" val="1"/>
+              </a:ext>
+            </a:extLst>
+          </p:cNvPr>
+          <p:cNvPicPr>
+            <a:picLocks noGrp="1" noRot="1" noChangeAspect="1" noMove="1" noResize="1" noEditPoints="1" noAdjustHandles="1" noChangeArrowheads="1" noChangeShapeType="1" noCrop="1"/>
+          </p:cNvPicPr>
+          <p:nvPr>
+            <p:extLst>
+              <p:ext uri="{386F3935-93C4-4BCD-93E2-E3B085C9AB24}">
+                <p16:designElem xmlns:p16="http://schemas.microsoft.com/office/powerpoint/2015/main" val="1"/>
+              </p:ext>
+            </p:extLst>
+          </p:nvPr>
+        </p:nvPicPr>
+        <p:blipFill rotWithShape="1">
+          <a:blip r:embed="rId3">
+            <a:extLst>
+              <a:ext uri="{28A0092B-C50C-407E-A947-70E740481C1C}">
+                <a14:useLocalDpi xmlns:a14="http://schemas.microsoft.com/office/drawing/2010/main" val="0"/>
+              </a:ext>
+            </a:extLst>
+          </a:blip>
+          <a:srcRect b="23320"/>
+          <a:stretch/>
+        </p:blipFill>
+        <p:spPr>
+          <a:xfrm>
+            <a:off x="8605878" y="6228080"/>
+            <a:ext cx="993734" cy="762000"/>
+          </a:xfrm>
+          <a:prstGeom prst="rect">
+            <a:avLst/>
+          </a:prstGeom>
+        </p:spPr>
+      </p:pic>
+      <p:sp>
+        <p:nvSpPr>
+          <p:cNvPr id="29" name="Freeform 5">
+            <a:extLst>
+              <a:ext uri="{FF2B5EF4-FFF2-40B4-BE49-F238E27FC236}">
+                <a16:creationId xmlns:a16="http://schemas.microsoft.com/office/drawing/2014/main" id="{F3798573-F27B-47EB-8EA4-7EE34954C2D6}"/>
+              </a:ext>
+              <a:ext uri="{C183D7F6-B498-43B3-948B-1728B52AA6E4}">
+                <adec:decorative xmlns:adec="http://schemas.microsoft.com/office/drawing/2017/decorative" val="1"/>
+              </a:ext>
+            </a:extLst>
+          </p:cNvPr>
+          <p:cNvSpPr>
+            <a:spLocks noGrp="1" noRot="1" noChangeAspect="1" noMove="1" noResize="1" noEditPoints="1" noAdjustHandles="1" noChangeArrowheads="1" noChangeShapeType="1" noTextEdit="1"/>
+          </p:cNvSpPr>
+          <p:nvPr>
+            <p:extLst>
+              <p:ext uri="{386F3935-93C4-4BCD-93E2-E3B085C9AB24}">
+                <p16:designElem xmlns:p16="http://schemas.microsoft.com/office/powerpoint/2015/main" val="1"/>
+              </p:ext>
+            </p:extLst>
+          </p:nvPr>
+        </p:nvSpPr>
+        <p:spPr bwMode="gray">
+          <a:xfrm>
+            <a:off x="-1588" y="0"/>
+            <a:ext cx="12192000" cy="6856413"/>
+          </a:xfrm>
+          <a:custGeom>
+            <a:avLst/>
+            <a:gdLst/>
+            <a:ahLst/>
+            <a:cxnLst/>
+            <a:rect l="0" t="0" r="r" b="b"/>
+            <a:pathLst>
+              <a:path w="15356" h="8638">
+                <a:moveTo>
+                  <a:pt x="0" y="0"/>
+                </a:moveTo>
+                <a:lnTo>
+                  <a:pt x="0" y="8638"/>
+                </a:lnTo>
+                <a:lnTo>
+                  <a:pt x="15356" y="8638"/>
+                </a:lnTo>
+                <a:lnTo>
+                  <a:pt x="15356" y="0"/>
+                </a:lnTo>
+                <a:lnTo>
+                  <a:pt x="0" y="0"/>
+                </a:lnTo>
+                <a:close/>
+                <a:moveTo>
+                  <a:pt x="14748" y="8038"/>
+                </a:moveTo>
+                <a:lnTo>
+                  <a:pt x="600" y="8038"/>
+                </a:lnTo>
+                <a:lnTo>
+                  <a:pt x="600" y="592"/>
+                </a:lnTo>
+                <a:lnTo>
+                  <a:pt x="14748" y="592"/>
+                </a:lnTo>
+                <a:lnTo>
+                  <a:pt x="14748" y="8038"/>
+                </a:lnTo>
+                <a:close/>
+              </a:path>
+            </a:pathLst>
+          </a:custGeom>
+          <a:solidFill>
+            <a:schemeClr val="tx1"/>
+          </a:solidFill>
+          <a:ln>
+            <a:noFill/>
+          </a:ln>
+        </p:spPr>
+      </p:sp>
+      <p:sp>
+        <p:nvSpPr>
+          <p:cNvPr id="2" name="Title 1">
+            <a:extLst>
+              <a:ext uri="{FF2B5EF4-FFF2-40B4-BE49-F238E27FC236}">
+                <a16:creationId xmlns:a16="http://schemas.microsoft.com/office/drawing/2014/main" id="{51D685E6-6A8B-0043-BA34-A5C3829E6AB7}"/>
+              </a:ext>
+            </a:extLst>
+          </p:cNvPr>
+          <p:cNvSpPr>
+            <a:spLocks noGrp="1"/>
+          </p:cNvSpPr>
+          <p:nvPr>
+            <p:ph type="title"/>
+          </p:nvPr>
+        </p:nvSpPr>
+        <p:spPr>
+          <a:xfrm>
+            <a:off x="806195" y="804672"/>
+            <a:ext cx="3521359" cy="5248656"/>
+          </a:xfrm>
+        </p:spPr>
+        <p:txBody>
+          <a:bodyPr anchor="ctr">
+            <a:normAutofit/>
+          </a:bodyPr>
+          <a:lstStyle/>
+          <a:p>
+            <a:pPr algn="ctr"/>
+            <a:r>
+              <a:rPr lang="en-US"/>
+              <a:t>Business Problem</a:t>
+            </a:r>
+          </a:p>
+        </p:txBody>
+      </p:sp>
+      <p:sp>
+        <p:nvSpPr>
+          <p:cNvPr id="3" name="Content Placeholder 2">
+            <a:extLst>
+              <a:ext uri="{FF2B5EF4-FFF2-40B4-BE49-F238E27FC236}">
+                <a16:creationId xmlns:a16="http://schemas.microsoft.com/office/drawing/2014/main" id="{EA83DF89-F291-E343-81C9-9C89E7E14F78}"/>
+              </a:ext>
+            </a:extLst>
+          </p:cNvPr>
+          <p:cNvSpPr>
+            <a:spLocks noGrp="1"/>
+          </p:cNvSpPr>
+          <p:nvPr>
+            <p:ph idx="1"/>
+          </p:nvPr>
+        </p:nvSpPr>
+        <p:spPr>
+          <a:xfrm>
+            <a:off x="4975861" y="804671"/>
+            <a:ext cx="6399930" cy="5248657"/>
+          </a:xfrm>
+        </p:spPr>
+        <p:txBody>
+          <a:bodyPr anchor="ctr">
+            <a:normAutofit/>
+          </a:bodyPr>
+          <a:lstStyle/>
+          <a:p>
+            <a:endParaRPr lang="en-US" dirty="0"/>
+          </a:p>
+          <a:p>
+            <a:r>
+              <a:rPr lang="en-US" dirty="0"/>
+              <a:t>Any company that sells a product in mass production generates a huge amount of public opinion on the product and tons of reviews, articles, reactions and overall sentiments are posted online, especially soon after release. </a:t>
+            </a:r>
+          </a:p>
+          <a:p>
+            <a:r>
+              <a:rPr lang="en-US" dirty="0"/>
+              <a:t>As of 2017, 223 million iPhones were sold in the US, which is huge considering the population was 325 million (this information was from 2017)! </a:t>
+            </a:r>
+          </a:p>
+          <a:p>
+            <a:r>
+              <a:rPr lang="en-US" dirty="0"/>
+              <a:t>How do companies access this data from the public media and turn it into something useful? How do we extract all that diverse information from the web and analyze it??</a:t>
+            </a:r>
+          </a:p>
+          <a:p>
+            <a:endParaRPr lang="en-US" dirty="0"/>
+          </a:p>
+          <a:p>
+            <a:endParaRPr lang="en-US" dirty="0"/>
+          </a:p>
+        </p:txBody>
+      </p:sp>
+    </p:spTree>
+    <p:extLst>
+      <p:ext uri="{BB962C8B-B14F-4D97-AF65-F5344CB8AC3E}">
+        <p14:creationId xmlns:p14="http://schemas.microsoft.com/office/powerpoint/2010/main" val="3267434134"/>
+      </p:ext>
+    </p:extLst>
+  </p:cSld>
+  <p:clrMapOvr>
+    <a:masterClrMapping/>
+  </p:clrMapOvr>
+</p:sld>
+</file>
+
+<file path=ppt/slides/slide20.xml><?xml version="1.0" encoding="utf-8"?>
 <p:sld xmlns:a="http://schemas.openxmlformats.org/drawingml/2006/main" xmlns:r="http://schemas.openxmlformats.org/officeDocument/2006/relationships" xmlns:p="http://schemas.openxmlformats.org/presentationml/2006/main">
   <p:cSld>
     <p:bg>
@@ -32401,7 +33884,7 @@
 </p:sld>
 </file>
 
-<file path=ppt/slides/slide19.xml><?xml version="1.0" encoding="utf-8"?>
+<file path=ppt/slides/slide21.xml><?xml version="1.0" encoding="utf-8"?>
 <p:sld xmlns:a="http://schemas.openxmlformats.org/drawingml/2006/main" xmlns:r="http://schemas.openxmlformats.org/officeDocument/2006/relationships" xmlns:p="http://schemas.openxmlformats.org/presentationml/2006/main">
   <p:cSld>
     <p:bg>
@@ -33115,7 +34598,7 @@
             <p:ph idx="1"/>
             <p:extLst>
               <p:ext uri="{D42A27DB-BD31-4B8C-83A1-F6EECF244321}">
-                <p14:modId xmlns:p14="http://schemas.microsoft.com/office/powerpoint/2010/main" val="2984685685"/>
+                <p14:modId xmlns:p14="http://schemas.microsoft.com/office/powerpoint/2010/main" val="52751700"/>
               </p:ext>
             </p:extLst>
           </p:nvPr>
@@ -33143,455 +34626,7 @@
 </p:sld>
 </file>
 
-<file path=ppt/slides/slide2.xml><?xml version="1.0" encoding="utf-8"?>
-<p:sld xmlns:a="http://schemas.openxmlformats.org/drawingml/2006/main" xmlns:r="http://schemas.openxmlformats.org/officeDocument/2006/relationships" xmlns:p="http://schemas.openxmlformats.org/presentationml/2006/main">
-  <p:cSld>
-    <p:bg>
-      <p:bgPr>
-        <a:blipFill rotWithShape="1">
-          <a:blip r:embed="rId2">
-            <a:duotone>
-              <a:schemeClr val="bg2">
-                <a:shade val="69000"/>
-                <a:hueMod val="108000"/>
-                <a:satMod val="164000"/>
-                <a:lumMod val="74000"/>
-              </a:schemeClr>
-              <a:schemeClr val="bg2">
-                <a:tint val="96000"/>
-                <a:hueMod val="88000"/>
-                <a:satMod val="140000"/>
-                <a:lumMod val="132000"/>
-              </a:schemeClr>
-            </a:duotone>
-            <a:extLst/>
-          </a:blip>
-          <a:stretch/>
-        </a:blipFill>
-        <a:effectLst/>
-      </p:bgPr>
-    </p:bg>
-    <p:spTree>
-      <p:nvGrpSpPr>
-        <p:cNvPr id="1" name=""/>
-        <p:cNvGrpSpPr/>
-        <p:nvPr/>
-      </p:nvGrpSpPr>
-      <p:grpSpPr>
-        <a:xfrm>
-          <a:off x="0" y="0"/>
-          <a:ext cx="0" cy="0"/>
-          <a:chOff x="0" y="0"/>
-          <a:chExt cx="0" cy="0"/>
-        </a:xfrm>
-      </p:grpSpPr>
-      <p:sp>
-        <p:nvSpPr>
-          <p:cNvPr id="21" name="Rectangle 20">
-            <a:extLst>
-              <a:ext uri="{FF2B5EF4-FFF2-40B4-BE49-F238E27FC236}">
-                <a16:creationId xmlns:a16="http://schemas.microsoft.com/office/drawing/2014/main" id="{923E8915-D2AA-4327-A45A-972C3CA9574B}"/>
-              </a:ext>
-              <a:ext uri="{C183D7F6-B498-43B3-948B-1728B52AA6E4}">
-                <adec:decorative xmlns:adec="http://schemas.microsoft.com/office/drawing/2017/decorative" val="1"/>
-              </a:ext>
-            </a:extLst>
-          </p:cNvPr>
-          <p:cNvSpPr>
-            <a:spLocks noGrp="1" noRot="1" noChangeAspect="1" noMove="1" noResize="1" noEditPoints="1" noAdjustHandles="1" noChangeArrowheads="1" noChangeShapeType="1" noTextEdit="1"/>
-          </p:cNvSpPr>
-          <p:nvPr>
-            <p:extLst>
-              <p:ext uri="{386F3935-93C4-4BCD-93E2-E3B085C9AB24}">
-                <p16:designElem xmlns:p16="http://schemas.microsoft.com/office/powerpoint/2015/main" val="1"/>
-              </p:ext>
-            </p:extLst>
-          </p:nvPr>
-        </p:nvSpPr>
-        <p:spPr>
-          <a:xfrm>
-            <a:off x="0" y="0"/>
-            <a:ext cx="12192000" cy="6858000"/>
-          </a:xfrm>
-          <a:prstGeom prst="rect">
-            <a:avLst/>
-          </a:prstGeom>
-          <a:solidFill>
-            <a:schemeClr val="tx1"/>
-          </a:solidFill>
-          <a:ln>
-            <a:noFill/>
-          </a:ln>
-        </p:spPr>
-        <p:style>
-          <a:lnRef idx="2">
-            <a:schemeClr val="accent1">
-              <a:shade val="50000"/>
-            </a:schemeClr>
-          </a:lnRef>
-          <a:fillRef idx="1">
-            <a:schemeClr val="accent1"/>
-          </a:fillRef>
-          <a:effectRef idx="0">
-            <a:schemeClr val="accent1"/>
-          </a:effectRef>
-          <a:fontRef idx="minor">
-            <a:schemeClr val="lt1"/>
-          </a:fontRef>
-        </p:style>
-        <p:txBody>
-          <a:bodyPr rtlCol="0" anchor="ctr"/>
-          <a:lstStyle/>
-          <a:p>
-            <a:pPr algn="ctr"/>
-            <a:endParaRPr lang="en-US"/>
-          </a:p>
-        </p:txBody>
-      </p:sp>
-      <p:sp useBgFill="1">
-        <p:nvSpPr>
-          <p:cNvPr id="23" name="Rectangle 22">
-            <a:extLst>
-              <a:ext uri="{FF2B5EF4-FFF2-40B4-BE49-F238E27FC236}">
-                <a16:creationId xmlns:a16="http://schemas.microsoft.com/office/drawing/2014/main" id="{8302FC3C-9804-4950-B721-5FD704BA6065}"/>
-              </a:ext>
-              <a:ext uri="{C183D7F6-B498-43B3-948B-1728B52AA6E4}">
-                <adec:decorative xmlns:adec="http://schemas.microsoft.com/office/drawing/2017/decorative" val="1"/>
-              </a:ext>
-            </a:extLst>
-          </p:cNvPr>
-          <p:cNvSpPr>
-            <a:spLocks noGrp="1" noRot="1" noChangeAspect="1" noMove="1" noResize="1" noEditPoints="1" noAdjustHandles="1" noChangeArrowheads="1" noChangeShapeType="1" noTextEdit="1"/>
-          </p:cNvSpPr>
-          <p:nvPr>
-            <p:extLst>
-              <p:ext uri="{386F3935-93C4-4BCD-93E2-E3B085C9AB24}">
-                <p16:designElem xmlns:p16="http://schemas.microsoft.com/office/powerpoint/2015/main" val="1"/>
-              </p:ext>
-            </p:extLst>
-          </p:nvPr>
-        </p:nvSpPr>
-        <p:spPr bwMode="ltGray">
-          <a:xfrm>
-            <a:off x="0" y="0"/>
-            <a:ext cx="12188952" cy="6858000"/>
-          </a:xfrm>
-          <a:prstGeom prst="rect">
-            <a:avLst/>
-          </a:prstGeom>
-          <a:ln w="127000" cap="sq" cmpd="thinThick">
-            <a:noFill/>
-          </a:ln>
-        </p:spPr>
-        <p:style>
-          <a:lnRef idx="2">
-            <a:schemeClr val="accent1">
-              <a:shade val="50000"/>
-            </a:schemeClr>
-          </a:lnRef>
-          <a:fillRef idx="1">
-            <a:schemeClr val="accent1"/>
-          </a:fillRef>
-          <a:effectRef idx="0">
-            <a:schemeClr val="accent1"/>
-          </a:effectRef>
-          <a:fontRef idx="minor">
-            <a:schemeClr val="lt1"/>
-          </a:fontRef>
-        </p:style>
-        <p:txBody>
-          <a:bodyPr rtlCol="0" anchor="ctr"/>
-          <a:lstStyle/>
-          <a:p>
-            <a:pPr algn="ctr"/>
-            <a:endParaRPr lang="en-US"/>
-          </a:p>
-        </p:txBody>
-      </p:sp>
-      <p:cxnSp>
-        <p:nvCxnSpPr>
-          <p:cNvPr id="25" name="Straight Connector 24">
-            <a:extLst>
-              <a:ext uri="{FF2B5EF4-FFF2-40B4-BE49-F238E27FC236}">
-                <a16:creationId xmlns:a16="http://schemas.microsoft.com/office/drawing/2014/main" id="{6B9695BD-ECF6-49CA-8877-8C493193C65D}"/>
-              </a:ext>
-              <a:ext uri="{C183D7F6-B498-43B3-948B-1728B52AA6E4}">
-                <adec:decorative xmlns:adec="http://schemas.microsoft.com/office/drawing/2017/decorative" val="1"/>
-              </a:ext>
-            </a:extLst>
-          </p:cNvPr>
-          <p:cNvCxnSpPr>
-            <a:cxnSpLocks noGrp="1" noRot="1" noChangeAspect="1" noMove="1" noResize="1" noEditPoints="1" noAdjustHandles="1" noChangeArrowheads="1" noChangeShapeType="1"/>
-          </p:cNvCxnSpPr>
-          <p:nvPr>
-            <p:extLst>
-              <p:ext uri="{386F3935-93C4-4BCD-93E2-E3B085C9AB24}">
-                <p16:designElem xmlns:p16="http://schemas.microsoft.com/office/powerpoint/2015/main" val="1"/>
-              </p:ext>
-            </p:extLst>
-          </p:nvPr>
-        </p:nvCxnSpPr>
-        <p:spPr>
-          <a:xfrm>
-            <a:off x="4654295" y="1828800"/>
-            <a:ext cx="0" cy="3200400"/>
-          </a:xfrm>
-          <a:prstGeom prst="line">
-            <a:avLst/>
-          </a:prstGeom>
-          <a:ln w="19050">
-            <a:solidFill>
-              <a:schemeClr val="bg2">
-                <a:lumMod val="60000"/>
-                <a:lumOff val="40000"/>
-              </a:schemeClr>
-            </a:solidFill>
-          </a:ln>
-        </p:spPr>
-        <p:style>
-          <a:lnRef idx="1">
-            <a:schemeClr val="accent1"/>
-          </a:lnRef>
-          <a:fillRef idx="0">
-            <a:schemeClr val="accent1"/>
-          </a:fillRef>
-          <a:effectRef idx="0">
-            <a:schemeClr val="accent1"/>
-          </a:effectRef>
-          <a:fontRef idx="minor">
-            <a:schemeClr val="tx1"/>
-          </a:fontRef>
-        </p:style>
-      </p:cxnSp>
-      <p:pic>
-        <p:nvPicPr>
-          <p:cNvPr id="27" name="Picture 26">
-            <a:extLst>
-              <a:ext uri="{FF2B5EF4-FFF2-40B4-BE49-F238E27FC236}">
-                <a16:creationId xmlns:a16="http://schemas.microsoft.com/office/drawing/2014/main" id="{3BC6EBB2-9BDC-4075-BA6B-43A9FBF9C86C}"/>
-              </a:ext>
-              <a:ext uri="{C183D7F6-B498-43B3-948B-1728B52AA6E4}">
-                <adec:decorative xmlns:adec="http://schemas.microsoft.com/office/drawing/2017/decorative" val="1"/>
-              </a:ext>
-            </a:extLst>
-          </p:cNvPr>
-          <p:cNvPicPr>
-            <a:picLocks noGrp="1" noRot="1" noChangeAspect="1" noMove="1" noResize="1" noEditPoints="1" noAdjustHandles="1" noChangeArrowheads="1" noChangeShapeType="1" noCrop="1"/>
-          </p:cNvPicPr>
-          <p:nvPr>
-            <p:extLst>
-              <p:ext uri="{386F3935-93C4-4BCD-93E2-E3B085C9AB24}">
-                <p16:designElem xmlns:p16="http://schemas.microsoft.com/office/powerpoint/2015/main" val="1"/>
-              </p:ext>
-            </p:extLst>
-          </p:nvPr>
-        </p:nvPicPr>
-        <p:blipFill rotWithShape="1">
-          <a:blip r:embed="rId3">
-            <a:extLst>
-              <a:ext uri="{28A0092B-C50C-407E-A947-70E740481C1C}">
-                <a14:useLocalDpi xmlns:a14="http://schemas.microsoft.com/office/drawing/2010/main" val="0"/>
-              </a:ext>
-            </a:extLst>
-          </a:blip>
-          <a:srcRect b="23320"/>
-          <a:stretch/>
-        </p:blipFill>
-        <p:spPr>
-          <a:xfrm>
-            <a:off x="8605878" y="6228080"/>
-            <a:ext cx="993734" cy="762000"/>
-          </a:xfrm>
-          <a:prstGeom prst="rect">
-            <a:avLst/>
-          </a:prstGeom>
-        </p:spPr>
-      </p:pic>
-      <p:sp>
-        <p:nvSpPr>
-          <p:cNvPr id="29" name="Freeform 5">
-            <a:extLst>
-              <a:ext uri="{FF2B5EF4-FFF2-40B4-BE49-F238E27FC236}">
-                <a16:creationId xmlns:a16="http://schemas.microsoft.com/office/drawing/2014/main" id="{F3798573-F27B-47EB-8EA4-7EE34954C2D6}"/>
-              </a:ext>
-              <a:ext uri="{C183D7F6-B498-43B3-948B-1728B52AA6E4}">
-                <adec:decorative xmlns:adec="http://schemas.microsoft.com/office/drawing/2017/decorative" val="1"/>
-              </a:ext>
-            </a:extLst>
-          </p:cNvPr>
-          <p:cNvSpPr>
-            <a:spLocks noGrp="1" noRot="1" noChangeAspect="1" noMove="1" noResize="1" noEditPoints="1" noAdjustHandles="1" noChangeArrowheads="1" noChangeShapeType="1" noTextEdit="1"/>
-          </p:cNvSpPr>
-          <p:nvPr>
-            <p:extLst>
-              <p:ext uri="{386F3935-93C4-4BCD-93E2-E3B085C9AB24}">
-                <p16:designElem xmlns:p16="http://schemas.microsoft.com/office/powerpoint/2015/main" val="1"/>
-              </p:ext>
-            </p:extLst>
-          </p:nvPr>
-        </p:nvSpPr>
-        <p:spPr bwMode="gray">
-          <a:xfrm>
-            <a:off x="-1588" y="0"/>
-            <a:ext cx="12192000" cy="6856413"/>
-          </a:xfrm>
-          <a:custGeom>
-            <a:avLst/>
-            <a:gdLst/>
-            <a:ahLst/>
-            <a:cxnLst/>
-            <a:rect l="0" t="0" r="r" b="b"/>
-            <a:pathLst>
-              <a:path w="15356" h="8638">
-                <a:moveTo>
-                  <a:pt x="0" y="0"/>
-                </a:moveTo>
-                <a:lnTo>
-                  <a:pt x="0" y="8638"/>
-                </a:lnTo>
-                <a:lnTo>
-                  <a:pt x="15356" y="8638"/>
-                </a:lnTo>
-                <a:lnTo>
-                  <a:pt x="15356" y="0"/>
-                </a:lnTo>
-                <a:lnTo>
-                  <a:pt x="0" y="0"/>
-                </a:lnTo>
-                <a:close/>
-                <a:moveTo>
-                  <a:pt x="14748" y="8038"/>
-                </a:moveTo>
-                <a:lnTo>
-                  <a:pt x="600" y="8038"/>
-                </a:lnTo>
-                <a:lnTo>
-                  <a:pt x="600" y="592"/>
-                </a:lnTo>
-                <a:lnTo>
-                  <a:pt x="14748" y="592"/>
-                </a:lnTo>
-                <a:lnTo>
-                  <a:pt x="14748" y="8038"/>
-                </a:lnTo>
-                <a:close/>
-              </a:path>
-            </a:pathLst>
-          </a:custGeom>
-          <a:solidFill>
-            <a:schemeClr val="tx1"/>
-          </a:solidFill>
-          <a:ln>
-            <a:noFill/>
-          </a:ln>
-        </p:spPr>
-      </p:sp>
-      <p:sp>
-        <p:nvSpPr>
-          <p:cNvPr id="2" name="Title 1">
-            <a:extLst>
-              <a:ext uri="{FF2B5EF4-FFF2-40B4-BE49-F238E27FC236}">
-                <a16:creationId xmlns:a16="http://schemas.microsoft.com/office/drawing/2014/main" id="{51D685E6-6A8B-0043-BA34-A5C3829E6AB7}"/>
-              </a:ext>
-            </a:extLst>
-          </p:cNvPr>
-          <p:cNvSpPr>
-            <a:spLocks noGrp="1"/>
-          </p:cNvSpPr>
-          <p:nvPr>
-            <p:ph type="title"/>
-          </p:nvPr>
-        </p:nvSpPr>
-        <p:spPr>
-          <a:xfrm>
-            <a:off x="806195" y="804672"/>
-            <a:ext cx="3521359" cy="5248656"/>
-          </a:xfrm>
-        </p:spPr>
-        <p:txBody>
-          <a:bodyPr anchor="ctr">
-            <a:normAutofit/>
-          </a:bodyPr>
-          <a:lstStyle/>
-          <a:p>
-            <a:pPr algn="ctr"/>
-            <a:r>
-              <a:rPr lang="en-US"/>
-              <a:t>Business Problem</a:t>
-            </a:r>
-          </a:p>
-        </p:txBody>
-      </p:sp>
-      <p:sp>
-        <p:nvSpPr>
-          <p:cNvPr id="3" name="Content Placeholder 2">
-            <a:extLst>
-              <a:ext uri="{FF2B5EF4-FFF2-40B4-BE49-F238E27FC236}">
-                <a16:creationId xmlns:a16="http://schemas.microsoft.com/office/drawing/2014/main" id="{EA83DF89-F291-E343-81C9-9C89E7E14F78}"/>
-              </a:ext>
-            </a:extLst>
-          </p:cNvPr>
-          <p:cNvSpPr>
-            <a:spLocks noGrp="1"/>
-          </p:cNvSpPr>
-          <p:nvPr>
-            <p:ph idx="1"/>
-          </p:nvPr>
-        </p:nvSpPr>
-        <p:spPr>
-          <a:xfrm>
-            <a:off x="4975861" y="804671"/>
-            <a:ext cx="6399930" cy="5248657"/>
-          </a:xfrm>
-        </p:spPr>
-        <p:txBody>
-          <a:bodyPr anchor="ctr">
-            <a:normAutofit/>
-          </a:bodyPr>
-          <a:lstStyle/>
-          <a:p>
-            <a:endParaRPr lang="en-US" dirty="0"/>
-          </a:p>
-          <a:p>
-            <a:r>
-              <a:rPr lang="en-US" dirty="0"/>
-              <a:t>Any company that sells a product in mass production generates a huge amount of public opinion on the product and tons of reviews, articles, reactions and overall sentiments are posted online, especially soon after release. </a:t>
-            </a:r>
-          </a:p>
-          <a:p>
-            <a:r>
-              <a:rPr lang="en-US" dirty="0"/>
-              <a:t>As of 2017, 223 million iPhones were sold in the US (CITE) which is huge considering the population was 325 million (this information was from 2017)! </a:t>
-            </a:r>
-          </a:p>
-          <a:p>
-            <a:r>
-              <a:rPr lang="en-US" dirty="0"/>
-              <a:t>How do companies access this data from the public media and turn it into something useful? How do we extract all that diverse information from the web and analyze it??</a:t>
-            </a:r>
-          </a:p>
-          <a:p>
-            <a:endParaRPr lang="en-US" dirty="0"/>
-          </a:p>
-          <a:p>
-            <a:endParaRPr lang="en-US" dirty="0"/>
-          </a:p>
-        </p:txBody>
-      </p:sp>
-    </p:spTree>
-    <p:extLst>
-      <p:ext uri="{BB962C8B-B14F-4D97-AF65-F5344CB8AC3E}">
-        <p14:creationId xmlns:p14="http://schemas.microsoft.com/office/powerpoint/2010/main" val="3267434134"/>
-      </p:ext>
-    </p:extLst>
-  </p:cSld>
-  <p:clrMapOvr>
-    <a:masterClrMapping/>
-  </p:clrMapOvr>
-</p:sld>
-</file>
-
-<file path=ppt/slides/slide20.xml><?xml version="1.0" encoding="utf-8"?>
+<file path=ppt/slides/slide22.xml><?xml version="1.0" encoding="utf-8"?>
 <p:sld xmlns:a="http://schemas.openxmlformats.org/drawingml/2006/main" xmlns:r="http://schemas.openxmlformats.org/officeDocument/2006/relationships" xmlns:p="http://schemas.openxmlformats.org/presentationml/2006/main">
   <p:cSld>
     <p:spTree>
@@ -33657,6 +34692,86 @@
           <a:bodyPr/>
           <a:lstStyle/>
           <a:p>
+            <a:r>
+              <a:rPr lang="en-US" dirty="0"/>
+              <a:t>Pseudo Code:</a:t>
+            </a:r>
+          </a:p>
+          <a:p>
+            <a:pPr lvl="1"/>
+            <a:r>
+              <a:rPr lang="en-US" dirty="0"/>
+              <a:t>For token in each sentence:</a:t>
+            </a:r>
+          </a:p>
+          <a:p>
+            <a:pPr lvl="2"/>
+            <a:r>
+              <a:rPr lang="en-US" dirty="0"/>
+              <a:t>Check if the token is in the Opinions Lexicon</a:t>
+            </a:r>
+          </a:p>
+          <a:p>
+            <a:pPr lvl="3"/>
+            <a:r>
+              <a:rPr lang="en-US" dirty="0"/>
+              <a:t>Assign a +1 if it’s a positive term or -1 if it’s a negative term</a:t>
+            </a:r>
+          </a:p>
+          <a:p>
+            <a:pPr lvl="3"/>
+            <a:r>
+              <a:rPr lang="en-US" dirty="0"/>
+              <a:t>Add more weight to tokens with adjectives (1.5 for </a:t>
+            </a:r>
+            <a:r>
+              <a:rPr lang="en-US" dirty="0" err="1"/>
+              <a:t>pos</a:t>
+            </a:r>
+            <a:r>
+              <a:rPr lang="en-US" dirty="0"/>
+              <a:t>, -1.5 for neg)</a:t>
+            </a:r>
+          </a:p>
+          <a:p>
+            <a:pPr lvl="2"/>
+            <a:r>
+              <a:rPr lang="en-US" dirty="0"/>
+              <a:t>Check if negation on a sentiment term </a:t>
+            </a:r>
+          </a:p>
+          <a:p>
+            <a:pPr lvl="3"/>
+            <a:r>
+              <a:rPr lang="en-US" dirty="0"/>
+              <a:t>Switch the sign of the score</a:t>
+            </a:r>
+          </a:p>
+          <a:p>
+            <a:pPr lvl="2"/>
+            <a:r>
+              <a:rPr lang="en-US" dirty="0"/>
+              <a:t>Check for nouns</a:t>
+            </a:r>
+          </a:p>
+          <a:p>
+            <a:pPr lvl="3"/>
+            <a:r>
+              <a:rPr lang="en-US" dirty="0"/>
+              <a:t>Assign sentiment scores to nouns</a:t>
+            </a:r>
+          </a:p>
+          <a:p>
+            <a:endParaRPr lang="en-US" dirty="0"/>
+          </a:p>
+          <a:p>
+            <a:endParaRPr lang="en-US" dirty="0"/>
+          </a:p>
+          <a:p>
+            <a:endParaRPr lang="en-US" dirty="0"/>
+          </a:p>
+          <a:p>
+            <a:pPr lvl="3"/>
             <a:endParaRPr lang="en-US" dirty="0"/>
           </a:p>
         </p:txBody>
@@ -33674,7 +34789,7 @@
 </p:sld>
 </file>
 
-<file path=ppt/slides/slide21.xml><?xml version="1.0" encoding="utf-8"?>
+<file path=ppt/slides/slide23.xml><?xml version="1.0" encoding="utf-8"?>
 <p:sld xmlns:a="http://schemas.openxmlformats.org/drawingml/2006/main" xmlns:r="http://schemas.openxmlformats.org/officeDocument/2006/relationships" xmlns:p="http://schemas.openxmlformats.org/presentationml/2006/main">
   <p:cSld>
     <p:bg>
@@ -34059,7 +35174,7 @@
               </a:lnSpc>
             </a:pPr>
             <a:r>
-              <a:rPr lang="en-US" sz="4500"/>
+              <a:rPr lang="en-US" sz="4500" dirty="0"/>
               <a:t>Evaluating Word2Vec using WordSim353 Data Base</a:t>
             </a:r>
           </a:p>
@@ -34840,7 +35955,141 @@
 </p:sld>
 </file>
 
-<file path=ppt/slides/slide22.xml><?xml version="1.0" encoding="utf-8"?>
+<file path=ppt/slides/slide24.xml><?xml version="1.0" encoding="utf-8"?>
+<p:sld xmlns:a="http://schemas.openxmlformats.org/drawingml/2006/main" xmlns:r="http://schemas.openxmlformats.org/officeDocument/2006/relationships" xmlns:p="http://schemas.openxmlformats.org/presentationml/2006/main">
+  <p:cSld>
+    <p:spTree>
+      <p:nvGrpSpPr>
+        <p:cNvPr id="1" name=""/>
+        <p:cNvGrpSpPr/>
+        <p:nvPr/>
+      </p:nvGrpSpPr>
+      <p:grpSpPr>
+        <a:xfrm>
+          <a:off x="0" y="0"/>
+          <a:ext cx="0" cy="0"/>
+          <a:chOff x="0" y="0"/>
+          <a:chExt cx="0" cy="0"/>
+        </a:xfrm>
+      </p:grpSpPr>
+      <p:sp>
+        <p:nvSpPr>
+          <p:cNvPr id="2" name="Title 1">
+            <a:extLst>
+              <a:ext uri="{FF2B5EF4-FFF2-40B4-BE49-F238E27FC236}">
+                <a16:creationId xmlns:a16="http://schemas.microsoft.com/office/drawing/2014/main" id="{0B97F92B-C577-9946-A3AF-13709504C11E}"/>
+              </a:ext>
+            </a:extLst>
+          </p:cNvPr>
+          <p:cNvSpPr>
+            <a:spLocks noGrp="1"/>
+          </p:cNvSpPr>
+          <p:nvPr>
+            <p:ph type="title"/>
+          </p:nvPr>
+        </p:nvSpPr>
+        <p:spPr/>
+        <p:txBody>
+          <a:bodyPr/>
+          <a:lstStyle/>
+          <a:p>
+            <a:r>
+              <a:rPr lang="en-US" dirty="0"/>
+              <a:t>Classify Aspect, Sentiment into Topics</a:t>
+            </a:r>
+          </a:p>
+        </p:txBody>
+      </p:sp>
+      <p:sp>
+        <p:nvSpPr>
+          <p:cNvPr id="3" name="Content Placeholder 2">
+            <a:extLst>
+              <a:ext uri="{FF2B5EF4-FFF2-40B4-BE49-F238E27FC236}">
+                <a16:creationId xmlns:a16="http://schemas.microsoft.com/office/drawing/2014/main" id="{039D38B2-EB09-9144-BB14-7E9D9604753F}"/>
+              </a:ext>
+            </a:extLst>
+          </p:cNvPr>
+          <p:cNvSpPr>
+            <a:spLocks noGrp="1"/>
+          </p:cNvSpPr>
+          <p:nvPr>
+            <p:ph idx="1"/>
+          </p:nvPr>
+        </p:nvSpPr>
+        <p:spPr/>
+        <p:txBody>
+          <a:bodyPr/>
+          <a:lstStyle/>
+          <a:p>
+            <a:r>
+              <a:rPr lang="en-US" dirty="0"/>
+              <a:t>Pseudo Code:</a:t>
+            </a:r>
+          </a:p>
+          <a:p>
+            <a:pPr lvl="1"/>
+            <a:r>
+              <a:rPr lang="en-US" dirty="0"/>
+              <a:t>For term in sentiment dictionary:</a:t>
+            </a:r>
+          </a:p>
+          <a:p>
+            <a:pPr lvl="2"/>
+            <a:r>
+              <a:rPr lang="en-US" dirty="0"/>
+              <a:t>If similarity between term and topic using Word2Vec Model is higher than a certain threshold</a:t>
+            </a:r>
+          </a:p>
+          <a:p>
+            <a:pPr lvl="3"/>
+            <a:r>
+              <a:rPr lang="en-US" dirty="0"/>
+              <a:t>Assign term, sentiment to topic (can be assigned to more than one topic)</a:t>
+            </a:r>
+          </a:p>
+          <a:p>
+            <a:pPr lvl="2"/>
+            <a:r>
+              <a:rPr lang="en-US" dirty="0"/>
+              <a:t>Otherwise, use the predicted labels from SVM</a:t>
+            </a:r>
+          </a:p>
+          <a:p>
+            <a:pPr lvl="3"/>
+            <a:r>
+              <a:rPr lang="en-US" dirty="0"/>
+              <a:t>Assign term, sentiment to topic (can be assigned to more than one topic)</a:t>
+            </a:r>
+          </a:p>
+          <a:p>
+            <a:endParaRPr lang="en-US" dirty="0"/>
+          </a:p>
+          <a:p>
+            <a:endParaRPr lang="en-US" dirty="0"/>
+          </a:p>
+          <a:p>
+            <a:pPr lvl="3"/>
+            <a:endParaRPr lang="en-US" dirty="0"/>
+          </a:p>
+          <a:p>
+            <a:endParaRPr lang="en-US" dirty="0"/>
+          </a:p>
+        </p:txBody>
+      </p:sp>
+    </p:spTree>
+    <p:extLst>
+      <p:ext uri="{BB962C8B-B14F-4D97-AF65-F5344CB8AC3E}">
+        <p14:creationId xmlns:p14="http://schemas.microsoft.com/office/powerpoint/2010/main" val="1061496355"/>
+      </p:ext>
+    </p:extLst>
+  </p:cSld>
+  <p:clrMapOvr>
+    <a:masterClrMapping/>
+  </p:clrMapOvr>
+</p:sld>
+</file>
+
+<file path=ppt/slides/slide25.xml><?xml version="1.0" encoding="utf-8"?>
 <p:sld xmlns:a="http://schemas.openxmlformats.org/drawingml/2006/main" xmlns:r="http://schemas.openxmlformats.org/officeDocument/2006/relationships" xmlns:p="http://schemas.openxmlformats.org/presentationml/2006/main">
   <p:cSld>
     <p:bg>
@@ -35926,7 +37175,471 @@
 </p:sld>
 </file>
 
-<file path=ppt/slides/slide23.xml><?xml version="1.0" encoding="utf-8"?>
+<file path=ppt/slides/slide26.xml><?xml version="1.0" encoding="utf-8"?>
+<p:sld xmlns:a="http://schemas.openxmlformats.org/drawingml/2006/main" xmlns:r="http://schemas.openxmlformats.org/officeDocument/2006/relationships" xmlns:p="http://schemas.openxmlformats.org/presentationml/2006/main">
+  <p:cSld>
+    <p:bg>
+      <p:bgPr>
+        <a:blipFill rotWithShape="1">
+          <a:blip r:embed="rId2">
+            <a:duotone>
+              <a:schemeClr val="bg2">
+                <a:shade val="69000"/>
+                <a:hueMod val="108000"/>
+                <a:satMod val="164000"/>
+                <a:lumMod val="74000"/>
+              </a:schemeClr>
+              <a:schemeClr val="bg2">
+                <a:tint val="96000"/>
+                <a:hueMod val="88000"/>
+                <a:satMod val="140000"/>
+                <a:lumMod val="132000"/>
+              </a:schemeClr>
+            </a:duotone>
+            <a:extLst/>
+          </a:blip>
+          <a:stretch/>
+        </a:blipFill>
+        <a:effectLst/>
+      </p:bgPr>
+    </p:bg>
+    <p:spTree>
+      <p:nvGrpSpPr>
+        <p:cNvPr id="1" name=""/>
+        <p:cNvGrpSpPr/>
+        <p:nvPr/>
+      </p:nvGrpSpPr>
+      <p:grpSpPr>
+        <a:xfrm>
+          <a:off x="0" y="0"/>
+          <a:ext cx="0" cy="0"/>
+          <a:chOff x="0" y="0"/>
+          <a:chExt cx="0" cy="0"/>
+        </a:xfrm>
+      </p:grpSpPr>
+      <p:sp>
+        <p:nvSpPr>
+          <p:cNvPr id="8" name="Rectangle 7">
+            <a:extLst>
+              <a:ext uri="{FF2B5EF4-FFF2-40B4-BE49-F238E27FC236}">
+                <a16:creationId xmlns:a16="http://schemas.microsoft.com/office/drawing/2014/main" id="{923E8915-D2AA-4327-A45A-972C3CA9574B}"/>
+              </a:ext>
+              <a:ext uri="{C183D7F6-B498-43B3-948B-1728B52AA6E4}">
+                <adec:decorative xmlns:adec="http://schemas.microsoft.com/office/drawing/2017/decorative" val="1"/>
+              </a:ext>
+            </a:extLst>
+          </p:cNvPr>
+          <p:cNvSpPr>
+            <a:spLocks noGrp="1" noRot="1" noChangeAspect="1" noMove="1" noResize="1" noEditPoints="1" noAdjustHandles="1" noChangeArrowheads="1" noChangeShapeType="1" noTextEdit="1"/>
+          </p:cNvSpPr>
+          <p:nvPr>
+            <p:extLst>
+              <p:ext uri="{386F3935-93C4-4BCD-93E2-E3B085C9AB24}">
+                <p16:designElem xmlns:p16="http://schemas.microsoft.com/office/powerpoint/2015/main" val="1"/>
+              </p:ext>
+            </p:extLst>
+          </p:nvPr>
+        </p:nvSpPr>
+        <p:spPr>
+          <a:xfrm>
+            <a:off x="0" y="0"/>
+            <a:ext cx="12192000" cy="6858000"/>
+          </a:xfrm>
+          <a:prstGeom prst="rect">
+            <a:avLst/>
+          </a:prstGeom>
+          <a:solidFill>
+            <a:schemeClr val="tx1"/>
+          </a:solidFill>
+          <a:ln>
+            <a:noFill/>
+          </a:ln>
+        </p:spPr>
+        <p:style>
+          <a:lnRef idx="2">
+            <a:schemeClr val="accent1">
+              <a:shade val="50000"/>
+            </a:schemeClr>
+          </a:lnRef>
+          <a:fillRef idx="1">
+            <a:schemeClr val="accent1"/>
+          </a:fillRef>
+          <a:effectRef idx="0">
+            <a:schemeClr val="accent1"/>
+          </a:effectRef>
+          <a:fontRef idx="minor">
+            <a:schemeClr val="lt1"/>
+          </a:fontRef>
+        </p:style>
+        <p:txBody>
+          <a:bodyPr rtlCol="0" anchor="ctr"/>
+          <a:lstStyle/>
+          <a:p>
+            <a:pPr algn="ctr"/>
+            <a:endParaRPr lang="en-US"/>
+          </a:p>
+        </p:txBody>
+      </p:sp>
+      <p:sp useBgFill="1">
+        <p:nvSpPr>
+          <p:cNvPr id="10" name="Rectangle 9">
+            <a:extLst>
+              <a:ext uri="{FF2B5EF4-FFF2-40B4-BE49-F238E27FC236}">
+                <a16:creationId xmlns:a16="http://schemas.microsoft.com/office/drawing/2014/main" id="{8302FC3C-9804-4950-B721-5FD704BA6065}"/>
+              </a:ext>
+              <a:ext uri="{C183D7F6-B498-43B3-948B-1728B52AA6E4}">
+                <adec:decorative xmlns:adec="http://schemas.microsoft.com/office/drawing/2017/decorative" val="1"/>
+              </a:ext>
+            </a:extLst>
+          </p:cNvPr>
+          <p:cNvSpPr>
+            <a:spLocks noGrp="1" noRot="1" noChangeAspect="1" noMove="1" noResize="1" noEditPoints="1" noAdjustHandles="1" noChangeArrowheads="1" noChangeShapeType="1" noTextEdit="1"/>
+          </p:cNvSpPr>
+          <p:nvPr>
+            <p:extLst>
+              <p:ext uri="{386F3935-93C4-4BCD-93E2-E3B085C9AB24}">
+                <p16:designElem xmlns:p16="http://schemas.microsoft.com/office/powerpoint/2015/main" val="1"/>
+              </p:ext>
+            </p:extLst>
+          </p:nvPr>
+        </p:nvSpPr>
+        <p:spPr bwMode="ltGray">
+          <a:xfrm>
+            <a:off x="0" y="0"/>
+            <a:ext cx="12188952" cy="6858000"/>
+          </a:xfrm>
+          <a:prstGeom prst="rect">
+            <a:avLst/>
+          </a:prstGeom>
+          <a:ln w="127000" cap="sq" cmpd="thinThick">
+            <a:noFill/>
+          </a:ln>
+        </p:spPr>
+        <p:style>
+          <a:lnRef idx="2">
+            <a:schemeClr val="accent1">
+              <a:shade val="50000"/>
+            </a:schemeClr>
+          </a:lnRef>
+          <a:fillRef idx="1">
+            <a:schemeClr val="accent1"/>
+          </a:fillRef>
+          <a:effectRef idx="0">
+            <a:schemeClr val="accent1"/>
+          </a:effectRef>
+          <a:fontRef idx="minor">
+            <a:schemeClr val="lt1"/>
+          </a:fontRef>
+        </p:style>
+        <p:txBody>
+          <a:bodyPr rtlCol="0" anchor="ctr"/>
+          <a:lstStyle/>
+          <a:p>
+            <a:pPr algn="ctr"/>
+            <a:endParaRPr lang="en-US"/>
+          </a:p>
+        </p:txBody>
+      </p:sp>
+      <p:cxnSp>
+        <p:nvCxnSpPr>
+          <p:cNvPr id="12" name="Straight Connector 11">
+            <a:extLst>
+              <a:ext uri="{FF2B5EF4-FFF2-40B4-BE49-F238E27FC236}">
+                <a16:creationId xmlns:a16="http://schemas.microsoft.com/office/drawing/2014/main" id="{6B9695BD-ECF6-49CA-8877-8C493193C65D}"/>
+              </a:ext>
+              <a:ext uri="{C183D7F6-B498-43B3-948B-1728B52AA6E4}">
+                <adec:decorative xmlns:adec="http://schemas.microsoft.com/office/drawing/2017/decorative" val="1"/>
+              </a:ext>
+            </a:extLst>
+          </p:cNvPr>
+          <p:cNvCxnSpPr>
+            <a:cxnSpLocks noGrp="1" noRot="1" noChangeAspect="1" noMove="1" noResize="1" noEditPoints="1" noAdjustHandles="1" noChangeArrowheads="1" noChangeShapeType="1"/>
+          </p:cNvCxnSpPr>
+          <p:nvPr>
+            <p:extLst>
+              <p:ext uri="{386F3935-93C4-4BCD-93E2-E3B085C9AB24}">
+                <p16:designElem xmlns:p16="http://schemas.microsoft.com/office/powerpoint/2015/main" val="1"/>
+              </p:ext>
+            </p:extLst>
+          </p:nvPr>
+        </p:nvCxnSpPr>
+        <p:spPr>
+          <a:xfrm>
+            <a:off x="4654295" y="1828800"/>
+            <a:ext cx="0" cy="3200400"/>
+          </a:xfrm>
+          <a:prstGeom prst="line">
+            <a:avLst/>
+          </a:prstGeom>
+          <a:ln w="19050">
+            <a:solidFill>
+              <a:schemeClr val="bg2">
+                <a:lumMod val="60000"/>
+                <a:lumOff val="40000"/>
+              </a:schemeClr>
+            </a:solidFill>
+          </a:ln>
+        </p:spPr>
+        <p:style>
+          <a:lnRef idx="1">
+            <a:schemeClr val="accent1"/>
+          </a:lnRef>
+          <a:fillRef idx="0">
+            <a:schemeClr val="accent1"/>
+          </a:fillRef>
+          <a:effectRef idx="0">
+            <a:schemeClr val="accent1"/>
+          </a:effectRef>
+          <a:fontRef idx="minor">
+            <a:schemeClr val="tx1"/>
+          </a:fontRef>
+        </p:style>
+      </p:cxnSp>
+      <p:pic>
+        <p:nvPicPr>
+          <p:cNvPr id="14" name="Picture 13">
+            <a:extLst>
+              <a:ext uri="{FF2B5EF4-FFF2-40B4-BE49-F238E27FC236}">
+                <a16:creationId xmlns:a16="http://schemas.microsoft.com/office/drawing/2014/main" id="{3BC6EBB2-9BDC-4075-BA6B-43A9FBF9C86C}"/>
+              </a:ext>
+              <a:ext uri="{C183D7F6-B498-43B3-948B-1728B52AA6E4}">
+                <adec:decorative xmlns:adec="http://schemas.microsoft.com/office/drawing/2017/decorative" val="1"/>
+              </a:ext>
+            </a:extLst>
+          </p:cNvPr>
+          <p:cNvPicPr>
+            <a:picLocks noGrp="1" noRot="1" noChangeAspect="1" noMove="1" noResize="1" noEditPoints="1" noAdjustHandles="1" noChangeArrowheads="1" noChangeShapeType="1" noCrop="1"/>
+          </p:cNvPicPr>
+          <p:nvPr>
+            <p:extLst>
+              <p:ext uri="{386F3935-93C4-4BCD-93E2-E3B085C9AB24}">
+                <p16:designElem xmlns:p16="http://schemas.microsoft.com/office/powerpoint/2015/main" val="1"/>
+              </p:ext>
+            </p:extLst>
+          </p:nvPr>
+        </p:nvPicPr>
+        <p:blipFill rotWithShape="1">
+          <a:blip r:embed="rId3">
+            <a:extLst>
+              <a:ext uri="{28A0092B-C50C-407E-A947-70E740481C1C}">
+                <a14:useLocalDpi xmlns:a14="http://schemas.microsoft.com/office/drawing/2010/main" val="0"/>
+              </a:ext>
+            </a:extLst>
+          </a:blip>
+          <a:srcRect b="23320"/>
+          <a:stretch/>
+        </p:blipFill>
+        <p:spPr>
+          <a:xfrm>
+            <a:off x="8605878" y="6228080"/>
+            <a:ext cx="993734" cy="762000"/>
+          </a:xfrm>
+          <a:prstGeom prst="rect">
+            <a:avLst/>
+          </a:prstGeom>
+        </p:spPr>
+      </p:pic>
+      <p:sp>
+        <p:nvSpPr>
+          <p:cNvPr id="16" name="Freeform 5">
+            <a:extLst>
+              <a:ext uri="{FF2B5EF4-FFF2-40B4-BE49-F238E27FC236}">
+                <a16:creationId xmlns:a16="http://schemas.microsoft.com/office/drawing/2014/main" id="{F3798573-F27B-47EB-8EA4-7EE34954C2D6}"/>
+              </a:ext>
+              <a:ext uri="{C183D7F6-B498-43B3-948B-1728B52AA6E4}">
+                <adec:decorative xmlns:adec="http://schemas.microsoft.com/office/drawing/2017/decorative" val="1"/>
+              </a:ext>
+            </a:extLst>
+          </p:cNvPr>
+          <p:cNvSpPr>
+            <a:spLocks noGrp="1" noRot="1" noChangeAspect="1" noMove="1" noResize="1" noEditPoints="1" noAdjustHandles="1" noChangeArrowheads="1" noChangeShapeType="1" noTextEdit="1"/>
+          </p:cNvSpPr>
+          <p:nvPr>
+            <p:extLst>
+              <p:ext uri="{386F3935-93C4-4BCD-93E2-E3B085C9AB24}">
+                <p16:designElem xmlns:p16="http://schemas.microsoft.com/office/powerpoint/2015/main" val="1"/>
+              </p:ext>
+            </p:extLst>
+          </p:nvPr>
+        </p:nvSpPr>
+        <p:spPr bwMode="gray">
+          <a:xfrm>
+            <a:off x="-1588" y="0"/>
+            <a:ext cx="12192000" cy="6856413"/>
+          </a:xfrm>
+          <a:custGeom>
+            <a:avLst/>
+            <a:gdLst/>
+            <a:ahLst/>
+            <a:cxnLst/>
+            <a:rect l="0" t="0" r="r" b="b"/>
+            <a:pathLst>
+              <a:path w="15356" h="8638">
+                <a:moveTo>
+                  <a:pt x="0" y="0"/>
+                </a:moveTo>
+                <a:lnTo>
+                  <a:pt x="0" y="8638"/>
+                </a:lnTo>
+                <a:lnTo>
+                  <a:pt x="15356" y="8638"/>
+                </a:lnTo>
+                <a:lnTo>
+                  <a:pt x="15356" y="0"/>
+                </a:lnTo>
+                <a:lnTo>
+                  <a:pt x="0" y="0"/>
+                </a:lnTo>
+                <a:close/>
+                <a:moveTo>
+                  <a:pt x="14748" y="8038"/>
+                </a:moveTo>
+                <a:lnTo>
+                  <a:pt x="600" y="8038"/>
+                </a:lnTo>
+                <a:lnTo>
+                  <a:pt x="600" y="592"/>
+                </a:lnTo>
+                <a:lnTo>
+                  <a:pt x="14748" y="592"/>
+                </a:lnTo>
+                <a:lnTo>
+                  <a:pt x="14748" y="8038"/>
+                </a:lnTo>
+                <a:close/>
+              </a:path>
+            </a:pathLst>
+          </a:custGeom>
+          <a:solidFill>
+            <a:schemeClr val="tx1"/>
+          </a:solidFill>
+          <a:ln>
+            <a:noFill/>
+          </a:ln>
+        </p:spPr>
+      </p:sp>
+      <p:sp>
+        <p:nvSpPr>
+          <p:cNvPr id="2" name="Title 1">
+            <a:extLst>
+              <a:ext uri="{FF2B5EF4-FFF2-40B4-BE49-F238E27FC236}">
+                <a16:creationId xmlns:a16="http://schemas.microsoft.com/office/drawing/2014/main" id="{47FDBBBD-A66A-1143-9223-F927B544ED63}"/>
+              </a:ext>
+            </a:extLst>
+          </p:cNvPr>
+          <p:cNvSpPr>
+            <a:spLocks noGrp="1"/>
+          </p:cNvSpPr>
+          <p:nvPr>
+            <p:ph type="title"/>
+          </p:nvPr>
+        </p:nvSpPr>
+        <p:spPr>
+          <a:xfrm>
+            <a:off x="806195" y="804672"/>
+            <a:ext cx="3521359" cy="5248656"/>
+          </a:xfrm>
+        </p:spPr>
+        <p:txBody>
+          <a:bodyPr anchor="ctr">
+            <a:normAutofit/>
+          </a:bodyPr>
+          <a:lstStyle/>
+          <a:p>
+            <a:pPr algn="ctr"/>
+            <a:r>
+              <a:rPr lang="en-US" dirty="0"/>
+              <a:t>Analyzing Results</a:t>
+            </a:r>
+            <a:br>
+              <a:rPr lang="en-US" dirty="0"/>
+            </a:br>
+            <a:endParaRPr lang="en-US" dirty="0"/>
+          </a:p>
+        </p:txBody>
+      </p:sp>
+      <p:sp>
+        <p:nvSpPr>
+          <p:cNvPr id="3" name="Content Placeholder 2">
+            <a:extLst>
+              <a:ext uri="{FF2B5EF4-FFF2-40B4-BE49-F238E27FC236}">
+                <a16:creationId xmlns:a16="http://schemas.microsoft.com/office/drawing/2014/main" id="{1B88AC84-3B98-AC47-B805-CC72B74E8340}"/>
+              </a:ext>
+            </a:extLst>
+          </p:cNvPr>
+          <p:cNvSpPr>
+            <a:spLocks noGrp="1"/>
+          </p:cNvSpPr>
+          <p:nvPr>
+            <p:ph idx="1"/>
+          </p:nvPr>
+        </p:nvSpPr>
+        <p:spPr>
+          <a:xfrm>
+            <a:off x="4975861" y="804671"/>
+            <a:ext cx="6399930" cy="5248657"/>
+          </a:xfrm>
+        </p:spPr>
+        <p:txBody>
+          <a:bodyPr anchor="ctr">
+            <a:normAutofit/>
+          </a:bodyPr>
+          <a:lstStyle/>
+          <a:p>
+            <a:pPr marL="0" indent="0">
+              <a:lnSpc>
+                <a:spcPct val="90000"/>
+              </a:lnSpc>
+              <a:buNone/>
+            </a:pPr>
+            <a:endParaRPr lang="en-US" dirty="0"/>
+          </a:p>
+          <a:p>
+            <a:pPr>
+              <a:lnSpc>
+                <a:spcPct val="90000"/>
+              </a:lnSpc>
+            </a:pPr>
+            <a:r>
+              <a:rPr lang="en-US" dirty="0"/>
+              <a:t>"scratch", "scratches", "bumps", "damage", "shock", "falls" and "cracks" are shown as the most negative aspects of design and function, almost in sequence. iPhone X has a problem with its durability. </a:t>
+            </a:r>
+          </a:p>
+          <a:p>
+            <a:pPr>
+              <a:lnSpc>
+                <a:spcPct val="90000"/>
+              </a:lnSpc>
+            </a:pPr>
+            <a:endParaRPr lang="en-US" dirty="0"/>
+          </a:p>
+          <a:p>
+            <a:pPr>
+              <a:lnSpc>
+                <a:spcPct val="90000"/>
+              </a:lnSpc>
+            </a:pPr>
+            <a:r>
+              <a:rPr lang="en-US" dirty="0"/>
+              <a:t>Samsung S9 has a more diverse set of problems from "video", "lag" to "motion" and "battery”.</a:t>
+            </a:r>
+          </a:p>
+        </p:txBody>
+      </p:sp>
+    </p:spTree>
+    <p:extLst>
+      <p:ext uri="{BB962C8B-B14F-4D97-AF65-F5344CB8AC3E}">
+        <p14:creationId xmlns:p14="http://schemas.microsoft.com/office/powerpoint/2010/main" val="1930324800"/>
+      </p:ext>
+    </p:extLst>
+  </p:cSld>
+  <p:clrMapOvr>
+    <a:masterClrMapping/>
+  </p:clrMapOvr>
+</p:sld>
+</file>
+
+<file path=ppt/slides/slide27.xml><?xml version="1.0" encoding="utf-8"?>
 <p:sld xmlns:a="http://schemas.openxmlformats.org/drawingml/2006/main" xmlns:r="http://schemas.openxmlformats.org/officeDocument/2006/relationships" xmlns:p="http://schemas.openxmlformats.org/presentationml/2006/main">
   <p:cSld>
     <p:bg>
@@ -37305,7 +39018,456 @@
 </p:sld>
 </file>
 
-<file path=ppt/slides/slide24.xml><?xml version="1.0" encoding="utf-8"?>
+<file path=ppt/slides/slide28.xml><?xml version="1.0" encoding="utf-8"?>
+<p:sld xmlns:a="http://schemas.openxmlformats.org/drawingml/2006/main" xmlns:r="http://schemas.openxmlformats.org/officeDocument/2006/relationships" xmlns:p="http://schemas.openxmlformats.org/presentationml/2006/main">
+  <p:cSld>
+    <p:bg>
+      <p:bgPr>
+        <a:blipFill rotWithShape="1">
+          <a:blip r:embed="rId2">
+            <a:duotone>
+              <a:schemeClr val="bg2">
+                <a:shade val="69000"/>
+                <a:hueMod val="108000"/>
+                <a:satMod val="164000"/>
+                <a:lumMod val="74000"/>
+              </a:schemeClr>
+              <a:schemeClr val="bg2">
+                <a:tint val="96000"/>
+                <a:hueMod val="88000"/>
+                <a:satMod val="140000"/>
+                <a:lumMod val="132000"/>
+              </a:schemeClr>
+            </a:duotone>
+            <a:extLst/>
+          </a:blip>
+          <a:stretch/>
+        </a:blipFill>
+        <a:effectLst/>
+      </p:bgPr>
+    </p:bg>
+    <p:spTree>
+      <p:nvGrpSpPr>
+        <p:cNvPr id="1" name=""/>
+        <p:cNvGrpSpPr/>
+        <p:nvPr/>
+      </p:nvGrpSpPr>
+      <p:grpSpPr>
+        <a:xfrm>
+          <a:off x="0" y="0"/>
+          <a:ext cx="0" cy="0"/>
+          <a:chOff x="0" y="0"/>
+          <a:chExt cx="0" cy="0"/>
+        </a:xfrm>
+      </p:grpSpPr>
+      <p:sp>
+        <p:nvSpPr>
+          <p:cNvPr id="8" name="Rectangle 7">
+            <a:extLst>
+              <a:ext uri="{FF2B5EF4-FFF2-40B4-BE49-F238E27FC236}">
+                <a16:creationId xmlns:a16="http://schemas.microsoft.com/office/drawing/2014/main" id="{923E8915-D2AA-4327-A45A-972C3CA9574B}"/>
+              </a:ext>
+              <a:ext uri="{C183D7F6-B498-43B3-948B-1728B52AA6E4}">
+                <adec:decorative xmlns:adec="http://schemas.microsoft.com/office/drawing/2017/decorative" val="1"/>
+              </a:ext>
+            </a:extLst>
+          </p:cNvPr>
+          <p:cNvSpPr>
+            <a:spLocks noGrp="1" noRot="1" noChangeAspect="1" noMove="1" noResize="1" noEditPoints="1" noAdjustHandles="1" noChangeArrowheads="1" noChangeShapeType="1" noTextEdit="1"/>
+          </p:cNvSpPr>
+          <p:nvPr>
+            <p:extLst>
+              <p:ext uri="{386F3935-93C4-4BCD-93E2-E3B085C9AB24}">
+                <p16:designElem xmlns:p16="http://schemas.microsoft.com/office/powerpoint/2015/main" val="1"/>
+              </p:ext>
+            </p:extLst>
+          </p:nvPr>
+        </p:nvSpPr>
+        <p:spPr>
+          <a:xfrm>
+            <a:off x="0" y="0"/>
+            <a:ext cx="12192000" cy="6858000"/>
+          </a:xfrm>
+          <a:prstGeom prst="rect">
+            <a:avLst/>
+          </a:prstGeom>
+          <a:solidFill>
+            <a:schemeClr val="tx1"/>
+          </a:solidFill>
+          <a:ln>
+            <a:noFill/>
+          </a:ln>
+        </p:spPr>
+        <p:style>
+          <a:lnRef idx="2">
+            <a:schemeClr val="accent1">
+              <a:shade val="50000"/>
+            </a:schemeClr>
+          </a:lnRef>
+          <a:fillRef idx="1">
+            <a:schemeClr val="accent1"/>
+          </a:fillRef>
+          <a:effectRef idx="0">
+            <a:schemeClr val="accent1"/>
+          </a:effectRef>
+          <a:fontRef idx="minor">
+            <a:schemeClr val="lt1"/>
+          </a:fontRef>
+        </p:style>
+        <p:txBody>
+          <a:bodyPr rtlCol="0" anchor="ctr"/>
+          <a:lstStyle/>
+          <a:p>
+            <a:pPr algn="ctr"/>
+            <a:endParaRPr lang="en-US"/>
+          </a:p>
+        </p:txBody>
+      </p:sp>
+      <p:sp useBgFill="1">
+        <p:nvSpPr>
+          <p:cNvPr id="10" name="Rectangle 9">
+            <a:extLst>
+              <a:ext uri="{FF2B5EF4-FFF2-40B4-BE49-F238E27FC236}">
+                <a16:creationId xmlns:a16="http://schemas.microsoft.com/office/drawing/2014/main" id="{8302FC3C-9804-4950-B721-5FD704BA6065}"/>
+              </a:ext>
+              <a:ext uri="{C183D7F6-B498-43B3-948B-1728B52AA6E4}">
+                <adec:decorative xmlns:adec="http://schemas.microsoft.com/office/drawing/2017/decorative" val="1"/>
+              </a:ext>
+            </a:extLst>
+          </p:cNvPr>
+          <p:cNvSpPr>
+            <a:spLocks noGrp="1" noRot="1" noChangeAspect="1" noMove="1" noResize="1" noEditPoints="1" noAdjustHandles="1" noChangeArrowheads="1" noChangeShapeType="1" noTextEdit="1"/>
+          </p:cNvSpPr>
+          <p:nvPr>
+            <p:extLst>
+              <p:ext uri="{386F3935-93C4-4BCD-93E2-E3B085C9AB24}">
+                <p16:designElem xmlns:p16="http://schemas.microsoft.com/office/powerpoint/2015/main" val="1"/>
+              </p:ext>
+            </p:extLst>
+          </p:nvPr>
+        </p:nvSpPr>
+        <p:spPr bwMode="ltGray">
+          <a:xfrm>
+            <a:off x="0" y="0"/>
+            <a:ext cx="12188952" cy="6858000"/>
+          </a:xfrm>
+          <a:prstGeom prst="rect">
+            <a:avLst/>
+          </a:prstGeom>
+          <a:ln w="127000" cap="sq" cmpd="thinThick">
+            <a:noFill/>
+          </a:ln>
+        </p:spPr>
+        <p:style>
+          <a:lnRef idx="2">
+            <a:schemeClr val="accent1">
+              <a:shade val="50000"/>
+            </a:schemeClr>
+          </a:lnRef>
+          <a:fillRef idx="1">
+            <a:schemeClr val="accent1"/>
+          </a:fillRef>
+          <a:effectRef idx="0">
+            <a:schemeClr val="accent1"/>
+          </a:effectRef>
+          <a:fontRef idx="minor">
+            <a:schemeClr val="lt1"/>
+          </a:fontRef>
+        </p:style>
+        <p:txBody>
+          <a:bodyPr rtlCol="0" anchor="ctr"/>
+          <a:lstStyle/>
+          <a:p>
+            <a:pPr algn="ctr"/>
+            <a:endParaRPr lang="en-US"/>
+          </a:p>
+        </p:txBody>
+      </p:sp>
+      <p:cxnSp>
+        <p:nvCxnSpPr>
+          <p:cNvPr id="12" name="Straight Connector 11">
+            <a:extLst>
+              <a:ext uri="{FF2B5EF4-FFF2-40B4-BE49-F238E27FC236}">
+                <a16:creationId xmlns:a16="http://schemas.microsoft.com/office/drawing/2014/main" id="{6B9695BD-ECF6-49CA-8877-8C493193C65D}"/>
+              </a:ext>
+              <a:ext uri="{C183D7F6-B498-43B3-948B-1728B52AA6E4}">
+                <adec:decorative xmlns:adec="http://schemas.microsoft.com/office/drawing/2017/decorative" val="1"/>
+              </a:ext>
+            </a:extLst>
+          </p:cNvPr>
+          <p:cNvCxnSpPr>
+            <a:cxnSpLocks noGrp="1" noRot="1" noChangeAspect="1" noMove="1" noResize="1" noEditPoints="1" noAdjustHandles="1" noChangeArrowheads="1" noChangeShapeType="1"/>
+          </p:cNvCxnSpPr>
+          <p:nvPr>
+            <p:extLst>
+              <p:ext uri="{386F3935-93C4-4BCD-93E2-E3B085C9AB24}">
+                <p16:designElem xmlns:p16="http://schemas.microsoft.com/office/powerpoint/2015/main" val="1"/>
+              </p:ext>
+            </p:extLst>
+          </p:nvPr>
+        </p:nvCxnSpPr>
+        <p:spPr>
+          <a:xfrm>
+            <a:off x="4654295" y="1828800"/>
+            <a:ext cx="0" cy="3200400"/>
+          </a:xfrm>
+          <a:prstGeom prst="line">
+            <a:avLst/>
+          </a:prstGeom>
+          <a:ln w="19050">
+            <a:solidFill>
+              <a:schemeClr val="bg2">
+                <a:lumMod val="60000"/>
+                <a:lumOff val="40000"/>
+              </a:schemeClr>
+            </a:solidFill>
+          </a:ln>
+        </p:spPr>
+        <p:style>
+          <a:lnRef idx="1">
+            <a:schemeClr val="accent1"/>
+          </a:lnRef>
+          <a:fillRef idx="0">
+            <a:schemeClr val="accent1"/>
+          </a:fillRef>
+          <a:effectRef idx="0">
+            <a:schemeClr val="accent1"/>
+          </a:effectRef>
+          <a:fontRef idx="minor">
+            <a:schemeClr val="tx1"/>
+          </a:fontRef>
+        </p:style>
+      </p:cxnSp>
+      <p:pic>
+        <p:nvPicPr>
+          <p:cNvPr id="14" name="Picture 13">
+            <a:extLst>
+              <a:ext uri="{FF2B5EF4-FFF2-40B4-BE49-F238E27FC236}">
+                <a16:creationId xmlns:a16="http://schemas.microsoft.com/office/drawing/2014/main" id="{3BC6EBB2-9BDC-4075-BA6B-43A9FBF9C86C}"/>
+              </a:ext>
+              <a:ext uri="{C183D7F6-B498-43B3-948B-1728B52AA6E4}">
+                <adec:decorative xmlns:adec="http://schemas.microsoft.com/office/drawing/2017/decorative" val="1"/>
+              </a:ext>
+            </a:extLst>
+          </p:cNvPr>
+          <p:cNvPicPr>
+            <a:picLocks noGrp="1" noRot="1" noChangeAspect="1" noMove="1" noResize="1" noEditPoints="1" noAdjustHandles="1" noChangeArrowheads="1" noChangeShapeType="1" noCrop="1"/>
+          </p:cNvPicPr>
+          <p:nvPr>
+            <p:extLst>
+              <p:ext uri="{386F3935-93C4-4BCD-93E2-E3B085C9AB24}">
+                <p16:designElem xmlns:p16="http://schemas.microsoft.com/office/powerpoint/2015/main" val="1"/>
+              </p:ext>
+            </p:extLst>
+          </p:nvPr>
+        </p:nvPicPr>
+        <p:blipFill rotWithShape="1">
+          <a:blip r:embed="rId3">
+            <a:extLst>
+              <a:ext uri="{28A0092B-C50C-407E-A947-70E740481C1C}">
+                <a14:useLocalDpi xmlns:a14="http://schemas.microsoft.com/office/drawing/2010/main" val="0"/>
+              </a:ext>
+            </a:extLst>
+          </a:blip>
+          <a:srcRect b="23320"/>
+          <a:stretch/>
+        </p:blipFill>
+        <p:spPr>
+          <a:xfrm>
+            <a:off x="8605878" y="6228080"/>
+            <a:ext cx="993734" cy="762000"/>
+          </a:xfrm>
+          <a:prstGeom prst="rect">
+            <a:avLst/>
+          </a:prstGeom>
+        </p:spPr>
+      </p:pic>
+      <p:sp>
+        <p:nvSpPr>
+          <p:cNvPr id="16" name="Freeform 5">
+            <a:extLst>
+              <a:ext uri="{FF2B5EF4-FFF2-40B4-BE49-F238E27FC236}">
+                <a16:creationId xmlns:a16="http://schemas.microsoft.com/office/drawing/2014/main" id="{F3798573-F27B-47EB-8EA4-7EE34954C2D6}"/>
+              </a:ext>
+              <a:ext uri="{C183D7F6-B498-43B3-948B-1728B52AA6E4}">
+                <adec:decorative xmlns:adec="http://schemas.microsoft.com/office/drawing/2017/decorative" val="1"/>
+              </a:ext>
+            </a:extLst>
+          </p:cNvPr>
+          <p:cNvSpPr>
+            <a:spLocks noGrp="1" noRot="1" noChangeAspect="1" noMove="1" noResize="1" noEditPoints="1" noAdjustHandles="1" noChangeArrowheads="1" noChangeShapeType="1" noTextEdit="1"/>
+          </p:cNvSpPr>
+          <p:nvPr>
+            <p:extLst>
+              <p:ext uri="{386F3935-93C4-4BCD-93E2-E3B085C9AB24}">
+                <p16:designElem xmlns:p16="http://schemas.microsoft.com/office/powerpoint/2015/main" val="1"/>
+              </p:ext>
+            </p:extLst>
+          </p:nvPr>
+        </p:nvSpPr>
+        <p:spPr bwMode="gray">
+          <a:xfrm>
+            <a:off x="-1588" y="0"/>
+            <a:ext cx="12192000" cy="6856413"/>
+          </a:xfrm>
+          <a:custGeom>
+            <a:avLst/>
+            <a:gdLst/>
+            <a:ahLst/>
+            <a:cxnLst/>
+            <a:rect l="0" t="0" r="r" b="b"/>
+            <a:pathLst>
+              <a:path w="15356" h="8638">
+                <a:moveTo>
+                  <a:pt x="0" y="0"/>
+                </a:moveTo>
+                <a:lnTo>
+                  <a:pt x="0" y="8638"/>
+                </a:lnTo>
+                <a:lnTo>
+                  <a:pt x="15356" y="8638"/>
+                </a:lnTo>
+                <a:lnTo>
+                  <a:pt x="15356" y="0"/>
+                </a:lnTo>
+                <a:lnTo>
+                  <a:pt x="0" y="0"/>
+                </a:lnTo>
+                <a:close/>
+                <a:moveTo>
+                  <a:pt x="14748" y="8038"/>
+                </a:moveTo>
+                <a:lnTo>
+                  <a:pt x="600" y="8038"/>
+                </a:lnTo>
+                <a:lnTo>
+                  <a:pt x="600" y="592"/>
+                </a:lnTo>
+                <a:lnTo>
+                  <a:pt x="14748" y="592"/>
+                </a:lnTo>
+                <a:lnTo>
+                  <a:pt x="14748" y="8038"/>
+                </a:lnTo>
+                <a:close/>
+              </a:path>
+            </a:pathLst>
+          </a:custGeom>
+          <a:solidFill>
+            <a:schemeClr val="tx1"/>
+          </a:solidFill>
+          <a:ln>
+            <a:noFill/>
+          </a:ln>
+        </p:spPr>
+      </p:sp>
+      <p:sp>
+        <p:nvSpPr>
+          <p:cNvPr id="2" name="Title 1">
+            <a:extLst>
+              <a:ext uri="{FF2B5EF4-FFF2-40B4-BE49-F238E27FC236}">
+                <a16:creationId xmlns:a16="http://schemas.microsoft.com/office/drawing/2014/main" id="{680534A7-FA23-EE46-964D-AA07E09FC8F3}"/>
+              </a:ext>
+            </a:extLst>
+          </p:cNvPr>
+          <p:cNvSpPr>
+            <a:spLocks noGrp="1"/>
+          </p:cNvSpPr>
+          <p:nvPr>
+            <p:ph type="title"/>
+          </p:nvPr>
+        </p:nvSpPr>
+        <p:spPr>
+          <a:xfrm>
+            <a:off x="806195" y="804672"/>
+            <a:ext cx="3521359" cy="5248656"/>
+          </a:xfrm>
+        </p:spPr>
+        <p:txBody>
+          <a:bodyPr anchor="ctr">
+            <a:normAutofit/>
+          </a:bodyPr>
+          <a:lstStyle/>
+          <a:p>
+            <a:pPr algn="ctr"/>
+            <a:r>
+              <a:rPr lang="en-US"/>
+              <a:t>Analyze Comparison Ratios Between Phones</a:t>
+            </a:r>
+          </a:p>
+        </p:txBody>
+      </p:sp>
+      <p:sp>
+        <p:nvSpPr>
+          <p:cNvPr id="3" name="Content Placeholder 2">
+            <a:extLst>
+              <a:ext uri="{FF2B5EF4-FFF2-40B4-BE49-F238E27FC236}">
+                <a16:creationId xmlns:a16="http://schemas.microsoft.com/office/drawing/2014/main" id="{29147389-4315-DC4C-89A4-26FB846B6281}"/>
+              </a:ext>
+            </a:extLst>
+          </p:cNvPr>
+          <p:cNvSpPr>
+            <a:spLocks noGrp="1"/>
+          </p:cNvSpPr>
+          <p:nvPr>
+            <p:ph idx="1"/>
+          </p:nvPr>
+        </p:nvSpPr>
+        <p:spPr>
+          <a:xfrm>
+            <a:off x="4975861" y="804671"/>
+            <a:ext cx="6399930" cy="5248657"/>
+          </a:xfrm>
+        </p:spPr>
+        <p:txBody>
+          <a:bodyPr anchor="ctr">
+            <a:normAutofit/>
+          </a:bodyPr>
+          <a:lstStyle/>
+          <a:p>
+            <a:r>
+              <a:rPr lang="en-US" dirty="0"/>
+              <a:t>There's a higher ratio of negative sentiments for iPhone X (1.193) and a lower ratio of positive sentiments (0.897). </a:t>
+            </a:r>
+          </a:p>
+          <a:p>
+            <a:r>
+              <a:rPr lang="en-US" dirty="0"/>
+              <a:t>The same trend is seen for the ratio of sentiments after normalizing for total amount of sentiments (</a:t>
+            </a:r>
+            <a:r>
+              <a:rPr lang="en-US" dirty="0" err="1"/>
+              <a:t>neg_norm</a:t>
+            </a:r>
+            <a:r>
+              <a:rPr lang="en-US" dirty="0"/>
+              <a:t>: 1.229 and </a:t>
+            </a:r>
+            <a:r>
+              <a:rPr lang="en-US" dirty="0" err="1"/>
+              <a:t>pos_norm</a:t>
+            </a:r>
+            <a:r>
+              <a:rPr lang="en-US" dirty="0"/>
+              <a:t>: 0.91)</a:t>
+            </a:r>
+          </a:p>
+        </p:txBody>
+      </p:sp>
+    </p:spTree>
+    <p:extLst>
+      <p:ext uri="{BB962C8B-B14F-4D97-AF65-F5344CB8AC3E}">
+        <p14:creationId xmlns:p14="http://schemas.microsoft.com/office/powerpoint/2010/main" val="861456364"/>
+      </p:ext>
+    </p:extLst>
+  </p:cSld>
+  <p:clrMapOvr>
+    <a:masterClrMapping/>
+  </p:clrMapOvr>
+</p:sld>
+</file>
+
+<file path=ppt/slides/slide29.xml><?xml version="1.0" encoding="utf-8"?>
 <p:sld xmlns:a="http://schemas.openxmlformats.org/drawingml/2006/main" xmlns:r="http://schemas.openxmlformats.org/officeDocument/2006/relationships" xmlns:p="http://schemas.openxmlformats.org/presentationml/2006/main">
   <p:cSld>
     <p:bg>
@@ -38686,7 +40848,441 @@
 </p:sld>
 </file>
 
-<file path=ppt/slides/slide25.xml><?xml version="1.0" encoding="utf-8"?>
+<file path=ppt/slides/slide3.xml><?xml version="1.0" encoding="utf-8"?>
+<p:sld xmlns:a="http://schemas.openxmlformats.org/drawingml/2006/main" xmlns:r="http://schemas.openxmlformats.org/officeDocument/2006/relationships" xmlns:p="http://schemas.openxmlformats.org/presentationml/2006/main">
+  <p:cSld>
+    <p:bg>
+      <p:bgPr>
+        <a:blipFill rotWithShape="1">
+          <a:blip r:embed="rId2">
+            <a:duotone>
+              <a:schemeClr val="bg2">
+                <a:shade val="69000"/>
+                <a:hueMod val="108000"/>
+                <a:satMod val="164000"/>
+                <a:lumMod val="74000"/>
+              </a:schemeClr>
+              <a:schemeClr val="bg2">
+                <a:tint val="96000"/>
+                <a:hueMod val="88000"/>
+                <a:satMod val="140000"/>
+                <a:lumMod val="132000"/>
+              </a:schemeClr>
+            </a:duotone>
+            <a:extLst/>
+          </a:blip>
+          <a:stretch/>
+        </a:blipFill>
+        <a:effectLst/>
+      </p:bgPr>
+    </p:bg>
+    <p:spTree>
+      <p:nvGrpSpPr>
+        <p:cNvPr id="1" name=""/>
+        <p:cNvGrpSpPr/>
+        <p:nvPr/>
+      </p:nvGrpSpPr>
+      <p:grpSpPr>
+        <a:xfrm>
+          <a:off x="0" y="0"/>
+          <a:ext cx="0" cy="0"/>
+          <a:chOff x="0" y="0"/>
+          <a:chExt cx="0" cy="0"/>
+        </a:xfrm>
+      </p:grpSpPr>
+      <p:sp>
+        <p:nvSpPr>
+          <p:cNvPr id="8" name="Rectangle 7">
+            <a:extLst>
+              <a:ext uri="{FF2B5EF4-FFF2-40B4-BE49-F238E27FC236}">
+                <a16:creationId xmlns:a16="http://schemas.microsoft.com/office/drawing/2014/main" id="{923E8915-D2AA-4327-A45A-972C3CA9574B}"/>
+              </a:ext>
+              <a:ext uri="{C183D7F6-B498-43B3-948B-1728B52AA6E4}">
+                <adec:decorative xmlns:adec="http://schemas.microsoft.com/office/drawing/2017/decorative" val="1"/>
+              </a:ext>
+            </a:extLst>
+          </p:cNvPr>
+          <p:cNvSpPr>
+            <a:spLocks noGrp="1" noRot="1" noChangeAspect="1" noMove="1" noResize="1" noEditPoints="1" noAdjustHandles="1" noChangeArrowheads="1" noChangeShapeType="1" noTextEdit="1"/>
+          </p:cNvSpPr>
+          <p:nvPr>
+            <p:extLst>
+              <p:ext uri="{386F3935-93C4-4BCD-93E2-E3B085C9AB24}">
+                <p16:designElem xmlns:p16="http://schemas.microsoft.com/office/powerpoint/2015/main" val="1"/>
+              </p:ext>
+            </p:extLst>
+          </p:nvPr>
+        </p:nvSpPr>
+        <p:spPr>
+          <a:xfrm>
+            <a:off x="0" y="0"/>
+            <a:ext cx="12192000" cy="6858000"/>
+          </a:xfrm>
+          <a:prstGeom prst="rect">
+            <a:avLst/>
+          </a:prstGeom>
+          <a:solidFill>
+            <a:schemeClr val="tx1"/>
+          </a:solidFill>
+          <a:ln>
+            <a:noFill/>
+          </a:ln>
+        </p:spPr>
+        <p:style>
+          <a:lnRef idx="2">
+            <a:schemeClr val="accent1">
+              <a:shade val="50000"/>
+            </a:schemeClr>
+          </a:lnRef>
+          <a:fillRef idx="1">
+            <a:schemeClr val="accent1"/>
+          </a:fillRef>
+          <a:effectRef idx="0">
+            <a:schemeClr val="accent1"/>
+          </a:effectRef>
+          <a:fontRef idx="minor">
+            <a:schemeClr val="lt1"/>
+          </a:fontRef>
+        </p:style>
+        <p:txBody>
+          <a:bodyPr rtlCol="0" anchor="ctr"/>
+          <a:lstStyle/>
+          <a:p>
+            <a:pPr algn="ctr"/>
+            <a:endParaRPr lang="en-US"/>
+          </a:p>
+        </p:txBody>
+      </p:sp>
+      <p:sp useBgFill="1">
+        <p:nvSpPr>
+          <p:cNvPr id="10" name="Rectangle 9">
+            <a:extLst>
+              <a:ext uri="{FF2B5EF4-FFF2-40B4-BE49-F238E27FC236}">
+                <a16:creationId xmlns:a16="http://schemas.microsoft.com/office/drawing/2014/main" id="{8302FC3C-9804-4950-B721-5FD704BA6065}"/>
+              </a:ext>
+              <a:ext uri="{C183D7F6-B498-43B3-948B-1728B52AA6E4}">
+                <adec:decorative xmlns:adec="http://schemas.microsoft.com/office/drawing/2017/decorative" val="1"/>
+              </a:ext>
+            </a:extLst>
+          </p:cNvPr>
+          <p:cNvSpPr>
+            <a:spLocks noGrp="1" noRot="1" noChangeAspect="1" noMove="1" noResize="1" noEditPoints="1" noAdjustHandles="1" noChangeArrowheads="1" noChangeShapeType="1" noTextEdit="1"/>
+          </p:cNvSpPr>
+          <p:nvPr>
+            <p:extLst>
+              <p:ext uri="{386F3935-93C4-4BCD-93E2-E3B085C9AB24}">
+                <p16:designElem xmlns:p16="http://schemas.microsoft.com/office/powerpoint/2015/main" val="1"/>
+              </p:ext>
+            </p:extLst>
+          </p:nvPr>
+        </p:nvSpPr>
+        <p:spPr bwMode="ltGray">
+          <a:xfrm>
+            <a:off x="0" y="0"/>
+            <a:ext cx="12188952" cy="6858000"/>
+          </a:xfrm>
+          <a:prstGeom prst="rect">
+            <a:avLst/>
+          </a:prstGeom>
+          <a:ln w="127000" cap="sq" cmpd="thinThick">
+            <a:noFill/>
+          </a:ln>
+        </p:spPr>
+        <p:style>
+          <a:lnRef idx="2">
+            <a:schemeClr val="accent1">
+              <a:shade val="50000"/>
+            </a:schemeClr>
+          </a:lnRef>
+          <a:fillRef idx="1">
+            <a:schemeClr val="accent1"/>
+          </a:fillRef>
+          <a:effectRef idx="0">
+            <a:schemeClr val="accent1"/>
+          </a:effectRef>
+          <a:fontRef idx="minor">
+            <a:schemeClr val="lt1"/>
+          </a:fontRef>
+        </p:style>
+        <p:txBody>
+          <a:bodyPr rtlCol="0" anchor="ctr"/>
+          <a:lstStyle/>
+          <a:p>
+            <a:pPr algn="ctr"/>
+            <a:endParaRPr lang="en-US"/>
+          </a:p>
+        </p:txBody>
+      </p:sp>
+      <p:cxnSp>
+        <p:nvCxnSpPr>
+          <p:cNvPr id="12" name="Straight Connector 11">
+            <a:extLst>
+              <a:ext uri="{FF2B5EF4-FFF2-40B4-BE49-F238E27FC236}">
+                <a16:creationId xmlns:a16="http://schemas.microsoft.com/office/drawing/2014/main" id="{6B9695BD-ECF6-49CA-8877-8C493193C65D}"/>
+              </a:ext>
+              <a:ext uri="{C183D7F6-B498-43B3-948B-1728B52AA6E4}">
+                <adec:decorative xmlns:adec="http://schemas.microsoft.com/office/drawing/2017/decorative" val="1"/>
+              </a:ext>
+            </a:extLst>
+          </p:cNvPr>
+          <p:cNvCxnSpPr>
+            <a:cxnSpLocks noGrp="1" noRot="1" noChangeAspect="1" noMove="1" noResize="1" noEditPoints="1" noAdjustHandles="1" noChangeArrowheads="1" noChangeShapeType="1"/>
+          </p:cNvCxnSpPr>
+          <p:nvPr>
+            <p:extLst>
+              <p:ext uri="{386F3935-93C4-4BCD-93E2-E3B085C9AB24}">
+                <p16:designElem xmlns:p16="http://schemas.microsoft.com/office/powerpoint/2015/main" val="1"/>
+              </p:ext>
+            </p:extLst>
+          </p:nvPr>
+        </p:nvCxnSpPr>
+        <p:spPr>
+          <a:xfrm>
+            <a:off x="4654295" y="1828800"/>
+            <a:ext cx="0" cy="3200400"/>
+          </a:xfrm>
+          <a:prstGeom prst="line">
+            <a:avLst/>
+          </a:prstGeom>
+          <a:ln w="19050">
+            <a:solidFill>
+              <a:schemeClr val="bg2">
+                <a:lumMod val="60000"/>
+                <a:lumOff val="40000"/>
+              </a:schemeClr>
+            </a:solidFill>
+          </a:ln>
+        </p:spPr>
+        <p:style>
+          <a:lnRef idx="1">
+            <a:schemeClr val="accent1"/>
+          </a:lnRef>
+          <a:fillRef idx="0">
+            <a:schemeClr val="accent1"/>
+          </a:fillRef>
+          <a:effectRef idx="0">
+            <a:schemeClr val="accent1"/>
+          </a:effectRef>
+          <a:fontRef idx="minor">
+            <a:schemeClr val="tx1"/>
+          </a:fontRef>
+        </p:style>
+      </p:cxnSp>
+      <p:pic>
+        <p:nvPicPr>
+          <p:cNvPr id="14" name="Picture 13">
+            <a:extLst>
+              <a:ext uri="{FF2B5EF4-FFF2-40B4-BE49-F238E27FC236}">
+                <a16:creationId xmlns:a16="http://schemas.microsoft.com/office/drawing/2014/main" id="{3BC6EBB2-9BDC-4075-BA6B-43A9FBF9C86C}"/>
+              </a:ext>
+              <a:ext uri="{C183D7F6-B498-43B3-948B-1728B52AA6E4}">
+                <adec:decorative xmlns:adec="http://schemas.microsoft.com/office/drawing/2017/decorative" val="1"/>
+              </a:ext>
+            </a:extLst>
+          </p:cNvPr>
+          <p:cNvPicPr>
+            <a:picLocks noGrp="1" noRot="1" noChangeAspect="1" noMove="1" noResize="1" noEditPoints="1" noAdjustHandles="1" noChangeArrowheads="1" noChangeShapeType="1" noCrop="1"/>
+          </p:cNvPicPr>
+          <p:nvPr>
+            <p:extLst>
+              <p:ext uri="{386F3935-93C4-4BCD-93E2-E3B085C9AB24}">
+                <p16:designElem xmlns:p16="http://schemas.microsoft.com/office/powerpoint/2015/main" val="1"/>
+              </p:ext>
+            </p:extLst>
+          </p:nvPr>
+        </p:nvPicPr>
+        <p:blipFill rotWithShape="1">
+          <a:blip r:embed="rId3">
+            <a:extLst>
+              <a:ext uri="{28A0092B-C50C-407E-A947-70E740481C1C}">
+                <a14:useLocalDpi xmlns:a14="http://schemas.microsoft.com/office/drawing/2010/main" val="0"/>
+              </a:ext>
+            </a:extLst>
+          </a:blip>
+          <a:srcRect b="23320"/>
+          <a:stretch/>
+        </p:blipFill>
+        <p:spPr>
+          <a:xfrm>
+            <a:off x="8605878" y="6228080"/>
+            <a:ext cx="993734" cy="762000"/>
+          </a:xfrm>
+          <a:prstGeom prst="rect">
+            <a:avLst/>
+          </a:prstGeom>
+        </p:spPr>
+      </p:pic>
+      <p:sp>
+        <p:nvSpPr>
+          <p:cNvPr id="16" name="Freeform 5">
+            <a:extLst>
+              <a:ext uri="{FF2B5EF4-FFF2-40B4-BE49-F238E27FC236}">
+                <a16:creationId xmlns:a16="http://schemas.microsoft.com/office/drawing/2014/main" id="{F3798573-F27B-47EB-8EA4-7EE34954C2D6}"/>
+              </a:ext>
+              <a:ext uri="{C183D7F6-B498-43B3-948B-1728B52AA6E4}">
+                <adec:decorative xmlns:adec="http://schemas.microsoft.com/office/drawing/2017/decorative" val="1"/>
+              </a:ext>
+            </a:extLst>
+          </p:cNvPr>
+          <p:cNvSpPr>
+            <a:spLocks noGrp="1" noRot="1" noChangeAspect="1" noMove="1" noResize="1" noEditPoints="1" noAdjustHandles="1" noChangeArrowheads="1" noChangeShapeType="1" noTextEdit="1"/>
+          </p:cNvSpPr>
+          <p:nvPr>
+            <p:extLst>
+              <p:ext uri="{386F3935-93C4-4BCD-93E2-E3B085C9AB24}">
+                <p16:designElem xmlns:p16="http://schemas.microsoft.com/office/powerpoint/2015/main" val="1"/>
+              </p:ext>
+            </p:extLst>
+          </p:nvPr>
+        </p:nvSpPr>
+        <p:spPr bwMode="gray">
+          <a:xfrm>
+            <a:off x="-1588" y="0"/>
+            <a:ext cx="12192000" cy="6856413"/>
+          </a:xfrm>
+          <a:custGeom>
+            <a:avLst/>
+            <a:gdLst/>
+            <a:ahLst/>
+            <a:cxnLst/>
+            <a:rect l="0" t="0" r="r" b="b"/>
+            <a:pathLst>
+              <a:path w="15356" h="8638">
+                <a:moveTo>
+                  <a:pt x="0" y="0"/>
+                </a:moveTo>
+                <a:lnTo>
+                  <a:pt x="0" y="8638"/>
+                </a:lnTo>
+                <a:lnTo>
+                  <a:pt x="15356" y="8638"/>
+                </a:lnTo>
+                <a:lnTo>
+                  <a:pt x="15356" y="0"/>
+                </a:lnTo>
+                <a:lnTo>
+                  <a:pt x="0" y="0"/>
+                </a:lnTo>
+                <a:close/>
+                <a:moveTo>
+                  <a:pt x="14748" y="8038"/>
+                </a:moveTo>
+                <a:lnTo>
+                  <a:pt x="600" y="8038"/>
+                </a:lnTo>
+                <a:lnTo>
+                  <a:pt x="600" y="592"/>
+                </a:lnTo>
+                <a:lnTo>
+                  <a:pt x="14748" y="592"/>
+                </a:lnTo>
+                <a:lnTo>
+                  <a:pt x="14748" y="8038"/>
+                </a:lnTo>
+                <a:close/>
+              </a:path>
+            </a:pathLst>
+          </a:custGeom>
+          <a:solidFill>
+            <a:schemeClr val="tx1"/>
+          </a:solidFill>
+          <a:ln>
+            <a:noFill/>
+          </a:ln>
+        </p:spPr>
+      </p:sp>
+      <p:sp>
+        <p:nvSpPr>
+          <p:cNvPr id="2" name="Title 1">
+            <a:extLst>
+              <a:ext uri="{FF2B5EF4-FFF2-40B4-BE49-F238E27FC236}">
+                <a16:creationId xmlns:a16="http://schemas.microsoft.com/office/drawing/2014/main" id="{516A6307-91EF-E045-A4C2-70567D756D5E}"/>
+              </a:ext>
+            </a:extLst>
+          </p:cNvPr>
+          <p:cNvSpPr>
+            <a:spLocks noGrp="1"/>
+          </p:cNvSpPr>
+          <p:nvPr>
+            <p:ph type="title"/>
+          </p:nvPr>
+        </p:nvSpPr>
+        <p:spPr>
+          <a:xfrm>
+            <a:off x="806195" y="804672"/>
+            <a:ext cx="3521359" cy="5248656"/>
+          </a:xfrm>
+        </p:spPr>
+        <p:txBody>
+          <a:bodyPr anchor="ctr">
+            <a:normAutofit/>
+          </a:bodyPr>
+          <a:lstStyle/>
+          <a:p>
+            <a:pPr algn="ctr"/>
+            <a:r>
+              <a:rPr lang="en-US" dirty="0"/>
+              <a:t>Introduction</a:t>
+            </a:r>
+            <a:endParaRPr lang="en-US"/>
+          </a:p>
+        </p:txBody>
+      </p:sp>
+      <p:sp>
+        <p:nvSpPr>
+          <p:cNvPr id="3" name="Content Placeholder 2">
+            <a:extLst>
+              <a:ext uri="{FF2B5EF4-FFF2-40B4-BE49-F238E27FC236}">
+                <a16:creationId xmlns:a16="http://schemas.microsoft.com/office/drawing/2014/main" id="{8AA3FE67-CBBF-E440-8118-F9D6BAF0E04D}"/>
+              </a:ext>
+            </a:extLst>
+          </p:cNvPr>
+          <p:cNvSpPr>
+            <a:spLocks noGrp="1"/>
+          </p:cNvSpPr>
+          <p:nvPr>
+            <p:ph idx="1"/>
+          </p:nvPr>
+        </p:nvSpPr>
+        <p:spPr>
+          <a:xfrm>
+            <a:off x="4975861" y="804671"/>
+            <a:ext cx="6399930" cy="5248657"/>
+          </a:xfrm>
+        </p:spPr>
+        <p:txBody>
+          <a:bodyPr anchor="ctr">
+            <a:normAutofit/>
+          </a:bodyPr>
+          <a:lstStyle/>
+          <a:p>
+            <a:r>
+              <a:rPr lang="en-US" dirty="0"/>
+              <a:t>What is Opinion Mining?</a:t>
+            </a:r>
+          </a:p>
+          <a:p>
+            <a:r>
+              <a:rPr lang="en-US" dirty="0"/>
+              <a:t>What is Aspect-Based Sentiment Analysis</a:t>
+            </a:r>
+          </a:p>
+        </p:txBody>
+      </p:sp>
+    </p:spTree>
+    <p:extLst>
+      <p:ext uri="{BB962C8B-B14F-4D97-AF65-F5344CB8AC3E}">
+        <p14:creationId xmlns:p14="http://schemas.microsoft.com/office/powerpoint/2010/main" val="4100033517"/>
+      </p:ext>
+    </p:extLst>
+  </p:cSld>
+  <p:clrMapOvr>
+    <a:masterClrMapping/>
+  </p:clrMapOvr>
+</p:sld>
+</file>
+
+<file path=ppt/slides/slide30.xml><?xml version="1.0" encoding="utf-8"?>
 <p:sld xmlns:a="http://schemas.openxmlformats.org/drawingml/2006/main" xmlns:r="http://schemas.openxmlformats.org/officeDocument/2006/relationships" xmlns:p="http://schemas.openxmlformats.org/presentationml/2006/main">
   <p:cSld>
     <p:bg>
@@ -39989,7 +42585,7 @@
           <a:p>
             <a:pPr algn="ctr"/>
             <a:r>
-              <a:rPr lang="en-US" sz="8000" b="0" i="0" kern="1200">
+              <a:rPr lang="en-US" sz="8000" b="0" i="0" kern="1200" dirty="0">
                 <a:solidFill>
                   <a:schemeClr val="tx2"/>
                 </a:solidFill>
@@ -40015,9 +42611,34 @@
 </p:sld>
 </file>
 
-<file path=ppt/slides/slide26.xml><?xml version="1.0" encoding="utf-8"?>
+<file path=ppt/slides/slide31.xml><?xml version="1.0" encoding="utf-8"?>
 <p:sld xmlns:a="http://schemas.openxmlformats.org/drawingml/2006/main" xmlns:r="http://schemas.openxmlformats.org/officeDocument/2006/relationships" xmlns:p="http://schemas.openxmlformats.org/presentationml/2006/main">
   <p:cSld>
+    <p:bg>
+      <p:bgPr>
+        <a:blipFill rotWithShape="1">
+          <a:blip r:embed="rId2">
+            <a:duotone>
+              <a:schemeClr val="bg2">
+                <a:shade val="69000"/>
+                <a:hueMod val="108000"/>
+                <a:satMod val="164000"/>
+                <a:lumMod val="74000"/>
+              </a:schemeClr>
+              <a:schemeClr val="bg2">
+                <a:tint val="96000"/>
+                <a:hueMod val="88000"/>
+                <a:satMod val="140000"/>
+                <a:lumMod val="132000"/>
+              </a:schemeClr>
+            </a:duotone>
+            <a:extLst/>
+          </a:blip>
+          <a:stretch/>
+        </a:blipFill>
+        <a:effectLst/>
+      </p:bgPr>
+    </p:bg>
     <p:spTree>
       <p:nvGrpSpPr>
         <p:cNvPr id="1" name=""/>
@@ -40034,6 +42655,307 @@
       </p:grpSpPr>
       <p:sp>
         <p:nvSpPr>
+          <p:cNvPr id="8" name="Rectangle 7">
+            <a:extLst>
+              <a:ext uri="{FF2B5EF4-FFF2-40B4-BE49-F238E27FC236}">
+                <a16:creationId xmlns:a16="http://schemas.microsoft.com/office/drawing/2014/main" id="{923E8915-D2AA-4327-A45A-972C3CA9574B}"/>
+              </a:ext>
+              <a:ext uri="{C183D7F6-B498-43B3-948B-1728B52AA6E4}">
+                <adec:decorative xmlns:adec="http://schemas.microsoft.com/office/drawing/2017/decorative" val="1"/>
+              </a:ext>
+            </a:extLst>
+          </p:cNvPr>
+          <p:cNvSpPr>
+            <a:spLocks noGrp="1" noRot="1" noChangeAspect="1" noMove="1" noResize="1" noEditPoints="1" noAdjustHandles="1" noChangeArrowheads="1" noChangeShapeType="1" noTextEdit="1"/>
+          </p:cNvSpPr>
+          <p:nvPr>
+            <p:extLst>
+              <p:ext uri="{386F3935-93C4-4BCD-93E2-E3B085C9AB24}">
+                <p16:designElem xmlns:p16="http://schemas.microsoft.com/office/powerpoint/2015/main" val="1"/>
+              </p:ext>
+            </p:extLst>
+          </p:nvPr>
+        </p:nvSpPr>
+        <p:spPr>
+          <a:xfrm>
+            <a:off x="0" y="0"/>
+            <a:ext cx="12192000" cy="6858000"/>
+          </a:xfrm>
+          <a:prstGeom prst="rect">
+            <a:avLst/>
+          </a:prstGeom>
+          <a:solidFill>
+            <a:schemeClr val="tx1"/>
+          </a:solidFill>
+          <a:ln>
+            <a:noFill/>
+          </a:ln>
+        </p:spPr>
+        <p:style>
+          <a:lnRef idx="2">
+            <a:schemeClr val="accent1">
+              <a:shade val="50000"/>
+            </a:schemeClr>
+          </a:lnRef>
+          <a:fillRef idx="1">
+            <a:schemeClr val="accent1"/>
+          </a:fillRef>
+          <a:effectRef idx="0">
+            <a:schemeClr val="accent1"/>
+          </a:effectRef>
+          <a:fontRef idx="minor">
+            <a:schemeClr val="lt1"/>
+          </a:fontRef>
+        </p:style>
+        <p:txBody>
+          <a:bodyPr rtlCol="0" anchor="ctr"/>
+          <a:lstStyle/>
+          <a:p>
+            <a:pPr algn="ctr"/>
+            <a:endParaRPr lang="en-US"/>
+          </a:p>
+        </p:txBody>
+      </p:sp>
+      <p:sp useBgFill="1">
+        <p:nvSpPr>
+          <p:cNvPr id="10" name="Rectangle 9">
+            <a:extLst>
+              <a:ext uri="{FF2B5EF4-FFF2-40B4-BE49-F238E27FC236}">
+                <a16:creationId xmlns:a16="http://schemas.microsoft.com/office/drawing/2014/main" id="{8302FC3C-9804-4950-B721-5FD704BA6065}"/>
+              </a:ext>
+              <a:ext uri="{C183D7F6-B498-43B3-948B-1728B52AA6E4}">
+                <adec:decorative xmlns:adec="http://schemas.microsoft.com/office/drawing/2017/decorative" val="1"/>
+              </a:ext>
+            </a:extLst>
+          </p:cNvPr>
+          <p:cNvSpPr>
+            <a:spLocks noGrp="1" noRot="1" noChangeAspect="1" noMove="1" noResize="1" noEditPoints="1" noAdjustHandles="1" noChangeArrowheads="1" noChangeShapeType="1" noTextEdit="1"/>
+          </p:cNvSpPr>
+          <p:nvPr>
+            <p:extLst>
+              <p:ext uri="{386F3935-93C4-4BCD-93E2-E3B085C9AB24}">
+                <p16:designElem xmlns:p16="http://schemas.microsoft.com/office/powerpoint/2015/main" val="1"/>
+              </p:ext>
+            </p:extLst>
+          </p:nvPr>
+        </p:nvSpPr>
+        <p:spPr bwMode="ltGray">
+          <a:xfrm>
+            <a:off x="0" y="0"/>
+            <a:ext cx="12188952" cy="6858000"/>
+          </a:xfrm>
+          <a:prstGeom prst="rect">
+            <a:avLst/>
+          </a:prstGeom>
+          <a:ln w="127000" cap="sq" cmpd="thinThick">
+            <a:noFill/>
+          </a:ln>
+        </p:spPr>
+        <p:style>
+          <a:lnRef idx="2">
+            <a:schemeClr val="accent1">
+              <a:shade val="50000"/>
+            </a:schemeClr>
+          </a:lnRef>
+          <a:fillRef idx="1">
+            <a:schemeClr val="accent1"/>
+          </a:fillRef>
+          <a:effectRef idx="0">
+            <a:schemeClr val="accent1"/>
+          </a:effectRef>
+          <a:fontRef idx="minor">
+            <a:schemeClr val="lt1"/>
+          </a:fontRef>
+        </p:style>
+        <p:txBody>
+          <a:bodyPr rtlCol="0" anchor="ctr"/>
+          <a:lstStyle/>
+          <a:p>
+            <a:pPr algn="ctr"/>
+            <a:endParaRPr lang="en-US"/>
+          </a:p>
+        </p:txBody>
+      </p:sp>
+      <p:cxnSp>
+        <p:nvCxnSpPr>
+          <p:cNvPr id="12" name="Straight Connector 11">
+            <a:extLst>
+              <a:ext uri="{FF2B5EF4-FFF2-40B4-BE49-F238E27FC236}">
+                <a16:creationId xmlns:a16="http://schemas.microsoft.com/office/drawing/2014/main" id="{6B9695BD-ECF6-49CA-8877-8C493193C65D}"/>
+              </a:ext>
+              <a:ext uri="{C183D7F6-B498-43B3-948B-1728B52AA6E4}">
+                <adec:decorative xmlns:adec="http://schemas.microsoft.com/office/drawing/2017/decorative" val="1"/>
+              </a:ext>
+            </a:extLst>
+          </p:cNvPr>
+          <p:cNvCxnSpPr>
+            <a:cxnSpLocks noGrp="1" noRot="1" noChangeAspect="1" noMove="1" noResize="1" noEditPoints="1" noAdjustHandles="1" noChangeArrowheads="1" noChangeShapeType="1"/>
+          </p:cNvCxnSpPr>
+          <p:nvPr>
+            <p:extLst>
+              <p:ext uri="{386F3935-93C4-4BCD-93E2-E3B085C9AB24}">
+                <p16:designElem xmlns:p16="http://schemas.microsoft.com/office/powerpoint/2015/main" val="1"/>
+              </p:ext>
+            </p:extLst>
+          </p:nvPr>
+        </p:nvCxnSpPr>
+        <p:spPr>
+          <a:xfrm>
+            <a:off x="4654295" y="1828800"/>
+            <a:ext cx="0" cy="3200400"/>
+          </a:xfrm>
+          <a:prstGeom prst="line">
+            <a:avLst/>
+          </a:prstGeom>
+          <a:ln w="19050">
+            <a:solidFill>
+              <a:schemeClr val="bg2">
+                <a:lumMod val="60000"/>
+                <a:lumOff val="40000"/>
+              </a:schemeClr>
+            </a:solidFill>
+          </a:ln>
+        </p:spPr>
+        <p:style>
+          <a:lnRef idx="1">
+            <a:schemeClr val="accent1"/>
+          </a:lnRef>
+          <a:fillRef idx="0">
+            <a:schemeClr val="accent1"/>
+          </a:fillRef>
+          <a:effectRef idx="0">
+            <a:schemeClr val="accent1"/>
+          </a:effectRef>
+          <a:fontRef idx="minor">
+            <a:schemeClr val="tx1"/>
+          </a:fontRef>
+        </p:style>
+      </p:cxnSp>
+      <p:pic>
+        <p:nvPicPr>
+          <p:cNvPr id="14" name="Picture 13">
+            <a:extLst>
+              <a:ext uri="{FF2B5EF4-FFF2-40B4-BE49-F238E27FC236}">
+                <a16:creationId xmlns:a16="http://schemas.microsoft.com/office/drawing/2014/main" id="{3BC6EBB2-9BDC-4075-BA6B-43A9FBF9C86C}"/>
+              </a:ext>
+              <a:ext uri="{C183D7F6-B498-43B3-948B-1728B52AA6E4}">
+                <adec:decorative xmlns:adec="http://schemas.microsoft.com/office/drawing/2017/decorative" val="1"/>
+              </a:ext>
+            </a:extLst>
+          </p:cNvPr>
+          <p:cNvPicPr>
+            <a:picLocks noGrp="1" noRot="1" noChangeAspect="1" noMove="1" noResize="1" noEditPoints="1" noAdjustHandles="1" noChangeArrowheads="1" noChangeShapeType="1" noCrop="1"/>
+          </p:cNvPicPr>
+          <p:nvPr>
+            <p:extLst>
+              <p:ext uri="{386F3935-93C4-4BCD-93E2-E3B085C9AB24}">
+                <p16:designElem xmlns:p16="http://schemas.microsoft.com/office/powerpoint/2015/main" val="1"/>
+              </p:ext>
+            </p:extLst>
+          </p:nvPr>
+        </p:nvPicPr>
+        <p:blipFill rotWithShape="1">
+          <a:blip r:embed="rId3">
+            <a:extLst>
+              <a:ext uri="{28A0092B-C50C-407E-A947-70E740481C1C}">
+                <a14:useLocalDpi xmlns:a14="http://schemas.microsoft.com/office/drawing/2010/main" val="0"/>
+              </a:ext>
+            </a:extLst>
+          </a:blip>
+          <a:srcRect b="23320"/>
+          <a:stretch/>
+        </p:blipFill>
+        <p:spPr>
+          <a:xfrm>
+            <a:off x="8605878" y="6228080"/>
+            <a:ext cx="993734" cy="762000"/>
+          </a:xfrm>
+          <a:prstGeom prst="rect">
+            <a:avLst/>
+          </a:prstGeom>
+        </p:spPr>
+      </p:pic>
+      <p:sp>
+        <p:nvSpPr>
+          <p:cNvPr id="16" name="Freeform 5">
+            <a:extLst>
+              <a:ext uri="{FF2B5EF4-FFF2-40B4-BE49-F238E27FC236}">
+                <a16:creationId xmlns:a16="http://schemas.microsoft.com/office/drawing/2014/main" id="{F3798573-F27B-47EB-8EA4-7EE34954C2D6}"/>
+              </a:ext>
+              <a:ext uri="{C183D7F6-B498-43B3-948B-1728B52AA6E4}">
+                <adec:decorative xmlns:adec="http://schemas.microsoft.com/office/drawing/2017/decorative" val="1"/>
+              </a:ext>
+            </a:extLst>
+          </p:cNvPr>
+          <p:cNvSpPr>
+            <a:spLocks noGrp="1" noRot="1" noChangeAspect="1" noMove="1" noResize="1" noEditPoints="1" noAdjustHandles="1" noChangeArrowheads="1" noChangeShapeType="1" noTextEdit="1"/>
+          </p:cNvSpPr>
+          <p:nvPr>
+            <p:extLst>
+              <p:ext uri="{386F3935-93C4-4BCD-93E2-E3B085C9AB24}">
+                <p16:designElem xmlns:p16="http://schemas.microsoft.com/office/powerpoint/2015/main" val="1"/>
+              </p:ext>
+            </p:extLst>
+          </p:nvPr>
+        </p:nvSpPr>
+        <p:spPr bwMode="gray">
+          <a:xfrm>
+            <a:off x="-1588" y="0"/>
+            <a:ext cx="12192000" cy="6856413"/>
+          </a:xfrm>
+          <a:custGeom>
+            <a:avLst/>
+            <a:gdLst/>
+            <a:ahLst/>
+            <a:cxnLst/>
+            <a:rect l="0" t="0" r="r" b="b"/>
+            <a:pathLst>
+              <a:path w="15356" h="8638">
+                <a:moveTo>
+                  <a:pt x="0" y="0"/>
+                </a:moveTo>
+                <a:lnTo>
+                  <a:pt x="0" y="8638"/>
+                </a:lnTo>
+                <a:lnTo>
+                  <a:pt x="15356" y="8638"/>
+                </a:lnTo>
+                <a:lnTo>
+                  <a:pt x="15356" y="0"/>
+                </a:lnTo>
+                <a:lnTo>
+                  <a:pt x="0" y="0"/>
+                </a:lnTo>
+                <a:close/>
+                <a:moveTo>
+                  <a:pt x="14748" y="8038"/>
+                </a:moveTo>
+                <a:lnTo>
+                  <a:pt x="600" y="8038"/>
+                </a:lnTo>
+                <a:lnTo>
+                  <a:pt x="600" y="592"/>
+                </a:lnTo>
+                <a:lnTo>
+                  <a:pt x="14748" y="592"/>
+                </a:lnTo>
+                <a:lnTo>
+                  <a:pt x="14748" y="8038"/>
+                </a:lnTo>
+                <a:close/>
+              </a:path>
+            </a:pathLst>
+          </a:custGeom>
+          <a:solidFill>
+            <a:schemeClr val="tx1"/>
+          </a:solidFill>
+          <a:ln>
+            <a:noFill/>
+          </a:ln>
+        </p:spPr>
+      </p:sp>
+      <p:sp>
+        <p:nvSpPr>
           <p:cNvPr id="2" name="Title 1">
             <a:extLst>
               <a:ext uri="{FF2B5EF4-FFF2-40B4-BE49-F238E27FC236}">
@@ -40048,14 +42970,22 @@
             <p:ph type="title"/>
           </p:nvPr>
         </p:nvSpPr>
-        <p:spPr/>
+        <p:spPr>
+          <a:xfrm>
+            <a:off x="806195" y="804672"/>
+            <a:ext cx="3521359" cy="5248656"/>
+          </a:xfrm>
+        </p:spPr>
         <p:txBody>
-          <a:bodyPr/>
+          <a:bodyPr anchor="ctr">
+            <a:normAutofit/>
+          </a:bodyPr>
           <a:lstStyle/>
           <a:p>
+            <a:pPr algn="ctr"/>
             <a:r>
-              <a:rPr lang="en-US" dirty="0"/>
-              <a:t>Improvements and Next Steps</a:t>
+              <a:rPr lang="en-US" sz="3600" dirty="0"/>
+              <a:t>Improvements</a:t>
             </a:r>
           </a:p>
         </p:txBody>
@@ -40076,22 +43006,40 @@
             <p:ph idx="1"/>
           </p:nvPr>
         </p:nvSpPr>
-        <p:spPr/>
+        <p:spPr>
+          <a:xfrm>
+            <a:off x="4975861" y="804671"/>
+            <a:ext cx="6399930" cy="5248657"/>
+          </a:xfrm>
+        </p:spPr>
         <p:txBody>
-          <a:bodyPr/>
+          <a:bodyPr anchor="ctr">
+            <a:normAutofit/>
+          </a:bodyPr>
           <a:lstStyle/>
           <a:p>
             <a:r>
               <a:rPr lang="en-US" dirty="0"/>
-              <a:t>1.  Scrape more Data to improve the quality of topic model.</a:t>
+              <a:t>1. We need to collect more data</a:t>
             </a:r>
           </a:p>
           <a:p>
             <a:r>
-              <a:rPr lang="en-US"/>
-              <a:t>2.</a:t>
+              <a:rPr lang="en-US" dirty="0"/>
+              <a:t>2. Research into how to extended Opinion Lexicons </a:t>
             </a:r>
-            <a:endParaRPr lang="en-US" dirty="0"/>
+          </a:p>
+          <a:p>
+            <a:r>
+              <a:rPr lang="en-US" dirty="0"/>
+              <a:t>3. Apply methodology to to combine synonyms as the same aspect, so that there aren’t duplicate information</a:t>
+            </a:r>
+          </a:p>
+          <a:p>
+            <a:r>
+              <a:rPr lang="en-US" dirty="0"/>
+              <a:t>4. Incorporate bigrams, trigrams and other non-common words into aspects</a:t>
+            </a:r>
           </a:p>
         </p:txBody>
       </p:sp>
@@ -40108,9 +43056,34 @@
 </p:sld>
 </file>
 
-<file path=ppt/slides/slide27.xml><?xml version="1.0" encoding="utf-8"?>
+<file path=ppt/slides/slide32.xml><?xml version="1.0" encoding="utf-8"?>
 <p:sld xmlns:a="http://schemas.openxmlformats.org/drawingml/2006/main" xmlns:r="http://schemas.openxmlformats.org/officeDocument/2006/relationships" xmlns:p="http://schemas.openxmlformats.org/presentationml/2006/main">
   <p:cSld>
+    <p:bg>
+      <p:bgPr>
+        <a:blipFill rotWithShape="1">
+          <a:blip r:embed="rId2">
+            <a:duotone>
+              <a:schemeClr val="bg2">
+                <a:shade val="69000"/>
+                <a:hueMod val="108000"/>
+                <a:satMod val="164000"/>
+                <a:lumMod val="74000"/>
+              </a:schemeClr>
+              <a:schemeClr val="bg2">
+                <a:tint val="96000"/>
+                <a:hueMod val="88000"/>
+                <a:satMod val="140000"/>
+                <a:lumMod val="132000"/>
+              </a:schemeClr>
+            </a:duotone>
+            <a:extLst/>
+          </a:blip>
+          <a:stretch/>
+        </a:blipFill>
+        <a:effectLst/>
+      </p:bgPr>
+    </p:bg>
     <p:spTree>
       <p:nvGrpSpPr>
         <p:cNvPr id="1" name=""/>
@@ -40127,10 +43100,311 @@
       </p:grpSpPr>
       <p:sp>
         <p:nvSpPr>
+          <p:cNvPr id="8" name="Rectangle 7">
+            <a:extLst>
+              <a:ext uri="{FF2B5EF4-FFF2-40B4-BE49-F238E27FC236}">
+                <a16:creationId xmlns:a16="http://schemas.microsoft.com/office/drawing/2014/main" id="{923E8915-D2AA-4327-A45A-972C3CA9574B}"/>
+              </a:ext>
+              <a:ext uri="{C183D7F6-B498-43B3-948B-1728B52AA6E4}">
+                <adec:decorative xmlns:adec="http://schemas.microsoft.com/office/drawing/2017/decorative" val="1"/>
+              </a:ext>
+            </a:extLst>
+          </p:cNvPr>
+          <p:cNvSpPr>
+            <a:spLocks noGrp="1" noRot="1" noChangeAspect="1" noMove="1" noResize="1" noEditPoints="1" noAdjustHandles="1" noChangeArrowheads="1" noChangeShapeType="1" noTextEdit="1"/>
+          </p:cNvSpPr>
+          <p:nvPr>
+            <p:extLst>
+              <p:ext uri="{386F3935-93C4-4BCD-93E2-E3B085C9AB24}">
+                <p16:designElem xmlns:p16="http://schemas.microsoft.com/office/powerpoint/2015/main" val="1"/>
+              </p:ext>
+            </p:extLst>
+          </p:nvPr>
+        </p:nvSpPr>
+        <p:spPr>
+          <a:xfrm>
+            <a:off x="0" y="0"/>
+            <a:ext cx="12192000" cy="6858000"/>
+          </a:xfrm>
+          <a:prstGeom prst="rect">
+            <a:avLst/>
+          </a:prstGeom>
+          <a:solidFill>
+            <a:schemeClr val="tx1"/>
+          </a:solidFill>
+          <a:ln>
+            <a:noFill/>
+          </a:ln>
+        </p:spPr>
+        <p:style>
+          <a:lnRef idx="2">
+            <a:schemeClr val="accent1">
+              <a:shade val="50000"/>
+            </a:schemeClr>
+          </a:lnRef>
+          <a:fillRef idx="1">
+            <a:schemeClr val="accent1"/>
+          </a:fillRef>
+          <a:effectRef idx="0">
+            <a:schemeClr val="accent1"/>
+          </a:effectRef>
+          <a:fontRef idx="minor">
+            <a:schemeClr val="lt1"/>
+          </a:fontRef>
+        </p:style>
+        <p:txBody>
+          <a:bodyPr rtlCol="0" anchor="ctr"/>
+          <a:lstStyle/>
+          <a:p>
+            <a:pPr algn="ctr"/>
+            <a:endParaRPr lang="en-US"/>
+          </a:p>
+        </p:txBody>
+      </p:sp>
+      <p:sp useBgFill="1">
+        <p:nvSpPr>
+          <p:cNvPr id="10" name="Rectangle 9">
+            <a:extLst>
+              <a:ext uri="{FF2B5EF4-FFF2-40B4-BE49-F238E27FC236}">
+                <a16:creationId xmlns:a16="http://schemas.microsoft.com/office/drawing/2014/main" id="{8302FC3C-9804-4950-B721-5FD704BA6065}"/>
+              </a:ext>
+              <a:ext uri="{C183D7F6-B498-43B3-948B-1728B52AA6E4}">
+                <adec:decorative xmlns:adec="http://schemas.microsoft.com/office/drawing/2017/decorative" val="1"/>
+              </a:ext>
+            </a:extLst>
+          </p:cNvPr>
+          <p:cNvSpPr>
+            <a:spLocks noGrp="1" noRot="1" noChangeAspect="1" noMove="1" noResize="1" noEditPoints="1" noAdjustHandles="1" noChangeArrowheads="1" noChangeShapeType="1" noTextEdit="1"/>
+          </p:cNvSpPr>
+          <p:nvPr>
+            <p:extLst>
+              <p:ext uri="{386F3935-93C4-4BCD-93E2-E3B085C9AB24}">
+                <p16:designElem xmlns:p16="http://schemas.microsoft.com/office/powerpoint/2015/main" val="1"/>
+              </p:ext>
+            </p:extLst>
+          </p:nvPr>
+        </p:nvSpPr>
+        <p:spPr bwMode="ltGray">
+          <a:xfrm>
+            <a:off x="0" y="0"/>
+            <a:ext cx="12188952" cy="6858000"/>
+          </a:xfrm>
+          <a:prstGeom prst="rect">
+            <a:avLst/>
+          </a:prstGeom>
+          <a:ln w="127000" cap="sq" cmpd="thinThick">
+            <a:noFill/>
+          </a:ln>
+        </p:spPr>
+        <p:style>
+          <a:lnRef idx="2">
+            <a:schemeClr val="accent1">
+              <a:shade val="50000"/>
+            </a:schemeClr>
+          </a:lnRef>
+          <a:fillRef idx="1">
+            <a:schemeClr val="accent1"/>
+          </a:fillRef>
+          <a:effectRef idx="0">
+            <a:schemeClr val="accent1"/>
+          </a:effectRef>
+          <a:fontRef idx="minor">
+            <a:schemeClr val="lt1"/>
+          </a:fontRef>
+        </p:style>
+        <p:txBody>
+          <a:bodyPr rtlCol="0" anchor="ctr"/>
+          <a:lstStyle/>
+          <a:p>
+            <a:pPr algn="ctr"/>
+            <a:endParaRPr lang="en-US"/>
+          </a:p>
+        </p:txBody>
+      </p:sp>
+      <p:cxnSp>
+        <p:nvCxnSpPr>
+          <p:cNvPr id="12" name="Straight Connector 11">
+            <a:extLst>
+              <a:ext uri="{FF2B5EF4-FFF2-40B4-BE49-F238E27FC236}">
+                <a16:creationId xmlns:a16="http://schemas.microsoft.com/office/drawing/2014/main" id="{6B9695BD-ECF6-49CA-8877-8C493193C65D}"/>
+              </a:ext>
+              <a:ext uri="{C183D7F6-B498-43B3-948B-1728B52AA6E4}">
+                <adec:decorative xmlns:adec="http://schemas.microsoft.com/office/drawing/2017/decorative" val="1"/>
+              </a:ext>
+            </a:extLst>
+          </p:cNvPr>
+          <p:cNvCxnSpPr>
+            <a:cxnSpLocks noGrp="1" noRot="1" noChangeAspect="1" noMove="1" noResize="1" noEditPoints="1" noAdjustHandles="1" noChangeArrowheads="1" noChangeShapeType="1"/>
+          </p:cNvCxnSpPr>
+          <p:nvPr>
+            <p:extLst>
+              <p:ext uri="{386F3935-93C4-4BCD-93E2-E3B085C9AB24}">
+                <p16:designElem xmlns:p16="http://schemas.microsoft.com/office/powerpoint/2015/main" val="1"/>
+              </p:ext>
+            </p:extLst>
+          </p:nvPr>
+        </p:nvCxnSpPr>
+        <p:spPr>
+          <a:xfrm>
+            <a:off x="4654295" y="1828800"/>
+            <a:ext cx="0" cy="3200400"/>
+          </a:xfrm>
+          <a:prstGeom prst="line">
+            <a:avLst/>
+          </a:prstGeom>
+          <a:ln w="19050">
+            <a:solidFill>
+              <a:schemeClr val="bg2">
+                <a:lumMod val="60000"/>
+                <a:lumOff val="40000"/>
+              </a:schemeClr>
+            </a:solidFill>
+          </a:ln>
+        </p:spPr>
+        <p:style>
+          <a:lnRef idx="1">
+            <a:schemeClr val="accent1"/>
+          </a:lnRef>
+          <a:fillRef idx="0">
+            <a:schemeClr val="accent1"/>
+          </a:fillRef>
+          <a:effectRef idx="0">
+            <a:schemeClr val="accent1"/>
+          </a:effectRef>
+          <a:fontRef idx="minor">
+            <a:schemeClr val="tx1"/>
+          </a:fontRef>
+        </p:style>
+      </p:cxnSp>
+      <p:pic>
+        <p:nvPicPr>
+          <p:cNvPr id="14" name="Picture 13">
+            <a:extLst>
+              <a:ext uri="{FF2B5EF4-FFF2-40B4-BE49-F238E27FC236}">
+                <a16:creationId xmlns:a16="http://schemas.microsoft.com/office/drawing/2014/main" id="{3BC6EBB2-9BDC-4075-BA6B-43A9FBF9C86C}"/>
+              </a:ext>
+              <a:ext uri="{C183D7F6-B498-43B3-948B-1728B52AA6E4}">
+                <adec:decorative xmlns:adec="http://schemas.microsoft.com/office/drawing/2017/decorative" val="1"/>
+              </a:ext>
+            </a:extLst>
+          </p:cNvPr>
+          <p:cNvPicPr>
+            <a:picLocks noGrp="1" noRot="1" noChangeAspect="1" noMove="1" noResize="1" noEditPoints="1" noAdjustHandles="1" noChangeArrowheads="1" noChangeShapeType="1" noCrop="1"/>
+          </p:cNvPicPr>
+          <p:nvPr>
+            <p:extLst>
+              <p:ext uri="{386F3935-93C4-4BCD-93E2-E3B085C9AB24}">
+                <p16:designElem xmlns:p16="http://schemas.microsoft.com/office/powerpoint/2015/main" val="1"/>
+              </p:ext>
+            </p:extLst>
+          </p:nvPr>
+        </p:nvPicPr>
+        <p:blipFill rotWithShape="1">
+          <a:blip r:embed="rId3">
+            <a:extLst>
+              <a:ext uri="{28A0092B-C50C-407E-A947-70E740481C1C}">
+                <a14:useLocalDpi xmlns:a14="http://schemas.microsoft.com/office/drawing/2010/main" val="0"/>
+              </a:ext>
+            </a:extLst>
+          </a:blip>
+          <a:srcRect b="23320"/>
+          <a:stretch/>
+        </p:blipFill>
+        <p:spPr>
+          <a:xfrm>
+            <a:off x="8605878" y="6228080"/>
+            <a:ext cx="993734" cy="762000"/>
+          </a:xfrm>
+          <a:prstGeom prst="rect">
+            <a:avLst/>
+          </a:prstGeom>
+        </p:spPr>
+      </p:pic>
+      <p:sp>
+        <p:nvSpPr>
+          <p:cNvPr id="16" name="Freeform 5">
+            <a:extLst>
+              <a:ext uri="{FF2B5EF4-FFF2-40B4-BE49-F238E27FC236}">
+                <a16:creationId xmlns:a16="http://schemas.microsoft.com/office/drawing/2014/main" id="{F3798573-F27B-47EB-8EA4-7EE34954C2D6}"/>
+              </a:ext>
+              <a:ext uri="{C183D7F6-B498-43B3-948B-1728B52AA6E4}">
+                <adec:decorative xmlns:adec="http://schemas.microsoft.com/office/drawing/2017/decorative" val="1"/>
+              </a:ext>
+            </a:extLst>
+          </p:cNvPr>
+          <p:cNvSpPr>
+            <a:spLocks noGrp="1" noRot="1" noChangeAspect="1" noMove="1" noResize="1" noEditPoints="1" noAdjustHandles="1" noChangeArrowheads="1" noChangeShapeType="1" noTextEdit="1"/>
+          </p:cNvSpPr>
+          <p:nvPr>
+            <p:extLst>
+              <p:ext uri="{386F3935-93C4-4BCD-93E2-E3B085C9AB24}">
+                <p16:designElem xmlns:p16="http://schemas.microsoft.com/office/powerpoint/2015/main" val="1"/>
+              </p:ext>
+            </p:extLst>
+          </p:nvPr>
+        </p:nvSpPr>
+        <p:spPr bwMode="gray">
+          <a:xfrm>
+            <a:off x="-1588" y="0"/>
+            <a:ext cx="12192000" cy="6856413"/>
+          </a:xfrm>
+          <a:custGeom>
+            <a:avLst/>
+            <a:gdLst/>
+            <a:ahLst/>
+            <a:cxnLst/>
+            <a:rect l="0" t="0" r="r" b="b"/>
+            <a:pathLst>
+              <a:path w="15356" h="8638">
+                <a:moveTo>
+                  <a:pt x="0" y="0"/>
+                </a:moveTo>
+                <a:lnTo>
+                  <a:pt x="0" y="8638"/>
+                </a:lnTo>
+                <a:lnTo>
+                  <a:pt x="15356" y="8638"/>
+                </a:lnTo>
+                <a:lnTo>
+                  <a:pt x="15356" y="0"/>
+                </a:lnTo>
+                <a:lnTo>
+                  <a:pt x="0" y="0"/>
+                </a:lnTo>
+                <a:close/>
+                <a:moveTo>
+                  <a:pt x="14748" y="8038"/>
+                </a:moveTo>
+                <a:lnTo>
+                  <a:pt x="600" y="8038"/>
+                </a:lnTo>
+                <a:lnTo>
+                  <a:pt x="600" y="592"/>
+                </a:lnTo>
+                <a:lnTo>
+                  <a:pt x="14748" y="592"/>
+                </a:lnTo>
+                <a:lnTo>
+                  <a:pt x="14748" y="8038"/>
+                </a:lnTo>
+                <a:close/>
+              </a:path>
+            </a:pathLst>
+          </a:custGeom>
+          <a:solidFill>
+            <a:schemeClr val="tx1"/>
+          </a:solidFill>
+          <a:ln>
+            <a:noFill/>
+          </a:ln>
+        </p:spPr>
+      </p:sp>
+      <p:sp>
+        <p:nvSpPr>
           <p:cNvPr id="2" name="Title 1">
             <a:extLst>
               <a:ext uri="{FF2B5EF4-FFF2-40B4-BE49-F238E27FC236}">
-                <a16:creationId xmlns:a16="http://schemas.microsoft.com/office/drawing/2014/main" id="{91C6D7E3-6638-A84F-8746-F0E01C37F5E2}"/>
+                <a16:creationId xmlns:a16="http://schemas.microsoft.com/office/drawing/2014/main" id="{292233AA-D3A1-DB4A-87DD-97458922AA9A}"/>
               </a:ext>
             </a:extLst>
           </p:cNvPr>
@@ -40141,14 +43415,456 @@
             <p:ph type="title"/>
           </p:nvPr>
         </p:nvSpPr>
-        <p:spPr/>
+        <p:spPr>
+          <a:xfrm>
+            <a:off x="806195" y="804672"/>
+            <a:ext cx="3521359" cy="5248656"/>
+          </a:xfrm>
+        </p:spPr>
         <p:txBody>
-          <a:bodyPr/>
+          <a:bodyPr anchor="ctr">
+            <a:normAutofit/>
+          </a:bodyPr>
+          <a:lstStyle/>
+          <a:p>
+            <a:pPr algn="ctr"/>
+            <a:r>
+              <a:rPr lang="en-US" dirty="0"/>
+              <a:t>Next Steps</a:t>
+            </a:r>
+            <a:endParaRPr lang="en-US"/>
+          </a:p>
+        </p:txBody>
+      </p:sp>
+      <p:sp>
+        <p:nvSpPr>
+          <p:cNvPr id="3" name="Content Placeholder 2">
+            <a:extLst>
+              <a:ext uri="{FF2B5EF4-FFF2-40B4-BE49-F238E27FC236}">
+                <a16:creationId xmlns:a16="http://schemas.microsoft.com/office/drawing/2014/main" id="{53861C87-622D-6240-857A-419368BC0B78}"/>
+              </a:ext>
+            </a:extLst>
+          </p:cNvPr>
+          <p:cNvSpPr>
+            <a:spLocks noGrp="1"/>
+          </p:cNvSpPr>
+          <p:nvPr>
+            <p:ph idx="1"/>
+          </p:nvPr>
+        </p:nvSpPr>
+        <p:spPr>
+          <a:xfrm>
+            <a:off x="4975861" y="804671"/>
+            <a:ext cx="6399930" cy="5248657"/>
+          </a:xfrm>
+        </p:spPr>
+        <p:txBody>
+          <a:bodyPr anchor="ctr">
+            <a:normAutofit/>
+          </a:bodyPr>
           <a:lstStyle/>
           <a:p>
             <a:r>
               <a:rPr lang="en-US" dirty="0"/>
-              <a:t>Work Cited</a:t>
+              <a:t>1. Set up a feature for standardized streaming of data that updates our datasets in intervals.</a:t>
+            </a:r>
+          </a:p>
+          <a:p>
+            <a:r>
+              <a:rPr lang="en-US" dirty="0"/>
+              <a:t>2. Develop a recommendation engine to recommend which aspects should are most actionable for product development based on our results.</a:t>
+            </a:r>
+          </a:p>
+        </p:txBody>
+      </p:sp>
+    </p:spTree>
+    <p:extLst>
+      <p:ext uri="{BB962C8B-B14F-4D97-AF65-F5344CB8AC3E}">
+        <p14:creationId xmlns:p14="http://schemas.microsoft.com/office/powerpoint/2010/main" val="1339156387"/>
+      </p:ext>
+    </p:extLst>
+  </p:cSld>
+  <p:clrMapOvr>
+    <a:masterClrMapping/>
+  </p:clrMapOvr>
+</p:sld>
+</file>
+
+<file path=ppt/slides/slide33.xml><?xml version="1.0" encoding="utf-8"?>
+<p:sld xmlns:a="http://schemas.openxmlformats.org/drawingml/2006/main" xmlns:r="http://schemas.openxmlformats.org/officeDocument/2006/relationships" xmlns:p="http://schemas.openxmlformats.org/presentationml/2006/main">
+  <p:cSld>
+    <p:bg>
+      <p:bgPr>
+        <a:blipFill rotWithShape="1">
+          <a:blip r:embed="rId2">
+            <a:duotone>
+              <a:schemeClr val="bg2">
+                <a:shade val="69000"/>
+                <a:hueMod val="108000"/>
+                <a:satMod val="164000"/>
+                <a:lumMod val="74000"/>
+              </a:schemeClr>
+              <a:schemeClr val="bg2">
+                <a:tint val="96000"/>
+                <a:hueMod val="88000"/>
+                <a:satMod val="140000"/>
+                <a:lumMod val="132000"/>
+              </a:schemeClr>
+            </a:duotone>
+            <a:extLst/>
+          </a:blip>
+          <a:stretch/>
+        </a:blipFill>
+        <a:effectLst/>
+      </p:bgPr>
+    </p:bg>
+    <p:spTree>
+      <p:nvGrpSpPr>
+        <p:cNvPr id="1" name=""/>
+        <p:cNvGrpSpPr/>
+        <p:nvPr/>
+      </p:nvGrpSpPr>
+      <p:grpSpPr>
+        <a:xfrm>
+          <a:off x="0" y="0"/>
+          <a:ext cx="0" cy="0"/>
+          <a:chOff x="0" y="0"/>
+          <a:chExt cx="0" cy="0"/>
+        </a:xfrm>
+      </p:grpSpPr>
+      <p:sp>
+        <p:nvSpPr>
+          <p:cNvPr id="8" name="Rectangle 7">
+            <a:extLst>
+              <a:ext uri="{FF2B5EF4-FFF2-40B4-BE49-F238E27FC236}">
+                <a16:creationId xmlns:a16="http://schemas.microsoft.com/office/drawing/2014/main" id="{923E8915-D2AA-4327-A45A-972C3CA9574B}"/>
+              </a:ext>
+              <a:ext uri="{C183D7F6-B498-43B3-948B-1728B52AA6E4}">
+                <adec:decorative xmlns:adec="http://schemas.microsoft.com/office/drawing/2017/decorative" val="1"/>
+              </a:ext>
+            </a:extLst>
+          </p:cNvPr>
+          <p:cNvSpPr>
+            <a:spLocks noGrp="1" noRot="1" noChangeAspect="1" noMove="1" noResize="1" noEditPoints="1" noAdjustHandles="1" noChangeArrowheads="1" noChangeShapeType="1" noTextEdit="1"/>
+          </p:cNvSpPr>
+          <p:nvPr>
+            <p:extLst>
+              <p:ext uri="{386F3935-93C4-4BCD-93E2-E3B085C9AB24}">
+                <p16:designElem xmlns:p16="http://schemas.microsoft.com/office/powerpoint/2015/main" val="1"/>
+              </p:ext>
+            </p:extLst>
+          </p:nvPr>
+        </p:nvSpPr>
+        <p:spPr>
+          <a:xfrm>
+            <a:off x="0" y="0"/>
+            <a:ext cx="12192000" cy="6858000"/>
+          </a:xfrm>
+          <a:prstGeom prst="rect">
+            <a:avLst/>
+          </a:prstGeom>
+          <a:solidFill>
+            <a:schemeClr val="tx1"/>
+          </a:solidFill>
+          <a:ln>
+            <a:noFill/>
+          </a:ln>
+        </p:spPr>
+        <p:style>
+          <a:lnRef idx="2">
+            <a:schemeClr val="accent1">
+              <a:shade val="50000"/>
+            </a:schemeClr>
+          </a:lnRef>
+          <a:fillRef idx="1">
+            <a:schemeClr val="accent1"/>
+          </a:fillRef>
+          <a:effectRef idx="0">
+            <a:schemeClr val="accent1"/>
+          </a:effectRef>
+          <a:fontRef idx="minor">
+            <a:schemeClr val="lt1"/>
+          </a:fontRef>
+        </p:style>
+        <p:txBody>
+          <a:bodyPr rtlCol="0" anchor="ctr"/>
+          <a:lstStyle/>
+          <a:p>
+            <a:pPr algn="ctr"/>
+            <a:endParaRPr lang="en-US"/>
+          </a:p>
+        </p:txBody>
+      </p:sp>
+      <p:sp useBgFill="1">
+        <p:nvSpPr>
+          <p:cNvPr id="10" name="Rectangle 9">
+            <a:extLst>
+              <a:ext uri="{FF2B5EF4-FFF2-40B4-BE49-F238E27FC236}">
+                <a16:creationId xmlns:a16="http://schemas.microsoft.com/office/drawing/2014/main" id="{8302FC3C-9804-4950-B721-5FD704BA6065}"/>
+              </a:ext>
+              <a:ext uri="{C183D7F6-B498-43B3-948B-1728B52AA6E4}">
+                <adec:decorative xmlns:adec="http://schemas.microsoft.com/office/drawing/2017/decorative" val="1"/>
+              </a:ext>
+            </a:extLst>
+          </p:cNvPr>
+          <p:cNvSpPr>
+            <a:spLocks noGrp="1" noRot="1" noChangeAspect="1" noMove="1" noResize="1" noEditPoints="1" noAdjustHandles="1" noChangeArrowheads="1" noChangeShapeType="1" noTextEdit="1"/>
+          </p:cNvSpPr>
+          <p:nvPr>
+            <p:extLst>
+              <p:ext uri="{386F3935-93C4-4BCD-93E2-E3B085C9AB24}">
+                <p16:designElem xmlns:p16="http://schemas.microsoft.com/office/powerpoint/2015/main" val="1"/>
+              </p:ext>
+            </p:extLst>
+          </p:nvPr>
+        </p:nvSpPr>
+        <p:spPr bwMode="ltGray">
+          <a:xfrm>
+            <a:off x="0" y="0"/>
+            <a:ext cx="12188952" cy="6858000"/>
+          </a:xfrm>
+          <a:prstGeom prst="rect">
+            <a:avLst/>
+          </a:prstGeom>
+          <a:ln w="127000" cap="sq" cmpd="thinThick">
+            <a:noFill/>
+          </a:ln>
+        </p:spPr>
+        <p:style>
+          <a:lnRef idx="2">
+            <a:schemeClr val="accent1">
+              <a:shade val="50000"/>
+            </a:schemeClr>
+          </a:lnRef>
+          <a:fillRef idx="1">
+            <a:schemeClr val="accent1"/>
+          </a:fillRef>
+          <a:effectRef idx="0">
+            <a:schemeClr val="accent1"/>
+          </a:effectRef>
+          <a:fontRef idx="minor">
+            <a:schemeClr val="lt1"/>
+          </a:fontRef>
+        </p:style>
+        <p:txBody>
+          <a:bodyPr rtlCol="0" anchor="ctr"/>
+          <a:lstStyle/>
+          <a:p>
+            <a:pPr algn="ctr"/>
+            <a:endParaRPr lang="en-US"/>
+          </a:p>
+        </p:txBody>
+      </p:sp>
+      <p:cxnSp>
+        <p:nvCxnSpPr>
+          <p:cNvPr id="12" name="Straight Connector 11">
+            <a:extLst>
+              <a:ext uri="{FF2B5EF4-FFF2-40B4-BE49-F238E27FC236}">
+                <a16:creationId xmlns:a16="http://schemas.microsoft.com/office/drawing/2014/main" id="{6B9695BD-ECF6-49CA-8877-8C493193C65D}"/>
+              </a:ext>
+              <a:ext uri="{C183D7F6-B498-43B3-948B-1728B52AA6E4}">
+                <adec:decorative xmlns:adec="http://schemas.microsoft.com/office/drawing/2017/decorative" val="1"/>
+              </a:ext>
+            </a:extLst>
+          </p:cNvPr>
+          <p:cNvCxnSpPr>
+            <a:cxnSpLocks noGrp="1" noRot="1" noChangeAspect="1" noMove="1" noResize="1" noEditPoints="1" noAdjustHandles="1" noChangeArrowheads="1" noChangeShapeType="1"/>
+          </p:cNvCxnSpPr>
+          <p:nvPr>
+            <p:extLst>
+              <p:ext uri="{386F3935-93C4-4BCD-93E2-E3B085C9AB24}">
+                <p16:designElem xmlns:p16="http://schemas.microsoft.com/office/powerpoint/2015/main" val="1"/>
+              </p:ext>
+            </p:extLst>
+          </p:nvPr>
+        </p:nvCxnSpPr>
+        <p:spPr>
+          <a:xfrm>
+            <a:off x="4654295" y="1828800"/>
+            <a:ext cx="0" cy="3200400"/>
+          </a:xfrm>
+          <a:prstGeom prst="line">
+            <a:avLst/>
+          </a:prstGeom>
+          <a:ln w="19050">
+            <a:solidFill>
+              <a:schemeClr val="bg2">
+                <a:lumMod val="60000"/>
+                <a:lumOff val="40000"/>
+              </a:schemeClr>
+            </a:solidFill>
+          </a:ln>
+        </p:spPr>
+        <p:style>
+          <a:lnRef idx="1">
+            <a:schemeClr val="accent1"/>
+          </a:lnRef>
+          <a:fillRef idx="0">
+            <a:schemeClr val="accent1"/>
+          </a:fillRef>
+          <a:effectRef idx="0">
+            <a:schemeClr val="accent1"/>
+          </a:effectRef>
+          <a:fontRef idx="minor">
+            <a:schemeClr val="tx1"/>
+          </a:fontRef>
+        </p:style>
+      </p:cxnSp>
+      <p:pic>
+        <p:nvPicPr>
+          <p:cNvPr id="14" name="Picture 13">
+            <a:extLst>
+              <a:ext uri="{FF2B5EF4-FFF2-40B4-BE49-F238E27FC236}">
+                <a16:creationId xmlns:a16="http://schemas.microsoft.com/office/drawing/2014/main" id="{3BC6EBB2-9BDC-4075-BA6B-43A9FBF9C86C}"/>
+              </a:ext>
+              <a:ext uri="{C183D7F6-B498-43B3-948B-1728B52AA6E4}">
+                <adec:decorative xmlns:adec="http://schemas.microsoft.com/office/drawing/2017/decorative" val="1"/>
+              </a:ext>
+            </a:extLst>
+          </p:cNvPr>
+          <p:cNvPicPr>
+            <a:picLocks noGrp="1" noRot="1" noChangeAspect="1" noMove="1" noResize="1" noEditPoints="1" noAdjustHandles="1" noChangeArrowheads="1" noChangeShapeType="1" noCrop="1"/>
+          </p:cNvPicPr>
+          <p:nvPr>
+            <p:extLst>
+              <p:ext uri="{386F3935-93C4-4BCD-93E2-E3B085C9AB24}">
+                <p16:designElem xmlns:p16="http://schemas.microsoft.com/office/powerpoint/2015/main" val="1"/>
+              </p:ext>
+            </p:extLst>
+          </p:nvPr>
+        </p:nvPicPr>
+        <p:blipFill rotWithShape="1">
+          <a:blip r:embed="rId3">
+            <a:extLst>
+              <a:ext uri="{28A0092B-C50C-407E-A947-70E740481C1C}">
+                <a14:useLocalDpi xmlns:a14="http://schemas.microsoft.com/office/drawing/2010/main" val="0"/>
+              </a:ext>
+            </a:extLst>
+          </a:blip>
+          <a:srcRect b="23320"/>
+          <a:stretch/>
+        </p:blipFill>
+        <p:spPr>
+          <a:xfrm>
+            <a:off x="8605878" y="6228080"/>
+            <a:ext cx="993734" cy="762000"/>
+          </a:xfrm>
+          <a:prstGeom prst="rect">
+            <a:avLst/>
+          </a:prstGeom>
+        </p:spPr>
+      </p:pic>
+      <p:sp>
+        <p:nvSpPr>
+          <p:cNvPr id="16" name="Freeform 5">
+            <a:extLst>
+              <a:ext uri="{FF2B5EF4-FFF2-40B4-BE49-F238E27FC236}">
+                <a16:creationId xmlns:a16="http://schemas.microsoft.com/office/drawing/2014/main" id="{F3798573-F27B-47EB-8EA4-7EE34954C2D6}"/>
+              </a:ext>
+              <a:ext uri="{C183D7F6-B498-43B3-948B-1728B52AA6E4}">
+                <adec:decorative xmlns:adec="http://schemas.microsoft.com/office/drawing/2017/decorative" val="1"/>
+              </a:ext>
+            </a:extLst>
+          </p:cNvPr>
+          <p:cNvSpPr>
+            <a:spLocks noGrp="1" noRot="1" noChangeAspect="1" noMove="1" noResize="1" noEditPoints="1" noAdjustHandles="1" noChangeArrowheads="1" noChangeShapeType="1" noTextEdit="1"/>
+          </p:cNvSpPr>
+          <p:nvPr>
+            <p:extLst>
+              <p:ext uri="{386F3935-93C4-4BCD-93E2-E3B085C9AB24}">
+                <p16:designElem xmlns:p16="http://schemas.microsoft.com/office/powerpoint/2015/main" val="1"/>
+              </p:ext>
+            </p:extLst>
+          </p:nvPr>
+        </p:nvSpPr>
+        <p:spPr bwMode="gray">
+          <a:xfrm>
+            <a:off x="-1588" y="0"/>
+            <a:ext cx="12192000" cy="6856413"/>
+          </a:xfrm>
+          <a:custGeom>
+            <a:avLst/>
+            <a:gdLst/>
+            <a:ahLst/>
+            <a:cxnLst/>
+            <a:rect l="0" t="0" r="r" b="b"/>
+            <a:pathLst>
+              <a:path w="15356" h="8638">
+                <a:moveTo>
+                  <a:pt x="0" y="0"/>
+                </a:moveTo>
+                <a:lnTo>
+                  <a:pt x="0" y="8638"/>
+                </a:lnTo>
+                <a:lnTo>
+                  <a:pt x="15356" y="8638"/>
+                </a:lnTo>
+                <a:lnTo>
+                  <a:pt x="15356" y="0"/>
+                </a:lnTo>
+                <a:lnTo>
+                  <a:pt x="0" y="0"/>
+                </a:lnTo>
+                <a:close/>
+                <a:moveTo>
+                  <a:pt x="14748" y="8038"/>
+                </a:moveTo>
+                <a:lnTo>
+                  <a:pt x="600" y="8038"/>
+                </a:lnTo>
+                <a:lnTo>
+                  <a:pt x="600" y="592"/>
+                </a:lnTo>
+                <a:lnTo>
+                  <a:pt x="14748" y="592"/>
+                </a:lnTo>
+                <a:lnTo>
+                  <a:pt x="14748" y="8038"/>
+                </a:lnTo>
+                <a:close/>
+              </a:path>
+            </a:pathLst>
+          </a:custGeom>
+          <a:solidFill>
+            <a:schemeClr val="tx1"/>
+          </a:solidFill>
+          <a:ln>
+            <a:noFill/>
+          </a:ln>
+        </p:spPr>
+      </p:sp>
+      <p:sp>
+        <p:nvSpPr>
+          <p:cNvPr id="2" name="Title 1">
+            <a:extLst>
+              <a:ext uri="{FF2B5EF4-FFF2-40B4-BE49-F238E27FC236}">
+                <a16:creationId xmlns:a16="http://schemas.microsoft.com/office/drawing/2014/main" id="{91C6D7E3-6638-A84F-8746-F0E01C37F5E2}"/>
+              </a:ext>
+            </a:extLst>
+          </p:cNvPr>
+          <p:cNvSpPr>
+            <a:spLocks noGrp="1"/>
+          </p:cNvSpPr>
+          <p:nvPr>
+            <p:ph type="title"/>
+          </p:nvPr>
+        </p:nvSpPr>
+        <p:spPr>
+          <a:xfrm>
+            <a:off x="806195" y="804672"/>
+            <a:ext cx="3521359" cy="5248656"/>
+          </a:xfrm>
+        </p:spPr>
+        <p:txBody>
+          <a:bodyPr anchor="ctr">
+            <a:normAutofit/>
+          </a:bodyPr>
+          <a:lstStyle/>
+          <a:p>
+            <a:pPr algn="ctr"/>
+            <a:r>
+              <a:rPr lang="en-US" dirty="0"/>
+              <a:t>Bibliography</a:t>
             </a:r>
           </a:p>
         </p:txBody>
@@ -40169,12 +43885,179 @@
             <p:ph idx="1"/>
           </p:nvPr>
         </p:nvSpPr>
-        <p:spPr/>
+        <p:spPr>
+          <a:xfrm>
+            <a:off x="4975861" y="804671"/>
+            <a:ext cx="6399930" cy="5248657"/>
+          </a:xfrm>
+        </p:spPr>
         <p:txBody>
-          <a:bodyPr/>
+          <a:bodyPr anchor="ctr">
+            <a:normAutofit/>
+          </a:bodyPr>
           <a:lstStyle/>
           <a:p>
-            <a:endParaRPr lang="en-US"/>
+            <a:pPr>
+              <a:lnSpc>
+                <a:spcPct val="90000"/>
+              </a:lnSpc>
+            </a:pPr>
+            <a:r>
+              <a:rPr lang="en-US" sz="1000">
+                <a:hlinkClick r:id="rId4"/>
+              </a:rPr>
+              <a:t>"Apple iPhone sales 2018." Statista. Statista. 19 Feb. 2019 &lt;https://www.statista.com/statistics/263401/global-apple-iphone-sales-since-3rd-quarter-2007/&gt;.</a:t>
+            </a:r>
+          </a:p>
+          <a:p>
+            <a:pPr>
+              <a:lnSpc>
+                <a:spcPct val="90000"/>
+              </a:lnSpc>
+            </a:pPr>
+            <a:endParaRPr lang="en-US" sz="1000">
+              <a:hlinkClick r:id="rId4"/>
+            </a:endParaRPr>
+          </a:p>
+          <a:p>
+            <a:pPr>
+              <a:lnSpc>
+                <a:spcPct val="90000"/>
+              </a:lnSpc>
+            </a:pPr>
+            <a:r>
+              <a:rPr lang="en-US" sz="1000">
+                <a:hlinkClick r:id="rId4"/>
+              </a:rPr>
+              <a:t>Bansal, Shivam, and Natural Language Processing and Machine Learning. "Beginners Guide to Topic Modeling in Python." Analytics Vidhya. 11 Jan. 2019. 19 Feb. 2019 &lt;https://www.analyticsvidhya.com/blog/2016/08/beginners-guide-to-topic-modeling-in-python/&gt;.</a:t>
+            </a:r>
+          </a:p>
+          <a:p>
+            <a:pPr>
+              <a:lnSpc>
+                <a:spcPct val="90000"/>
+              </a:lnSpc>
+            </a:pPr>
+            <a:endParaRPr lang="en-US" sz="1000">
+              <a:hlinkClick r:id="rId4"/>
+            </a:endParaRPr>
+          </a:p>
+          <a:p>
+            <a:pPr>
+              <a:lnSpc>
+                <a:spcPct val="90000"/>
+              </a:lnSpc>
+            </a:pPr>
+            <a:r>
+              <a:rPr lang="en-US" sz="1000">
+                <a:hlinkClick r:id="rId4"/>
+              </a:rPr>
+              <a:t>Li, Susan. "Topic Modeling and Latent Dirichlet Allocation (LDA) in Python." Towards Data Science. 31 May 2018. Towards Data Science. 19 Feb. 2019 &lt;https://towardsdatascience.com/topic-modeling-and-latent-dirichlet-allocation-in-python-9bf156893c24&gt;.</a:t>
+            </a:r>
+          </a:p>
+          <a:p>
+            <a:pPr>
+              <a:lnSpc>
+                <a:spcPct val="90000"/>
+              </a:lnSpc>
+            </a:pPr>
+            <a:endParaRPr lang="en-US" sz="1000">
+              <a:hlinkClick r:id="rId4"/>
+            </a:endParaRPr>
+          </a:p>
+          <a:p>
+            <a:pPr>
+              <a:lnSpc>
+                <a:spcPct val="90000"/>
+              </a:lnSpc>
+            </a:pPr>
+            <a:r>
+              <a:rPr lang="en-US" sz="1000">
+                <a:hlinkClick r:id="rId4"/>
+              </a:rPr>
+              <a:t>Li, Susan. "Topic Modelling in Python with NLTK and Gensim – Towards Data Science." Towards Data Science. 30 Mar. 2018. Towards Data Science. 19 Feb. 2019 &lt;https://towardsdatascience.com/topic-modelling-in-python-with-nltk-and-gensim-4ef03213cd21&gt;.</a:t>
+            </a:r>
+          </a:p>
+          <a:p>
+            <a:pPr>
+              <a:lnSpc>
+                <a:spcPct val="90000"/>
+              </a:lnSpc>
+            </a:pPr>
+            <a:endParaRPr lang="en-US" sz="1000">
+              <a:hlinkClick r:id="rId4"/>
+            </a:endParaRPr>
+          </a:p>
+          <a:p>
+            <a:pPr>
+              <a:lnSpc>
+                <a:spcPct val="90000"/>
+              </a:lnSpc>
+            </a:pPr>
+            <a:r>
+              <a:rPr lang="en-US" sz="1000">
+                <a:hlinkClick r:id="rId4"/>
+              </a:rPr>
+              <a:t>Min, Peter. "Aspect-Based Opinion Mining (NLP with Python) – Peter Min – Medium." Medium.com. 06 June 2018. Medium. 19 Feb. 2019 &lt;https://medium.com/@pmin91/aspect-based-opinion-mining-nlp-with-python-a53eb4752800&gt;.</a:t>
+            </a:r>
+          </a:p>
+          <a:p>
+            <a:pPr>
+              <a:lnSpc>
+                <a:spcPct val="90000"/>
+              </a:lnSpc>
+            </a:pPr>
+            <a:r>
+              <a:rPr lang="en-US" sz="1000">
+                <a:hlinkClick r:id="rId4"/>
+              </a:rPr>
+              <a:t>https://www.digitaltrends.com/</a:t>
+            </a:r>
+            <a:endParaRPr lang="en-US" sz="1000"/>
+          </a:p>
+          <a:p>
+            <a:pPr>
+              <a:lnSpc>
+                <a:spcPct val="90000"/>
+              </a:lnSpc>
+            </a:pPr>
+            <a:r>
+              <a:rPr lang="en-US" sz="1000">
+                <a:hlinkClick r:id="rId5"/>
+              </a:rPr>
+              <a:t>https://www.gizmodo.com/</a:t>
+            </a:r>
+            <a:endParaRPr lang="en-US" sz="1000"/>
+          </a:p>
+          <a:p>
+            <a:pPr>
+              <a:lnSpc>
+                <a:spcPct val="90000"/>
+              </a:lnSpc>
+            </a:pPr>
+            <a:r>
+              <a:rPr lang="en-US" sz="1000">
+                <a:hlinkClick r:id="rId6"/>
+              </a:rPr>
+              <a:t>https://www.techradar.com/</a:t>
+            </a:r>
+            <a:endParaRPr lang="en-US" sz="1000"/>
+          </a:p>
+          <a:p>
+            <a:pPr>
+              <a:lnSpc>
+                <a:spcPct val="90000"/>
+              </a:lnSpc>
+            </a:pPr>
+            <a:endParaRPr lang="en-US" sz="1000"/>
+          </a:p>
+          <a:p>
+            <a:pPr>
+              <a:lnSpc>
+                <a:spcPct val="90000"/>
+              </a:lnSpc>
+            </a:pPr>
+            <a:endParaRPr lang="en-US" sz="1000"/>
           </a:p>
         </p:txBody>
       </p:sp>
@@ -40191,7 +44074,7 @@
 </p:sld>
 </file>
 
-<file path=ppt/slides/slide3.xml><?xml version="1.0" encoding="utf-8"?>
+<file path=ppt/slides/slide4.xml><?xml version="1.0" encoding="utf-8"?>
 <p:sld xmlns:a="http://schemas.openxmlformats.org/drawingml/2006/main" xmlns:r="http://schemas.openxmlformats.org/officeDocument/2006/relationships" xmlns:p="http://schemas.openxmlformats.org/presentationml/2006/main">
   <p:cSld>
     <p:bg>
@@ -40305,7 +44188,7 @@
           <a:lstStyle/>
           <a:p>
             <a:r>
-              <a:rPr lang="en-US" sz="3200">
+              <a:rPr lang="en-US" sz="3200" dirty="0">
                 <a:solidFill>
                   <a:srgbClr val="F2F2F2"/>
                 </a:solidFill>
@@ -41252,440 +45135,6 @@
   </p:cSld>
   <p:clrMapOvr>
     <a:overrideClrMapping bg1="lt1" tx1="dk1" bg2="lt2" tx2="dk2" accent1="accent1" accent2="accent2" accent3="accent3" accent4="accent4" accent5="accent5" accent6="accent6" hlink="hlink" folHlink="folHlink"/>
-  </p:clrMapOvr>
-</p:sld>
-</file>
-
-<file path=ppt/slides/slide4.xml><?xml version="1.0" encoding="utf-8"?>
-<p:sld xmlns:a="http://schemas.openxmlformats.org/drawingml/2006/main" xmlns:r="http://schemas.openxmlformats.org/officeDocument/2006/relationships" xmlns:p="http://schemas.openxmlformats.org/presentationml/2006/main">
-  <p:cSld>
-    <p:bg>
-      <p:bgPr>
-        <a:blipFill rotWithShape="1">
-          <a:blip r:embed="rId2">
-            <a:duotone>
-              <a:schemeClr val="bg2">
-                <a:shade val="69000"/>
-                <a:hueMod val="108000"/>
-                <a:satMod val="164000"/>
-                <a:lumMod val="74000"/>
-              </a:schemeClr>
-              <a:schemeClr val="bg2">
-                <a:tint val="96000"/>
-                <a:hueMod val="88000"/>
-                <a:satMod val="140000"/>
-                <a:lumMod val="132000"/>
-              </a:schemeClr>
-            </a:duotone>
-            <a:extLst/>
-          </a:blip>
-          <a:stretch/>
-        </a:blipFill>
-        <a:effectLst/>
-      </p:bgPr>
-    </p:bg>
-    <p:spTree>
-      <p:nvGrpSpPr>
-        <p:cNvPr id="1" name=""/>
-        <p:cNvGrpSpPr/>
-        <p:nvPr/>
-      </p:nvGrpSpPr>
-      <p:grpSpPr>
-        <a:xfrm>
-          <a:off x="0" y="0"/>
-          <a:ext cx="0" cy="0"/>
-          <a:chOff x="0" y="0"/>
-          <a:chExt cx="0" cy="0"/>
-        </a:xfrm>
-      </p:grpSpPr>
-      <p:sp>
-        <p:nvSpPr>
-          <p:cNvPr id="8" name="Rectangle 7">
-            <a:extLst>
-              <a:ext uri="{FF2B5EF4-FFF2-40B4-BE49-F238E27FC236}">
-                <a16:creationId xmlns:a16="http://schemas.microsoft.com/office/drawing/2014/main" id="{923E8915-D2AA-4327-A45A-972C3CA9574B}"/>
-              </a:ext>
-              <a:ext uri="{C183D7F6-B498-43B3-948B-1728B52AA6E4}">
-                <adec:decorative xmlns:adec="http://schemas.microsoft.com/office/drawing/2017/decorative" val="1"/>
-              </a:ext>
-            </a:extLst>
-          </p:cNvPr>
-          <p:cNvSpPr>
-            <a:spLocks noGrp="1" noRot="1" noChangeAspect="1" noMove="1" noResize="1" noEditPoints="1" noAdjustHandles="1" noChangeArrowheads="1" noChangeShapeType="1" noTextEdit="1"/>
-          </p:cNvSpPr>
-          <p:nvPr>
-            <p:extLst>
-              <p:ext uri="{386F3935-93C4-4BCD-93E2-E3B085C9AB24}">
-                <p16:designElem xmlns:p16="http://schemas.microsoft.com/office/powerpoint/2015/main" val="1"/>
-              </p:ext>
-            </p:extLst>
-          </p:nvPr>
-        </p:nvSpPr>
-        <p:spPr>
-          <a:xfrm>
-            <a:off x="0" y="0"/>
-            <a:ext cx="12192000" cy="6858000"/>
-          </a:xfrm>
-          <a:prstGeom prst="rect">
-            <a:avLst/>
-          </a:prstGeom>
-          <a:solidFill>
-            <a:schemeClr val="tx1"/>
-          </a:solidFill>
-          <a:ln>
-            <a:noFill/>
-          </a:ln>
-        </p:spPr>
-        <p:style>
-          <a:lnRef idx="2">
-            <a:schemeClr val="accent1">
-              <a:shade val="50000"/>
-            </a:schemeClr>
-          </a:lnRef>
-          <a:fillRef idx="1">
-            <a:schemeClr val="accent1"/>
-          </a:fillRef>
-          <a:effectRef idx="0">
-            <a:schemeClr val="accent1"/>
-          </a:effectRef>
-          <a:fontRef idx="minor">
-            <a:schemeClr val="lt1"/>
-          </a:fontRef>
-        </p:style>
-        <p:txBody>
-          <a:bodyPr rtlCol="0" anchor="ctr"/>
-          <a:lstStyle/>
-          <a:p>
-            <a:pPr algn="ctr"/>
-            <a:endParaRPr lang="en-US"/>
-          </a:p>
-        </p:txBody>
-      </p:sp>
-      <p:sp useBgFill="1">
-        <p:nvSpPr>
-          <p:cNvPr id="10" name="Rectangle 9">
-            <a:extLst>
-              <a:ext uri="{FF2B5EF4-FFF2-40B4-BE49-F238E27FC236}">
-                <a16:creationId xmlns:a16="http://schemas.microsoft.com/office/drawing/2014/main" id="{8302FC3C-9804-4950-B721-5FD704BA6065}"/>
-              </a:ext>
-              <a:ext uri="{C183D7F6-B498-43B3-948B-1728B52AA6E4}">
-                <adec:decorative xmlns:adec="http://schemas.microsoft.com/office/drawing/2017/decorative" val="1"/>
-              </a:ext>
-            </a:extLst>
-          </p:cNvPr>
-          <p:cNvSpPr>
-            <a:spLocks noGrp="1" noRot="1" noChangeAspect="1" noMove="1" noResize="1" noEditPoints="1" noAdjustHandles="1" noChangeArrowheads="1" noChangeShapeType="1" noTextEdit="1"/>
-          </p:cNvSpPr>
-          <p:nvPr>
-            <p:extLst>
-              <p:ext uri="{386F3935-93C4-4BCD-93E2-E3B085C9AB24}">
-                <p16:designElem xmlns:p16="http://schemas.microsoft.com/office/powerpoint/2015/main" val="1"/>
-              </p:ext>
-            </p:extLst>
-          </p:nvPr>
-        </p:nvSpPr>
-        <p:spPr bwMode="ltGray">
-          <a:xfrm>
-            <a:off x="0" y="0"/>
-            <a:ext cx="12188952" cy="6858000"/>
-          </a:xfrm>
-          <a:prstGeom prst="rect">
-            <a:avLst/>
-          </a:prstGeom>
-          <a:ln w="127000" cap="sq" cmpd="thinThick">
-            <a:noFill/>
-          </a:ln>
-        </p:spPr>
-        <p:style>
-          <a:lnRef idx="2">
-            <a:schemeClr val="accent1">
-              <a:shade val="50000"/>
-            </a:schemeClr>
-          </a:lnRef>
-          <a:fillRef idx="1">
-            <a:schemeClr val="accent1"/>
-          </a:fillRef>
-          <a:effectRef idx="0">
-            <a:schemeClr val="accent1"/>
-          </a:effectRef>
-          <a:fontRef idx="minor">
-            <a:schemeClr val="lt1"/>
-          </a:fontRef>
-        </p:style>
-        <p:txBody>
-          <a:bodyPr rtlCol="0" anchor="ctr"/>
-          <a:lstStyle/>
-          <a:p>
-            <a:pPr algn="ctr"/>
-            <a:endParaRPr lang="en-US"/>
-          </a:p>
-        </p:txBody>
-      </p:sp>
-      <p:cxnSp>
-        <p:nvCxnSpPr>
-          <p:cNvPr id="12" name="Straight Connector 11">
-            <a:extLst>
-              <a:ext uri="{FF2B5EF4-FFF2-40B4-BE49-F238E27FC236}">
-                <a16:creationId xmlns:a16="http://schemas.microsoft.com/office/drawing/2014/main" id="{6B9695BD-ECF6-49CA-8877-8C493193C65D}"/>
-              </a:ext>
-              <a:ext uri="{C183D7F6-B498-43B3-948B-1728B52AA6E4}">
-                <adec:decorative xmlns:adec="http://schemas.microsoft.com/office/drawing/2017/decorative" val="1"/>
-              </a:ext>
-            </a:extLst>
-          </p:cNvPr>
-          <p:cNvCxnSpPr>
-            <a:cxnSpLocks noGrp="1" noRot="1" noChangeAspect="1" noMove="1" noResize="1" noEditPoints="1" noAdjustHandles="1" noChangeArrowheads="1" noChangeShapeType="1"/>
-          </p:cNvCxnSpPr>
-          <p:nvPr>
-            <p:extLst>
-              <p:ext uri="{386F3935-93C4-4BCD-93E2-E3B085C9AB24}">
-                <p16:designElem xmlns:p16="http://schemas.microsoft.com/office/powerpoint/2015/main" val="1"/>
-              </p:ext>
-            </p:extLst>
-          </p:nvPr>
-        </p:nvCxnSpPr>
-        <p:spPr>
-          <a:xfrm>
-            <a:off x="4654295" y="1828800"/>
-            <a:ext cx="0" cy="3200400"/>
-          </a:xfrm>
-          <a:prstGeom prst="line">
-            <a:avLst/>
-          </a:prstGeom>
-          <a:ln w="19050">
-            <a:solidFill>
-              <a:schemeClr val="bg2">
-                <a:lumMod val="60000"/>
-                <a:lumOff val="40000"/>
-              </a:schemeClr>
-            </a:solidFill>
-          </a:ln>
-        </p:spPr>
-        <p:style>
-          <a:lnRef idx="1">
-            <a:schemeClr val="accent1"/>
-          </a:lnRef>
-          <a:fillRef idx="0">
-            <a:schemeClr val="accent1"/>
-          </a:fillRef>
-          <a:effectRef idx="0">
-            <a:schemeClr val="accent1"/>
-          </a:effectRef>
-          <a:fontRef idx="minor">
-            <a:schemeClr val="tx1"/>
-          </a:fontRef>
-        </p:style>
-      </p:cxnSp>
-      <p:pic>
-        <p:nvPicPr>
-          <p:cNvPr id="14" name="Picture 13">
-            <a:extLst>
-              <a:ext uri="{FF2B5EF4-FFF2-40B4-BE49-F238E27FC236}">
-                <a16:creationId xmlns:a16="http://schemas.microsoft.com/office/drawing/2014/main" id="{3BC6EBB2-9BDC-4075-BA6B-43A9FBF9C86C}"/>
-              </a:ext>
-              <a:ext uri="{C183D7F6-B498-43B3-948B-1728B52AA6E4}">
-                <adec:decorative xmlns:adec="http://schemas.microsoft.com/office/drawing/2017/decorative" val="1"/>
-              </a:ext>
-            </a:extLst>
-          </p:cNvPr>
-          <p:cNvPicPr>
-            <a:picLocks noGrp="1" noRot="1" noChangeAspect="1" noMove="1" noResize="1" noEditPoints="1" noAdjustHandles="1" noChangeArrowheads="1" noChangeShapeType="1" noCrop="1"/>
-          </p:cNvPicPr>
-          <p:nvPr>
-            <p:extLst>
-              <p:ext uri="{386F3935-93C4-4BCD-93E2-E3B085C9AB24}">
-                <p16:designElem xmlns:p16="http://schemas.microsoft.com/office/powerpoint/2015/main" val="1"/>
-              </p:ext>
-            </p:extLst>
-          </p:nvPr>
-        </p:nvPicPr>
-        <p:blipFill rotWithShape="1">
-          <a:blip r:embed="rId3">
-            <a:extLst>
-              <a:ext uri="{28A0092B-C50C-407E-A947-70E740481C1C}">
-                <a14:useLocalDpi xmlns:a14="http://schemas.microsoft.com/office/drawing/2010/main" val="0"/>
-              </a:ext>
-            </a:extLst>
-          </a:blip>
-          <a:srcRect b="23320"/>
-          <a:stretch/>
-        </p:blipFill>
-        <p:spPr>
-          <a:xfrm>
-            <a:off x="8605878" y="6228080"/>
-            <a:ext cx="993734" cy="762000"/>
-          </a:xfrm>
-          <a:prstGeom prst="rect">
-            <a:avLst/>
-          </a:prstGeom>
-        </p:spPr>
-      </p:pic>
-      <p:sp>
-        <p:nvSpPr>
-          <p:cNvPr id="16" name="Freeform 5">
-            <a:extLst>
-              <a:ext uri="{FF2B5EF4-FFF2-40B4-BE49-F238E27FC236}">
-                <a16:creationId xmlns:a16="http://schemas.microsoft.com/office/drawing/2014/main" id="{F3798573-F27B-47EB-8EA4-7EE34954C2D6}"/>
-              </a:ext>
-              <a:ext uri="{C183D7F6-B498-43B3-948B-1728B52AA6E4}">
-                <adec:decorative xmlns:adec="http://schemas.microsoft.com/office/drawing/2017/decorative" val="1"/>
-              </a:ext>
-            </a:extLst>
-          </p:cNvPr>
-          <p:cNvSpPr>
-            <a:spLocks noGrp="1" noRot="1" noChangeAspect="1" noMove="1" noResize="1" noEditPoints="1" noAdjustHandles="1" noChangeArrowheads="1" noChangeShapeType="1" noTextEdit="1"/>
-          </p:cNvSpPr>
-          <p:nvPr>
-            <p:extLst>
-              <p:ext uri="{386F3935-93C4-4BCD-93E2-E3B085C9AB24}">
-                <p16:designElem xmlns:p16="http://schemas.microsoft.com/office/powerpoint/2015/main" val="1"/>
-              </p:ext>
-            </p:extLst>
-          </p:nvPr>
-        </p:nvSpPr>
-        <p:spPr bwMode="gray">
-          <a:xfrm>
-            <a:off x="-1588" y="0"/>
-            <a:ext cx="12192000" cy="6856413"/>
-          </a:xfrm>
-          <a:custGeom>
-            <a:avLst/>
-            <a:gdLst/>
-            <a:ahLst/>
-            <a:cxnLst/>
-            <a:rect l="0" t="0" r="r" b="b"/>
-            <a:pathLst>
-              <a:path w="15356" h="8638">
-                <a:moveTo>
-                  <a:pt x="0" y="0"/>
-                </a:moveTo>
-                <a:lnTo>
-                  <a:pt x="0" y="8638"/>
-                </a:lnTo>
-                <a:lnTo>
-                  <a:pt x="15356" y="8638"/>
-                </a:lnTo>
-                <a:lnTo>
-                  <a:pt x="15356" y="0"/>
-                </a:lnTo>
-                <a:lnTo>
-                  <a:pt x="0" y="0"/>
-                </a:lnTo>
-                <a:close/>
-                <a:moveTo>
-                  <a:pt x="14748" y="8038"/>
-                </a:moveTo>
-                <a:lnTo>
-                  <a:pt x="600" y="8038"/>
-                </a:lnTo>
-                <a:lnTo>
-                  <a:pt x="600" y="592"/>
-                </a:lnTo>
-                <a:lnTo>
-                  <a:pt x="14748" y="592"/>
-                </a:lnTo>
-                <a:lnTo>
-                  <a:pt x="14748" y="8038"/>
-                </a:lnTo>
-                <a:close/>
-              </a:path>
-            </a:pathLst>
-          </a:custGeom>
-          <a:solidFill>
-            <a:schemeClr val="tx1"/>
-          </a:solidFill>
-          <a:ln>
-            <a:noFill/>
-          </a:ln>
-        </p:spPr>
-      </p:sp>
-      <p:sp>
-        <p:nvSpPr>
-          <p:cNvPr id="2" name="Title 1">
-            <a:extLst>
-              <a:ext uri="{FF2B5EF4-FFF2-40B4-BE49-F238E27FC236}">
-                <a16:creationId xmlns:a16="http://schemas.microsoft.com/office/drawing/2014/main" id="{516A6307-91EF-E045-A4C2-70567D756D5E}"/>
-              </a:ext>
-            </a:extLst>
-          </p:cNvPr>
-          <p:cNvSpPr>
-            <a:spLocks noGrp="1"/>
-          </p:cNvSpPr>
-          <p:nvPr>
-            <p:ph type="title"/>
-          </p:nvPr>
-        </p:nvSpPr>
-        <p:spPr>
-          <a:xfrm>
-            <a:off x="806195" y="804672"/>
-            <a:ext cx="3521359" cy="5248656"/>
-          </a:xfrm>
-        </p:spPr>
-        <p:txBody>
-          <a:bodyPr anchor="ctr">
-            <a:normAutofit/>
-          </a:bodyPr>
-          <a:lstStyle/>
-          <a:p>
-            <a:pPr algn="ctr"/>
-            <a:r>
-              <a:rPr lang="en-US" dirty="0"/>
-              <a:t>Introduction</a:t>
-            </a:r>
-            <a:endParaRPr lang="en-US"/>
-          </a:p>
-        </p:txBody>
-      </p:sp>
-      <p:sp>
-        <p:nvSpPr>
-          <p:cNvPr id="3" name="Content Placeholder 2">
-            <a:extLst>
-              <a:ext uri="{FF2B5EF4-FFF2-40B4-BE49-F238E27FC236}">
-                <a16:creationId xmlns:a16="http://schemas.microsoft.com/office/drawing/2014/main" id="{8AA3FE67-CBBF-E440-8118-F9D6BAF0E04D}"/>
-              </a:ext>
-            </a:extLst>
-          </p:cNvPr>
-          <p:cNvSpPr>
-            <a:spLocks noGrp="1"/>
-          </p:cNvSpPr>
-          <p:nvPr>
-            <p:ph idx="1"/>
-          </p:nvPr>
-        </p:nvSpPr>
-        <p:spPr>
-          <a:xfrm>
-            <a:off x="4975861" y="804671"/>
-            <a:ext cx="6399930" cy="5248657"/>
-          </a:xfrm>
-        </p:spPr>
-        <p:txBody>
-          <a:bodyPr anchor="ctr">
-            <a:normAutofit/>
-          </a:bodyPr>
-          <a:lstStyle/>
-          <a:p>
-            <a:r>
-              <a:rPr lang="en-US" dirty="0"/>
-              <a:t>What is Opinion Mining?</a:t>
-            </a:r>
-          </a:p>
-          <a:p>
-            <a:r>
-              <a:rPr lang="en-US" dirty="0"/>
-              <a:t>What is Aspect-Based Sentiment Analysis</a:t>
-            </a:r>
-          </a:p>
-        </p:txBody>
-      </p:sp>
-    </p:spTree>
-    <p:extLst>
-      <p:ext uri="{BB962C8B-B14F-4D97-AF65-F5344CB8AC3E}">
-        <p14:creationId xmlns:p14="http://schemas.microsoft.com/office/powerpoint/2010/main" val="4100033517"/>
-      </p:ext>
-    </p:extLst>
-  </p:cSld>
-  <p:clrMapOvr>
-    <a:masterClrMapping/>
   </p:clrMapOvr>
 </p:sld>
 </file>

--- a/Bootcamp/Final Capstone Opinion Mining/Opinion Mining Presentation.pptx
+++ b/Bootcamp/Final Capstone Opinion Mining/Opinion Mining Presentation.pptx
@@ -4338,7 +4338,7 @@
           </a:pPr>
           <a:r>
             <a:rPr lang="en-US" b="0" i="0" dirty="0"/>
-            <a:t>What are some negative aspects of the iPhone X that people dislike about our product?</a:t>
+            <a:t>What do people dislike about the iPhone X?</a:t>
           </a:r>
           <a:endParaRPr lang="en-US" dirty="0"/>
         </a:p>
@@ -5148,7 +5148,7 @@
         <a:lstStyle/>
         <a:p>
           <a:r>
-            <a:rPr lang="en-US"/>
+            <a:rPr lang="en-US" dirty="0"/>
             <a:t>3. WordSim353 to Evaluate Word2Vec model</a:t>
           </a:r>
         </a:p>
@@ -6380,7 +6380,7 @@
           </a:pPr>
           <a:r>
             <a:rPr lang="en-US" sz="2000" b="0" i="0" kern="1200" dirty="0"/>
-            <a:t>What are some negative aspects of the iPhone X that people dislike about our product?</a:t>
+            <a:t>What do people dislike about the iPhone X?</a:t>
           </a:r>
           <a:endParaRPr lang="en-US" sz="2000" kern="1200" dirty="0"/>
         </a:p>
@@ -8082,7 +8082,7 @@
             <a:buNone/>
           </a:pPr>
           <a:r>
-            <a:rPr lang="en-US" sz="2000" kern="1200"/>
+            <a:rPr lang="en-US" sz="2000" kern="1200" dirty="0"/>
             <a:t>3. WordSim353 to Evaluate Word2Vec model</a:t>
           </a:r>
         </a:p>
@@ -15659,7 +15659,7 @@
           <a:p>
             <a:fld id="{4AAD347D-5ACD-4C99-B74B-A9C85AD731AF}" type="datetimeFigureOut">
               <a:rPr lang="en-US" dirty="0"/>
-              <a:t>2/18/19</a:t>
+              <a:t>2/25/19</a:t>
             </a:fld>
             <a:endParaRPr lang="en-US" dirty="0"/>
           </a:p>
@@ -15929,7 +15929,7 @@
           <a:p>
             <a:fld id="{4509A250-FF31-4206-8172-F9D3106AACB1}" type="datetimeFigureOut">
               <a:rPr lang="en-US" dirty="0"/>
-              <a:t>2/18/19</a:t>
+              <a:t>2/25/19</a:t>
             </a:fld>
             <a:endParaRPr lang="en-US" dirty="0"/>
           </a:p>
@@ -16118,7 +16118,7 @@
           <a:p>
             <a:fld id="{4509A250-FF31-4206-8172-F9D3106AACB1}" type="datetimeFigureOut">
               <a:rPr lang="en-US" dirty="0"/>
-              <a:t>2/18/19</a:t>
+              <a:t>2/25/19</a:t>
             </a:fld>
             <a:endParaRPr lang="en-US" dirty="0"/>
           </a:p>
@@ -16386,7 +16386,7 @@
           <a:p>
             <a:fld id="{4509A250-FF31-4206-8172-F9D3106AACB1}" type="datetimeFigureOut">
               <a:rPr lang="en-US" dirty="0"/>
-              <a:t>2/18/19</a:t>
+              <a:t>2/25/19</a:t>
             </a:fld>
             <a:endParaRPr lang="en-US" dirty="0"/>
           </a:p>
@@ -16722,7 +16722,7 @@
           <a:p>
             <a:fld id="{4509A250-FF31-4206-8172-F9D3106AACB1}" type="datetimeFigureOut">
               <a:rPr lang="en-US" dirty="0"/>
-              <a:t>2/18/19</a:t>
+              <a:t>2/25/19</a:t>
             </a:fld>
             <a:endParaRPr lang="en-US" dirty="0"/>
           </a:p>
@@ -17340,7 +17340,7 @@
           <a:p>
             <a:fld id="{4509A250-FF31-4206-8172-F9D3106AACB1}" type="datetimeFigureOut">
               <a:rPr lang="en-US" dirty="0"/>
-              <a:t>2/18/19</a:t>
+              <a:t>2/25/19</a:t>
             </a:fld>
             <a:endParaRPr lang="en-US" dirty="0"/>
           </a:p>
@@ -18195,7 +18195,7 @@
           <a:p>
             <a:fld id="{4509A250-FF31-4206-8172-F9D3106AACB1}" type="datetimeFigureOut">
               <a:rPr lang="en-US" dirty="0"/>
-              <a:t>2/18/19</a:t>
+              <a:t>2/25/19</a:t>
             </a:fld>
             <a:endParaRPr lang="en-US" dirty="0"/>
           </a:p>
@@ -18360,7 +18360,7 @@
           <a:p>
             <a:fld id="{4509A250-FF31-4206-8172-F9D3106AACB1}" type="datetimeFigureOut">
               <a:rPr lang="en-US" dirty="0"/>
-              <a:t>2/18/19</a:t>
+              <a:t>2/25/19</a:t>
             </a:fld>
             <a:endParaRPr lang="en-US" dirty="0"/>
           </a:p>
@@ -18535,7 +18535,7 @@
           <a:p>
             <a:fld id="{4509A250-FF31-4206-8172-F9D3106AACB1}" type="datetimeFigureOut">
               <a:rPr lang="en-US" dirty="0"/>
-              <a:t>2/18/19</a:t>
+              <a:t>2/25/19</a:t>
             </a:fld>
             <a:endParaRPr lang="en-US" dirty="0"/>
           </a:p>
@@ -18700,7 +18700,7 @@
           <a:p>
             <a:fld id="{4509A250-FF31-4206-8172-F9D3106AACB1}" type="datetimeFigureOut">
               <a:rPr lang="en-US" dirty="0"/>
-              <a:t>2/18/19</a:t>
+              <a:t>2/25/19</a:t>
             </a:fld>
             <a:endParaRPr lang="en-US" dirty="0"/>
           </a:p>
@@ -18942,7 +18942,7 @@
           <a:p>
             <a:fld id="{9796027F-7875-4030-9381-8BD8C4F21935}" type="datetimeFigureOut">
               <a:rPr lang="en-US" dirty="0"/>
-              <a:t>2/18/19</a:t>
+              <a:t>2/25/19</a:t>
             </a:fld>
             <a:endParaRPr lang="en-US" dirty="0"/>
           </a:p>
@@ -19229,7 +19229,7 @@
           <a:p>
             <a:fld id="{9796027F-7875-4030-9381-8BD8C4F21935}" type="datetimeFigureOut">
               <a:rPr lang="en-US" dirty="0"/>
-              <a:t>2/18/19</a:t>
+              <a:t>2/25/19</a:t>
             </a:fld>
             <a:endParaRPr lang="en-US" dirty="0"/>
           </a:p>
@@ -19668,7 +19668,7 @@
           <a:p>
             <a:fld id="{9796027F-7875-4030-9381-8BD8C4F21935}" type="datetimeFigureOut">
               <a:rPr lang="en-US" dirty="0"/>
-              <a:t>2/18/19</a:t>
+              <a:t>2/25/19</a:t>
             </a:fld>
             <a:endParaRPr lang="en-US" dirty="0"/>
           </a:p>
@@ -19781,7 +19781,7 @@
           <a:p>
             <a:fld id="{4509A250-FF31-4206-8172-F9D3106AACB1}" type="datetimeFigureOut">
               <a:rPr lang="en-US" dirty="0"/>
-              <a:t>2/18/19</a:t>
+              <a:t>2/25/19</a:t>
             </a:fld>
             <a:endParaRPr lang="en-US" dirty="0"/>
           </a:p>
@@ -19871,7 +19871,7 @@
           <a:p>
             <a:fld id="{4509A250-FF31-4206-8172-F9D3106AACB1}" type="datetimeFigureOut">
               <a:rPr lang="en-US" dirty="0"/>
-              <a:t>2/18/19</a:t>
+              <a:t>2/25/19</a:t>
             </a:fld>
             <a:endParaRPr lang="en-US" dirty="0"/>
           </a:p>
@@ -20145,7 +20145,7 @@
           <a:p>
             <a:fld id="{4509A250-FF31-4206-8172-F9D3106AACB1}" type="datetimeFigureOut">
               <a:rPr lang="en-US" dirty="0"/>
-              <a:t>2/18/19</a:t>
+              <a:t>2/25/19</a:t>
             </a:fld>
             <a:endParaRPr lang="en-US" dirty="0"/>
           </a:p>
@@ -20415,7 +20415,7 @@
           <a:p>
             <a:fld id="{4509A250-FF31-4206-8172-F9D3106AACB1}" type="datetimeFigureOut">
               <a:rPr lang="en-US" dirty="0"/>
-              <a:t>2/18/19</a:t>
+              <a:t>2/25/19</a:t>
             </a:fld>
             <a:endParaRPr lang="en-US" dirty="0"/>
           </a:p>
@@ -20839,7 +20839,7 @@
           <a:p>
             <a:fld id="{4AAD347D-5ACD-4C99-B74B-A9C85AD731AF}" type="datetimeFigureOut">
               <a:rPr lang="en-US" dirty="0"/>
-              <a:t>2/18/19</a:t>
+              <a:t>2/25/19</a:t>
             </a:fld>
             <a:endParaRPr lang="en-US" dirty="0"/>
           </a:p>
@@ -25848,7 +25848,7 @@
           <a:lstStyle/>
           <a:p>
             <a:r>
-              <a:rPr lang="en-US" sz="4800" b="0" i="0" kern="1200">
+              <a:rPr lang="en-US" sz="4800" b="0" i="0" kern="1200" dirty="0">
                 <a:solidFill>
                   <a:srgbClr val="EBEBEB"/>
                 </a:solidFill>
@@ -25856,7 +25856,7 @@
                 <a:ea typeface="+mj-ea"/>
                 <a:cs typeface="+mj-cs"/>
               </a:rPr>
-              <a:t>LDA</a:t>
+              <a:t>Latent Dirichlet Allocation</a:t>
             </a:r>
           </a:p>
         </p:txBody>
@@ -43893,7 +43893,7 @@
         </p:spPr>
         <p:txBody>
           <a:bodyPr anchor="ctr">
-            <a:normAutofit/>
+            <a:normAutofit lnSpcReduction="10000"/>
           </a:bodyPr>
           <a:lstStyle/>
           <a:p>
@@ -43903,7 +43903,7 @@
               </a:lnSpc>
             </a:pPr>
             <a:r>
-              <a:rPr lang="en-US" sz="1000">
+              <a:rPr lang="en-US" sz="1000" dirty="0">
                 <a:hlinkClick r:id="rId4"/>
               </a:rPr>
               <a:t>"Apple iPhone sales 2018." Statista. Statista. 19 Feb. 2019 &lt;https://www.statista.com/statistics/263401/global-apple-iphone-sales-since-3rd-quarter-2007/&gt;.</a:t>
@@ -43915,7 +43915,7 @@
                 <a:spcPct val="90000"/>
               </a:lnSpc>
             </a:pPr>
-            <a:endParaRPr lang="en-US" sz="1000">
+            <a:endParaRPr lang="en-US" sz="1000" dirty="0">
               <a:hlinkClick r:id="rId4"/>
             </a:endParaRPr>
           </a:p>
@@ -43926,7 +43926,7 @@
               </a:lnSpc>
             </a:pPr>
             <a:r>
-              <a:rPr lang="en-US" sz="1000">
+              <a:rPr lang="en-US" sz="1000" dirty="0">
                 <a:hlinkClick r:id="rId4"/>
               </a:rPr>
               <a:t>Bansal, Shivam, and Natural Language Processing and Machine Learning. "Beginners Guide to Topic Modeling in Python." Analytics Vidhya. 11 Jan. 2019. 19 Feb. 2019 &lt;https://www.analyticsvidhya.com/blog/2016/08/beginners-guide-to-topic-modeling-in-python/&gt;.</a:t>
@@ -43938,7 +43938,7 @@
                 <a:spcPct val="90000"/>
               </a:lnSpc>
             </a:pPr>
-            <a:endParaRPr lang="en-US" sz="1000">
+            <a:endParaRPr lang="en-US" sz="1000" dirty="0">
               <a:hlinkClick r:id="rId4"/>
             </a:endParaRPr>
           </a:p>
@@ -43949,7 +43949,7 @@
               </a:lnSpc>
             </a:pPr>
             <a:r>
-              <a:rPr lang="en-US" sz="1000">
+              <a:rPr lang="en-US" sz="1000" dirty="0">
                 <a:hlinkClick r:id="rId4"/>
               </a:rPr>
               <a:t>Li, Susan. "Topic Modeling and Latent Dirichlet Allocation (LDA) in Python." Towards Data Science. 31 May 2018. Towards Data Science. 19 Feb. 2019 &lt;https://towardsdatascience.com/topic-modeling-and-latent-dirichlet-allocation-in-python-9bf156893c24&gt;.</a:t>
@@ -43961,7 +43961,7 @@
                 <a:spcPct val="90000"/>
               </a:lnSpc>
             </a:pPr>
-            <a:endParaRPr lang="en-US" sz="1000">
+            <a:endParaRPr lang="en-US" sz="1000" dirty="0">
               <a:hlinkClick r:id="rId4"/>
             </a:endParaRPr>
           </a:p>
@@ -43972,7 +43972,7 @@
               </a:lnSpc>
             </a:pPr>
             <a:r>
-              <a:rPr lang="en-US" sz="1000">
+              <a:rPr lang="en-US" sz="1000" dirty="0">
                 <a:hlinkClick r:id="rId4"/>
               </a:rPr>
               <a:t>Li, Susan. "Topic Modelling in Python with NLTK and Gensim – Towards Data Science." Towards Data Science. 30 Mar. 2018. Towards Data Science. 19 Feb. 2019 &lt;https://towardsdatascience.com/topic-modelling-in-python-with-nltk-and-gensim-4ef03213cd21&gt;.</a:t>
@@ -43984,7 +43984,7 @@
                 <a:spcPct val="90000"/>
               </a:lnSpc>
             </a:pPr>
-            <a:endParaRPr lang="en-US" sz="1000">
+            <a:endParaRPr lang="en-US" sz="1000" dirty="0">
               <a:hlinkClick r:id="rId4"/>
             </a:endParaRPr>
           </a:p>
@@ -43995,7 +43995,7 @@
               </a:lnSpc>
             </a:pPr>
             <a:r>
-              <a:rPr lang="en-US" sz="1000">
+              <a:rPr lang="en-US" sz="1000" dirty="0">
                 <a:hlinkClick r:id="rId4"/>
               </a:rPr>
               <a:t>Min, Peter. "Aspect-Based Opinion Mining (NLP with Python) – Peter Min – Medium." Medium.com. 06 June 2018. Medium. 19 Feb. 2019 &lt;https://medium.com/@pmin91/aspect-based-opinion-mining-nlp-with-python-a53eb4752800&gt;.</a:t>
@@ -44008,12 +44008,11 @@
               </a:lnSpc>
             </a:pPr>
             <a:r>
-              <a:rPr lang="en-US" sz="1000">
+              <a:rPr lang="en-US" sz="1000" dirty="0">
                 <a:hlinkClick r:id="rId4"/>
               </a:rPr>
-              <a:t>https://www.digitaltrends.com/</a:t>
+              <a:t>https://www.cs.uic.edu/~liub/FBS/sentiment-analysis.html</a:t>
             </a:r>
-            <a:endParaRPr lang="en-US" sz="1000"/>
           </a:p>
           <a:p>
             <a:pPr>
@@ -44022,12 +44021,11 @@
               </a:lnSpc>
             </a:pPr>
             <a:r>
-              <a:rPr lang="en-US" sz="1000">
-                <a:hlinkClick r:id="rId5"/>
+              <a:rPr lang="en-US" sz="1000" dirty="0">
+                <a:hlinkClick r:id="rId4"/>
               </a:rPr>
-              <a:t>https://www.gizmodo.com/</a:t>
+              <a:t>http://www.cs.technion.ac.il/~gabr/resources/data/wordsim353/</a:t>
             </a:r>
-            <a:endParaRPr lang="en-US" sz="1000"/>
           </a:p>
           <a:p>
             <a:pPr>
@@ -44036,12 +44034,12 @@
               </a:lnSpc>
             </a:pPr>
             <a:r>
-              <a:rPr lang="en-US" sz="1000">
-                <a:hlinkClick r:id="rId6"/>
+              <a:rPr lang="en-US" sz="1000" dirty="0">
+                <a:hlinkClick r:id="rId4"/>
               </a:rPr>
-              <a:t>https://www.techradar.com/</a:t>
+              <a:t>https://www.digitaltrends.com/</a:t>
             </a:r>
-            <a:endParaRPr lang="en-US" sz="1000"/>
+            <a:endParaRPr lang="en-US" sz="1000" dirty="0"/>
           </a:p>
           <a:p>
             <a:pPr>
@@ -44049,7 +44047,13 @@
                 <a:spcPct val="90000"/>
               </a:lnSpc>
             </a:pPr>
-            <a:endParaRPr lang="en-US" sz="1000"/>
+            <a:r>
+              <a:rPr lang="en-US" sz="1000" dirty="0">
+                <a:hlinkClick r:id="rId5"/>
+              </a:rPr>
+              <a:t>https://www.gizmodo.com/</a:t>
+            </a:r>
+            <a:endParaRPr lang="en-US" sz="1000" dirty="0"/>
           </a:p>
           <a:p>
             <a:pPr>
@@ -44057,7 +44061,29 @@
                 <a:spcPct val="90000"/>
               </a:lnSpc>
             </a:pPr>
-            <a:endParaRPr lang="en-US" sz="1000"/>
+            <a:r>
+              <a:rPr lang="en-US" sz="1000" dirty="0">
+                <a:hlinkClick r:id="rId6"/>
+              </a:rPr>
+              <a:t>https://www.techradar.com/</a:t>
+            </a:r>
+            <a:endParaRPr lang="en-US" sz="1000" dirty="0"/>
+          </a:p>
+          <a:p>
+            <a:pPr>
+              <a:lnSpc>
+                <a:spcPct val="90000"/>
+              </a:lnSpc>
+            </a:pPr>
+            <a:endParaRPr lang="en-US" sz="1000" dirty="0"/>
+          </a:p>
+          <a:p>
+            <a:pPr>
+              <a:lnSpc>
+                <a:spcPct val="90000"/>
+              </a:lnSpc>
+            </a:pPr>
+            <a:endParaRPr lang="en-US" sz="1000" dirty="0"/>
           </a:p>
         </p:txBody>
       </p:sp>
@@ -45111,13 +45137,13 @@
             <p:ph idx="1"/>
             <p:extLst>
               <p:ext uri="{D42A27DB-BD31-4B8C-83A1-F6EECF244321}">
-                <p14:modId xmlns:p14="http://schemas.microsoft.com/office/powerpoint/2010/main" val="649607544"/>
+                <p14:modId xmlns:p14="http://schemas.microsoft.com/office/powerpoint/2010/main" val="2188440104"/>
               </p:ext>
             </p:extLst>
           </p:nvPr>
         </p:nvGraphicFramePr>
         <p:xfrm>
-          <a:off x="5048250" y="1447800"/>
+          <a:off x="5048250" y="1471551"/>
           <a:ext cx="6496050" cy="4572000"/>
         </p:xfrm>
         <a:graphic>
@@ -45673,15 +45699,15 @@
               </a:lnSpc>
             </a:pPr>
             <a:r>
-              <a:rPr lang="en-US" sz="1700"/>
+              <a:rPr lang="en-US" sz="1700" dirty="0"/>
               <a:t>1. </a:t>
             </a:r>
             <a:r>
-              <a:rPr lang="en-US" sz="1700" err="1"/>
+              <a:rPr lang="en-US" sz="1700" dirty="0" err="1"/>
               <a:t>Scrapy</a:t>
             </a:r>
             <a:r>
-              <a:rPr lang="en-US" sz="1700"/>
+              <a:rPr lang="en-US" sz="1700" dirty="0"/>
               <a:t> to scrape data</a:t>
             </a:r>
           </a:p>
@@ -45692,15 +45718,15 @@
               </a:lnSpc>
             </a:pPr>
             <a:r>
-              <a:rPr lang="en-US" sz="1700"/>
+              <a:rPr lang="en-US" sz="1700" dirty="0"/>
               <a:t>2. NLTK, Spacy and </a:t>
             </a:r>
             <a:r>
-              <a:rPr lang="en-US" sz="1700" err="1"/>
+              <a:rPr lang="en-US" sz="1700" dirty="0" err="1"/>
               <a:t>Gensim</a:t>
             </a:r>
             <a:r>
-              <a:rPr lang="en-US" sz="1700"/>
+              <a:rPr lang="en-US" sz="1700" dirty="0"/>
               <a:t> process texts</a:t>
             </a:r>
           </a:p>
@@ -45711,16 +45737,24 @@
               </a:lnSpc>
             </a:pPr>
             <a:r>
-              <a:rPr lang="en-US" sz="1700"/>
+              <a:rPr lang="en-US" sz="1700" dirty="0"/>
               <a:t>3. </a:t>
             </a:r>
             <a:r>
-              <a:rPr lang="en-US" sz="1700" err="1"/>
+              <a:rPr lang="en-US" sz="1700" dirty="0" err="1"/>
               <a:t>Gensim's</a:t>
             </a:r>
             <a:r>
-              <a:rPr lang="en-US" sz="1700"/>
-              <a:t> Latent Dirichlet Allocation to extract and assign topics</a:t>
+              <a:rPr lang="en-US" sz="1700" dirty="0"/>
+              <a:t> Latent Dirichlet Allocation, </a:t>
+            </a:r>
+            <a:r>
+              <a:rPr lang="en-US" sz="1700" dirty="0" err="1"/>
+              <a:t>Countvectorizer</a:t>
+            </a:r>
+            <a:r>
+              <a:rPr lang="en-US" sz="1700" dirty="0"/>
+              <a:t> and TF-IDF vectorizer to extract and assign topics</a:t>
             </a:r>
           </a:p>
           <a:p>
@@ -45730,15 +45764,15 @@
               </a:lnSpc>
             </a:pPr>
             <a:r>
-              <a:rPr lang="en-US" sz="1700"/>
+              <a:rPr lang="en-US" sz="1700" dirty="0"/>
               <a:t>4. </a:t>
             </a:r>
             <a:r>
-              <a:rPr lang="en-US" sz="1700" err="1"/>
+              <a:rPr lang="en-US" sz="1700" dirty="0" err="1"/>
               <a:t>pyLDAvis</a:t>
             </a:r>
             <a:r>
-              <a:rPr lang="en-US" sz="1700"/>
+              <a:rPr lang="en-US" sz="1700" dirty="0"/>
               <a:t> for visualization</a:t>
             </a:r>
           </a:p>
@@ -45749,15 +45783,15 @@
               </a:lnSpc>
             </a:pPr>
             <a:r>
-              <a:rPr lang="en-US" sz="1700"/>
+              <a:rPr lang="en-US" sz="1700" dirty="0"/>
               <a:t>5. </a:t>
             </a:r>
             <a:r>
-              <a:rPr lang="en-US" sz="1700" err="1"/>
+              <a:rPr lang="en-US" sz="1700" dirty="0" err="1"/>
               <a:t>Scikit</a:t>
             </a:r>
             <a:r>
-              <a:rPr lang="en-US" sz="1700"/>
+              <a:rPr lang="en-US" sz="1700" dirty="0"/>
               <a:t> Learn, Multi-Label Naive Bayes and Support Vector Machines to train text data on Topics</a:t>
             </a:r>
           </a:p>
@@ -45768,31 +45802,31 @@
               </a:lnSpc>
             </a:pPr>
             <a:r>
-              <a:rPr lang="en-US" sz="1700"/>
+              <a:rPr lang="en-US" sz="1700" dirty="0"/>
               <a:t>6. </a:t>
             </a:r>
             <a:r>
-              <a:rPr lang="en-US" sz="1700" err="1"/>
+              <a:rPr lang="en-US" sz="1700" dirty="0" err="1"/>
               <a:t>Scikit</a:t>
             </a:r>
             <a:r>
-              <a:rPr lang="en-US" sz="1700"/>
+              <a:rPr lang="en-US" sz="1700" dirty="0"/>
               <a:t> </a:t>
             </a:r>
             <a:r>
-              <a:rPr lang="en-US" sz="1700" err="1"/>
+              <a:rPr lang="en-US" sz="1700" dirty="0" err="1"/>
               <a:t>Multilearn</a:t>
             </a:r>
             <a:r>
-              <a:rPr lang="en-US" sz="1700"/>
+              <a:rPr lang="en-US" sz="1700" dirty="0"/>
               <a:t>, </a:t>
             </a:r>
             <a:r>
-              <a:rPr lang="en-US" sz="1700" err="1"/>
+              <a:rPr lang="en-US" sz="1700" dirty="0" err="1"/>
               <a:t>PowerLabelset</a:t>
             </a:r>
             <a:r>
-              <a:rPr lang="en-US" sz="1700"/>
+              <a:rPr lang="en-US" sz="1700" dirty="0"/>
               <a:t> to train on multiple labels</a:t>
             </a:r>
           </a:p>
@@ -45803,16 +45837,8 @@
               </a:lnSpc>
             </a:pPr>
             <a:r>
-              <a:rPr lang="en-US" sz="1700"/>
-              <a:t>7. Spacy Dependency Parser, </a:t>
-            </a:r>
-            <a:r>
-              <a:rPr lang="en-US" sz="1700" err="1"/>
-              <a:t>Countvectorizer</a:t>
-            </a:r>
-            <a:r>
-              <a:rPr lang="en-US" sz="1700"/>
-              <a:t> and TF-IDF vectorizer for Aspect-Based Semantic Analysis</a:t>
+              <a:rPr lang="en-US" sz="1700" dirty="0"/>
+              <a:t>7. Spacy for Aspect-Based Semantic Analysis</a:t>
             </a:r>
           </a:p>
           <a:p>
@@ -45822,7 +45848,7 @@
               </a:lnSpc>
             </a:pPr>
             <a:r>
-              <a:rPr lang="en-US" sz="1700"/>
+              <a:rPr lang="en-US" sz="1700" dirty="0"/>
               <a:t>8. Word2Vec pre-trained on Google's News dataset for assigning aspects and sentiments to topics</a:t>
             </a:r>
           </a:p>
@@ -45833,7 +45859,7 @@
               </a:lnSpc>
             </a:pPr>
             <a:r>
-              <a:rPr lang="en-US" sz="1700"/>
+              <a:rPr lang="en-US" sz="1700" dirty="0"/>
               <a:t>9. Matplotlib and Seaborn for data visualization</a:t>
             </a:r>
           </a:p>
